--- a/Диплом/Шимко А. Ч..pptx
+++ b/Диплом/Шимко А. Ч..pptx
@@ -7,14 +7,19 @@
   <p:sldIdLst>
     <p:sldId id="256" r:id="rId2"/>
     <p:sldId id="257" r:id="rId3"/>
-    <p:sldId id="258" r:id="rId4"/>
-    <p:sldId id="264" r:id="rId5"/>
-    <p:sldId id="266" r:id="rId6"/>
-    <p:sldId id="261" r:id="rId7"/>
-    <p:sldId id="272" r:id="rId8"/>
-    <p:sldId id="270" r:id="rId9"/>
-    <p:sldId id="271" r:id="rId10"/>
-    <p:sldId id="262" r:id="rId11"/>
+    <p:sldId id="273" r:id="rId4"/>
+    <p:sldId id="258" r:id="rId5"/>
+    <p:sldId id="264" r:id="rId6"/>
+    <p:sldId id="266" r:id="rId7"/>
+    <p:sldId id="261" r:id="rId8"/>
+    <p:sldId id="274" r:id="rId9"/>
+    <p:sldId id="275" r:id="rId10"/>
+    <p:sldId id="276" r:id="rId11"/>
+    <p:sldId id="272" r:id="rId12"/>
+    <p:sldId id="270" r:id="rId13"/>
+    <p:sldId id="277" r:id="rId14"/>
+    <p:sldId id="278" r:id="rId15"/>
+    <p:sldId id="262" r:id="rId16"/>
   </p:sldIdLst>
   <p:sldSz cx="9144000" cy="6858000" type="screen4x3"/>
   <p:notesSz cx="6858000" cy="9144000"/>
@@ -1134,7 +1139,7 @@
               <a:pPr>
                 <a:defRPr/>
               </a:pPr>
-              <a:t>06.03.2017</a:t>
+              <a:t>22.05.2017</a:t>
             </a:fld>
             <a:endParaRPr lang="ru-RU"/>
           </a:p>
@@ -1336,7 +1341,7 @@
               <a:pPr>
                 <a:defRPr/>
               </a:pPr>
-              <a:t>06.03.2017</a:t>
+              <a:t>22.05.2017</a:t>
             </a:fld>
             <a:endParaRPr lang="ru-RU"/>
           </a:p>
@@ -1538,7 +1543,7 @@
               <a:pPr>
                 <a:defRPr/>
               </a:pPr>
-              <a:t>06.03.2017</a:t>
+              <a:t>22.05.2017</a:t>
             </a:fld>
             <a:endParaRPr lang="ru-RU"/>
           </a:p>
@@ -1735,7 +1740,7 @@
               <a:pPr>
                 <a:defRPr/>
               </a:pPr>
-              <a:t>06.03.2017</a:t>
+              <a:t>22.05.2017</a:t>
             </a:fld>
             <a:endParaRPr lang="ru-RU"/>
           </a:p>
@@ -2815,7 +2820,7 @@
               <a:pPr>
                 <a:defRPr/>
               </a:pPr>
-              <a:t>06.03.2017</a:t>
+              <a:t>22.05.2017</a:t>
             </a:fld>
             <a:endParaRPr lang="ru-RU"/>
           </a:p>
@@ -3079,7 +3084,7 @@
               <a:pPr>
                 <a:defRPr/>
               </a:pPr>
-              <a:t>06.03.2017</a:t>
+              <a:t>22.05.2017</a:t>
             </a:fld>
             <a:endParaRPr lang="ru-RU"/>
           </a:p>
@@ -3438,7 +3443,7 @@
               <a:pPr>
                 <a:defRPr/>
               </a:pPr>
-              <a:t>06.03.2017</a:t>
+              <a:t>22.05.2017</a:t>
             </a:fld>
             <a:endParaRPr lang="ru-RU"/>
           </a:p>
@@ -3578,7 +3583,7 @@
               <a:pPr>
                 <a:defRPr/>
               </a:pPr>
-              <a:t>06.03.2017</a:t>
+              <a:t>22.05.2017</a:t>
             </a:fld>
             <a:endParaRPr lang="ru-RU"/>
           </a:p>
@@ -3695,7 +3700,7 @@
               <a:pPr>
                 <a:defRPr/>
               </a:pPr>
-              <a:t>06.03.2017</a:t>
+              <a:t>22.05.2017</a:t>
             </a:fld>
             <a:endParaRPr lang="ru-RU"/>
           </a:p>
@@ -4310,7 +4315,7 @@
               <a:pPr>
                 <a:defRPr/>
               </a:pPr>
-              <a:t>06.03.2017</a:t>
+              <a:t>22.05.2017</a:t>
             </a:fld>
             <a:endParaRPr lang="ru-RU"/>
           </a:p>
@@ -4923,7 +4928,7 @@
               <a:pPr>
                 <a:defRPr/>
               </a:pPr>
-              <a:t>06.03.2017</a:t>
+              <a:t>22.05.2017</a:t>
             </a:fld>
             <a:endParaRPr lang="ru-RU"/>
           </a:p>
@@ -5220,7 +5225,7 @@
               <a:pPr>
                 <a:defRPr/>
               </a:pPr>
-              <a:t>06.03.2017</a:t>
+              <a:t>22.05.2017</a:t>
             </a:fld>
             <a:endParaRPr lang="ru-RU"/>
           </a:p>
@@ -6037,7 +6042,7 @@
         </p:nvSpPr>
         <p:spPr>
           <a:xfrm>
-            <a:off x="2286000" y="1571625"/>
+            <a:off x="2071670" y="428604"/>
             <a:ext cx="6172200" cy="3446463"/>
           </a:xfrm>
         </p:spPr>
@@ -6117,51 +6122,15 @@
         </p:nvSpPr>
         <p:spPr>
           <a:xfrm>
-            <a:off x="2286000" y="5003800"/>
-            <a:ext cx="6172200" cy="1371600"/>
+            <a:off x="2286000" y="4143380"/>
+            <a:ext cx="6172200" cy="2232020"/>
           </a:xfrm>
         </p:spPr>
         <p:txBody>
           <a:bodyPr>
-            <a:normAutofit fontScale="85000" lnSpcReduction="20000"/>
+            <a:normAutofit/>
           </a:bodyPr>
           <a:lstStyle/>
-          <a:p>
-            <a:pPr algn="r" eaLnBrk="1" fontAlgn="auto" hangingPunct="1">
-              <a:spcAft>
-                <a:spcPts val="0"/>
-              </a:spcAft>
-              <a:buFont typeface="Wingdings"/>
-              <a:buNone/>
-              <a:defRPr/>
-            </a:pPr>
-            <a:r>
-              <a:rPr lang="ru-RU" dirty="0" smtClean="0">
-                <a:solidFill>
-                  <a:schemeClr val="tx1"/>
-                </a:solidFill>
-              </a:rPr>
-              <a:t>Подготовил: </a:t>
-            </a:r>
-          </a:p>
-          <a:p>
-            <a:pPr algn="r" eaLnBrk="1" fontAlgn="auto" hangingPunct="1">
-              <a:spcAft>
-                <a:spcPts val="0"/>
-              </a:spcAft>
-              <a:buFont typeface="Wingdings"/>
-              <a:buNone/>
-              <a:defRPr/>
-            </a:pPr>
-            <a:r>
-              <a:rPr lang="ru-RU" dirty="0" smtClean="0">
-                <a:solidFill>
-                  <a:schemeClr val="tx1"/>
-                </a:solidFill>
-              </a:rPr>
-              <a:t>Студент 5 курса 9 группы</a:t>
-            </a:r>
-          </a:p>
           <a:p>
             <a:pPr algn="r" eaLnBrk="1" fontAlgn="auto" hangingPunct="1">
               <a:spcAft>
@@ -6185,26 +6154,29 @@
                   <a:schemeClr val="tx1"/>
                 </a:solidFill>
               </a:rPr>
-              <a:t> Андрей</a:t>
-            </a:r>
-          </a:p>
-          <a:p>
-            <a:pPr algn="r" eaLnBrk="1" fontAlgn="auto" hangingPunct="1">
-              <a:spcAft>
-                <a:spcPts val="0"/>
-              </a:spcAft>
-              <a:buFont typeface="Wingdings"/>
-              <a:buNone/>
-              <a:defRPr/>
-            </a:pPr>
+              <a:t> Андрея </a:t>
+            </a:r>
+            <a:r>
+              <a:rPr lang="ru-RU" dirty="0" err="1" smtClean="0">
+                <a:solidFill>
+                  <a:schemeClr val="tx1"/>
+                </a:solidFill>
+              </a:rPr>
+              <a:t>Чеславовича</a:t>
+            </a:r>
             <a:r>
               <a:rPr lang="ru-RU" dirty="0" smtClean="0">
                 <a:solidFill>
                   <a:schemeClr val="tx1"/>
                 </a:solidFill>
               </a:rPr>
-              <a:t>Научный руководитель:</a:t>
-            </a:r>
+              <a:t> </a:t>
+            </a:r>
+            <a:endParaRPr lang="ru-RU" dirty="0" smtClean="0">
+              <a:solidFill>
+                <a:schemeClr val="tx1"/>
+              </a:solidFill>
+            </a:endParaRPr>
           </a:p>
           <a:p>
             <a:pPr algn="r" eaLnBrk="1" fontAlgn="auto" hangingPunct="1">
@@ -6215,6 +6187,136 @@
               <a:buNone/>
               <a:defRPr/>
             </a:pPr>
+            <a:r>
+              <a:rPr lang="ru-RU" dirty="0" smtClean="0">
+                <a:solidFill>
+                  <a:schemeClr val="tx1"/>
+                </a:solidFill>
+              </a:rPr>
+              <a:t>с</a:t>
+            </a:r>
+            <a:r>
+              <a:rPr lang="ru-RU" dirty="0" smtClean="0">
+                <a:solidFill>
+                  <a:schemeClr val="tx1"/>
+                </a:solidFill>
+              </a:rPr>
+              <a:t>тудента 5 курса ,</a:t>
+            </a:r>
+          </a:p>
+          <a:p>
+            <a:pPr algn="r" eaLnBrk="1" fontAlgn="auto" hangingPunct="1">
+              <a:spcAft>
+                <a:spcPts val="0"/>
+              </a:spcAft>
+              <a:buFont typeface="Wingdings"/>
+              <a:buNone/>
+              <a:defRPr/>
+            </a:pPr>
+            <a:r>
+              <a:rPr lang="ru-RU" dirty="0" smtClean="0">
+                <a:solidFill>
+                  <a:schemeClr val="tx1"/>
+                </a:solidFill>
+              </a:rPr>
+              <a:t>специальность «Компьютерная безопасность»</a:t>
+            </a:r>
+            <a:endParaRPr lang="ru-RU" dirty="0" smtClean="0">
+              <a:solidFill>
+                <a:schemeClr val="tx1"/>
+              </a:solidFill>
+            </a:endParaRPr>
+          </a:p>
+          <a:p>
+            <a:pPr algn="r" eaLnBrk="1" fontAlgn="auto" hangingPunct="1">
+              <a:spcAft>
+                <a:spcPts val="0"/>
+              </a:spcAft>
+              <a:buFont typeface="Wingdings"/>
+              <a:buNone/>
+              <a:defRPr/>
+            </a:pPr>
+            <a:r>
+              <a:rPr lang="ru-RU" dirty="0" smtClean="0">
+                <a:solidFill>
+                  <a:schemeClr val="tx1"/>
+                </a:solidFill>
+              </a:rPr>
+              <a:t>Научный </a:t>
+            </a:r>
+            <a:r>
+              <a:rPr lang="ru-RU" dirty="0" smtClean="0">
+                <a:solidFill>
+                  <a:schemeClr val="tx1"/>
+                </a:solidFill>
+              </a:rPr>
+              <a:t>руководитель</a:t>
+            </a:r>
+            <a:r>
+              <a:rPr lang="ru-RU" dirty="0" smtClean="0">
+                <a:solidFill>
+                  <a:schemeClr val="tx1"/>
+                </a:solidFill>
+              </a:rPr>
+              <a:t>:</a:t>
+            </a:r>
+          </a:p>
+          <a:p>
+            <a:pPr algn="r" eaLnBrk="1" fontAlgn="auto" hangingPunct="1">
+              <a:spcAft>
+                <a:spcPts val="0"/>
+              </a:spcAft>
+              <a:buFont typeface="Wingdings"/>
+              <a:buNone/>
+              <a:defRPr/>
+            </a:pPr>
+            <a:r>
+              <a:rPr lang="ru-RU" dirty="0" smtClean="0">
+                <a:solidFill>
+                  <a:schemeClr val="tx1"/>
+                </a:solidFill>
+              </a:rPr>
+              <a:t>к</a:t>
+            </a:r>
+            <a:r>
+              <a:rPr lang="ru-RU" dirty="0" smtClean="0">
+                <a:solidFill>
+                  <a:schemeClr val="tx1"/>
+                </a:solidFill>
+              </a:rPr>
+              <a:t>андидат физико-математических наук</a:t>
+            </a:r>
+            <a:endParaRPr lang="ru-RU" dirty="0" smtClean="0">
+              <a:solidFill>
+                <a:schemeClr val="tx1"/>
+              </a:solidFill>
+            </a:endParaRPr>
+          </a:p>
+          <a:p>
+            <a:pPr algn="r" eaLnBrk="1" fontAlgn="auto" hangingPunct="1">
+              <a:spcAft>
+                <a:spcPts val="0"/>
+              </a:spcAft>
+              <a:buFont typeface="Wingdings"/>
+              <a:buNone/>
+              <a:defRPr/>
+            </a:pPr>
+            <a:r>
+              <a:rPr lang="ru-RU" dirty="0" smtClean="0">
+                <a:solidFill>
+                  <a:schemeClr val="tx1"/>
+                </a:solidFill>
+              </a:rPr>
+              <a:t>Е. </a:t>
+            </a:r>
+            <a:r>
+              <a:rPr lang="ru-RU" dirty="0" smtClean="0">
+                <a:solidFill>
+                  <a:schemeClr val="tx1"/>
+                </a:solidFill>
+              </a:rPr>
+              <a:t>В. </a:t>
+            </a:r>
             <a:r>
               <a:rPr lang="ru-RU" dirty="0" err="1" smtClean="0">
                 <a:solidFill>
@@ -6229,7 +6331,7 @@
                   <a:schemeClr val="tx1"/>
                 </a:solidFill>
               </a:rPr>
-              <a:t> Е. В.</a:t>
+              <a:t> </a:t>
             </a:r>
             <a:endParaRPr lang="ru-RU" dirty="0">
               <a:solidFill>
@@ -6286,136 +6388,83 @@
           <a:bodyPr/>
           <a:lstStyle/>
           <a:p>
-            <a:pPr eaLnBrk="1" fontAlgn="auto" hangingPunct="1">
-              <a:spcAft>
-                <a:spcPts val="0"/>
-              </a:spcAft>
-              <a:defRPr/>
-            </a:pPr>
-            <a:endParaRPr lang="ru-RU"/>
-          </a:p>
-        </p:txBody>
-      </p:sp>
-      <p:sp>
-        <p:nvSpPr>
-          <p:cNvPr id="16387" name="Содержимое 2"/>
-          <p:cNvSpPr>
-            <a:spLocks noGrp="1"/>
-          </p:cNvSpPr>
+            <a:r>
+              <a:rPr lang="ru-RU" dirty="0" smtClean="0"/>
+              <a:t>Компьютерные эксперименты</a:t>
+            </a:r>
+            <a:endParaRPr lang="ru-RU" dirty="0"/>
+          </a:p>
+        </p:txBody>
+      </p:sp>
+      <p:pic>
+        <p:nvPicPr>
+          <p:cNvPr id="4" name="Содержимое 3" descr="h_l.png"/>
+          <p:cNvPicPr>
+            <a:picLocks noGrp="1" noChangeAspect="1"/>
+          </p:cNvPicPr>
           <p:nvPr>
             <p:ph sz="quarter" idx="1"/>
           </p:nvPr>
-        </p:nvSpPr>
+        </p:nvPicPr>
+        <p:blipFill>
+          <a:blip r:embed="rId2"/>
+          <a:stretch>
+            <a:fillRect/>
+          </a:stretch>
+        </p:blipFill>
         <p:spPr>
           <a:xfrm>
-            <a:off x="457200" y="1600200"/>
-            <a:ext cx="7467600" cy="4873625"/>
-          </a:xfrm>
-        </p:spPr>
-        <p:txBody>
-          <a:bodyPr/>
-          <a:lstStyle/>
-          <a:p>
-            <a:pPr eaLnBrk="1" hangingPunct="1"/>
-            <a:endParaRPr lang="ru-RU" smtClean="0"/>
-          </a:p>
-        </p:txBody>
-      </p:sp>
-      <p:sp>
-        <p:nvSpPr>
-          <p:cNvPr id="4" name="Прямоугольник 3"/>
+            <a:off x="2433899" y="1600201"/>
+            <a:ext cx="4276203" cy="3686188"/>
+          </a:xfrm>
+        </p:spPr>
+      </p:pic>
+      <p:sp>
+        <p:nvSpPr>
+          <p:cNvPr id="5" name="Прямоугольник 4"/>
           <p:cNvSpPr/>
           <p:nvPr/>
         </p:nvSpPr>
         <p:spPr>
           <a:xfrm>
-            <a:off x="428596" y="3071810"/>
-            <a:ext cx="8384026" cy="923330"/>
+            <a:off x="285720" y="5286388"/>
+            <a:ext cx="8072494" cy="646331"/>
           </a:xfrm>
           <a:prstGeom prst="rect">
             <a:avLst/>
           </a:prstGeom>
-          <a:noFill/>
-        </p:spPr>
-        <p:txBody>
-          <a:bodyPr wrap="none">
+        </p:spPr>
+        <p:txBody>
+          <a:bodyPr wrap="square">
             <a:spAutoFit/>
           </a:bodyPr>
           <a:lstStyle/>
           <a:p>
-            <a:pPr fontAlgn="auto">
-              <a:spcBef>
-                <a:spcPts val="0"/>
-              </a:spcBef>
-              <a:spcAft>
-                <a:spcPts val="0"/>
-              </a:spcAft>
-              <a:defRPr/>
-            </a:pPr>
-            <a:r>
-              <a:rPr lang="ru-RU" sz="5400" b="1" dirty="0">
-                <a:ln w="17780" cmpd="sng">
-                  <a:solidFill>
-                    <a:srgbClr val="FFFFFF"/>
-                  </a:solidFill>
-                  <a:prstDash val="solid"/>
-                  <a:miter lim="800000"/>
-                </a:ln>
-                <a:gradFill rotWithShape="1">
-                  <a:gsLst>
-                    <a:gs pos="0">
-                      <a:srgbClr val="000000">
-                        <a:tint val="92000"/>
-                        <a:shade val="100000"/>
-                        <a:satMod val="150000"/>
-                      </a:srgbClr>
-                    </a:gs>
-                    <a:gs pos="49000">
-                      <a:srgbClr val="000000">
-                        <a:tint val="89000"/>
-                        <a:shade val="90000"/>
-                        <a:satMod val="150000"/>
-                      </a:srgbClr>
-                    </a:gs>
-                    <a:gs pos="50000">
-                      <a:srgbClr val="000000">
-                        <a:tint val="100000"/>
-                        <a:shade val="75000"/>
-                        <a:satMod val="150000"/>
-                      </a:srgbClr>
-                    </a:gs>
-                    <a:gs pos="95000">
-                      <a:srgbClr val="000000">
-                        <a:shade val="47000"/>
-                        <a:satMod val="150000"/>
-                      </a:srgbClr>
-                    </a:gs>
-                    <a:gs pos="100000">
-                      <a:srgbClr val="000000">
-                        <a:shade val="39000"/>
-                        <a:satMod val="150000"/>
-                      </a:srgbClr>
-                    </a:gs>
-                  </a:gsLst>
-                  <a:lin ang="5400000"/>
-                </a:gradFill>
-                <a:effectLst>
-                  <a:outerShdw blurRad="50800" algn="tl" rotWithShape="0">
-                    <a:srgbClr val="000000"/>
-                  </a:outerShdw>
-                </a:effectLst>
-                <a:latin typeface="+mn-lt"/>
-                <a:cs typeface="+mn-cs"/>
-              </a:rPr>
-              <a:t>Спасибо за внимание</a:t>
-            </a:r>
-            <a:r>
-              <a:rPr lang="ru-RU" sz="5400" dirty="0">
-                <a:latin typeface="+mn-lt"/>
-                <a:cs typeface="+mn-cs"/>
-              </a:rPr>
-              <a:t>.</a:t>
-            </a:r>
+            <a:r>
+              <a:rPr lang="ru-RU" dirty="0" smtClean="0"/>
+              <a:t>Рисунок </a:t>
+            </a:r>
+            <a:r>
+              <a:rPr lang="ru-RU" dirty="0" smtClean="0"/>
+              <a:t>4 </a:t>
+            </a:r>
+            <a:r>
+              <a:rPr lang="ru-RU" dirty="0" smtClean="0"/>
+              <a:t>– </a:t>
+            </a:r>
+            <a:r>
+              <a:rPr lang="ru-RU" dirty="0" smtClean="0"/>
+              <a:t>Семейство графиков зависимости энтропии </a:t>
+            </a:r>
+            <a:r>
+              <a:rPr lang="en-US" dirty="0" smtClean="0"/>
+              <a:t>l-</a:t>
+            </a:r>
+            <a:r>
+              <a:rPr lang="ru-RU" dirty="0" smtClean="0"/>
+              <a:t>граммы от длины последовательности при различных параметрах вкрапления</a:t>
+            </a:r>
+            <a:endParaRPr lang="ru-RU" dirty="0"/>
           </a:p>
         </p:txBody>
       </p:sp>
@@ -6424,17 +6473,10 @@
   <p:clrMapOvr>
     <a:masterClrMapping/>
   </p:clrMapOvr>
-  <p:timing>
-    <p:tnLst>
-      <p:par>
-        <p:cTn id="1" dur="indefinite" restart="never" nodeType="tmRoot"/>
-      </p:par>
-    </p:tnLst>
-  </p:timing>
 </p:sld>
 </file>
 
-<file path=ppt/slides/slide2.xml><?xml version="1.0" encoding="utf-8"?>
+<file path=ppt/slides/slide11.xml><?xml version="1.0" encoding="utf-8"?>
 <p:sld xmlns:a="http://schemas.openxmlformats.org/drawingml/2006/main" xmlns:r="http://schemas.openxmlformats.org/officeDocument/2006/relationships" xmlns:p="http://schemas.openxmlformats.org/presentationml/2006/main">
   <p:cSld>
     <p:spTree>
@@ -6463,829 +6505,72 @@
         </p:nvSpPr>
         <p:spPr>
           <a:xfrm>
-            <a:off x="457200" y="274638"/>
-            <a:ext cx="7467600" cy="511175"/>
-          </a:xfrm>
-        </p:spPr>
-        <p:txBody>
-          <a:bodyPr>
-            <a:normAutofit fontScale="90000"/>
-          </a:bodyPr>
-          <a:lstStyle/>
-          <a:p>
-            <a:pPr eaLnBrk="1" fontAlgn="auto" hangingPunct="1">
-              <a:spcAft>
-                <a:spcPts val="0"/>
-              </a:spcAft>
-              <a:defRPr/>
-            </a:pPr>
+            <a:off x="500034" y="274638"/>
+            <a:ext cx="7424766" cy="654032"/>
+          </a:xfrm>
+        </p:spPr>
+        <p:txBody>
+          <a:bodyPr/>
+          <a:lstStyle/>
+          <a:p>
             <a:r>
               <a:rPr lang="ru-RU" dirty="0" smtClean="0"/>
-              <a:t>Математическая модель:</a:t>
+              <a:t>Компьютерные эксперименты</a:t>
             </a:r>
             <a:endParaRPr lang="ru-RU" dirty="0"/>
           </a:p>
         </p:txBody>
       </p:sp>
-      <p:sp>
-        <p:nvSpPr>
-          <p:cNvPr id="9219" name="Содержимое 2"/>
-          <p:cNvSpPr>
-            <a:spLocks noGrp="1"/>
-          </p:cNvSpPr>
+      <p:pic>
+        <p:nvPicPr>
+          <p:cNvPr id="5" name="Содержимое 4" descr="lda.png"/>
+          <p:cNvPicPr>
+            <a:picLocks noGrp="1" noChangeAspect="1"/>
+          </p:cNvPicPr>
           <p:nvPr>
             <p:ph sz="quarter" idx="1"/>
           </p:nvPr>
-        </p:nvSpPr>
+        </p:nvPicPr>
+        <p:blipFill>
+          <a:blip r:embed="rId2"/>
+          <a:stretch>
+            <a:fillRect/>
+          </a:stretch>
+        </p:blipFill>
         <p:spPr>
           <a:xfrm>
-            <a:off x="428625" y="857250"/>
-            <a:ext cx="7467600" cy="4873625"/>
-          </a:xfrm>
-        </p:spPr>
-        <p:txBody>
-          <a:bodyPr/>
-          <a:lstStyle/>
-          <a:p>
-            <a:pPr eaLnBrk="1" hangingPunct="1"/>
-            <a:r>
-              <a:rPr lang="ru-RU" sz="1800" smtClean="0"/>
-              <a:t>Дана последовательность случайных величин распределенных по нормальному закону </a:t>
-            </a:r>
-          </a:p>
-          <a:p>
-            <a:pPr eaLnBrk="1" hangingPunct="1"/>
-            <a:endParaRPr lang="ru-RU" sz="1800" smtClean="0"/>
-          </a:p>
-          <a:p>
-            <a:pPr eaLnBrk="1" hangingPunct="1"/>
-            <a:endParaRPr lang="ru-RU" sz="1800" smtClean="0"/>
-          </a:p>
-          <a:p>
-            <a:pPr eaLnBrk="1" hangingPunct="1"/>
-            <a:endParaRPr lang="ru-RU" sz="1800" smtClean="0"/>
-          </a:p>
-          <a:p>
-            <a:pPr eaLnBrk="1" hangingPunct="1"/>
-            <a:endParaRPr lang="ru-RU" sz="1800" smtClean="0"/>
-          </a:p>
-          <a:p>
-            <a:pPr eaLnBrk="1" hangingPunct="1"/>
-            <a:r>
-              <a:rPr lang="ru-RU" sz="1800" smtClean="0"/>
-              <a:t>Сообщение </a:t>
-            </a:r>
-          </a:p>
-          <a:p>
-            <a:pPr eaLnBrk="1" hangingPunct="1"/>
-            <a:endParaRPr lang="ru-RU" sz="1800" smtClean="0"/>
-          </a:p>
-          <a:p>
-            <a:pPr eaLnBrk="1" hangingPunct="1"/>
-            <a:endParaRPr lang="ru-RU" sz="1800" smtClean="0"/>
-          </a:p>
-          <a:p>
-            <a:pPr eaLnBrk="1" hangingPunct="1"/>
-            <a:r>
-              <a:rPr lang="ru-RU" sz="1800" smtClean="0"/>
-              <a:t>Ключ  </a:t>
-            </a:r>
-          </a:p>
-          <a:p>
-            <a:pPr eaLnBrk="1" hangingPunct="1"/>
-            <a:endParaRPr lang="ru-RU" sz="1800" smtClean="0"/>
-          </a:p>
-          <a:p>
-            <a:pPr eaLnBrk="1" hangingPunct="1"/>
-            <a:endParaRPr lang="ru-RU" sz="1800" smtClean="0"/>
-          </a:p>
-          <a:p>
-            <a:pPr eaLnBrk="1" hangingPunct="1"/>
-            <a:r>
-              <a:rPr lang="ru-RU" sz="1800" smtClean="0"/>
-              <a:t>Задано функциональное преобразование </a:t>
-            </a:r>
-          </a:p>
-          <a:p>
-            <a:pPr eaLnBrk="1" hangingPunct="1">
-              <a:buFont typeface="Wingdings" pitchFamily="2" charset="2"/>
-              <a:buNone/>
-            </a:pPr>
-            <a:endParaRPr lang="ru-RU" smtClean="0"/>
-          </a:p>
-        </p:txBody>
-      </p:sp>
-      <p:sp>
-        <p:nvSpPr>
-          <p:cNvPr id="9220" name="Rectangle 2"/>
-          <p:cNvSpPr>
-            <a:spLocks noChangeArrowheads="1"/>
-          </p:cNvSpPr>
+            <a:off x="1571604" y="1142984"/>
+            <a:ext cx="6097097" cy="4572823"/>
+          </a:xfrm>
+        </p:spPr>
+      </p:pic>
+      <p:sp>
+        <p:nvSpPr>
+          <p:cNvPr id="6" name="TextBox 5"/>
+          <p:cNvSpPr txBox="1"/>
           <p:nvPr/>
         </p:nvSpPr>
-        <p:spPr bwMode="auto">
-          <a:xfrm>
-            <a:off x="0" y="0"/>
-            <a:ext cx="9144000" cy="0"/>
+        <p:spPr>
+          <a:xfrm>
+            <a:off x="428596" y="5715016"/>
+            <a:ext cx="8438144" cy="369332"/>
           </a:xfrm>
           <a:prstGeom prst="rect">
             <a:avLst/>
           </a:prstGeom>
           <a:noFill/>
-          <a:ln w="9525">
-            <a:noFill/>
-            <a:miter lim="800000"/>
-            <a:headEnd/>
-            <a:tailEnd/>
-          </a:ln>
-        </p:spPr>
-        <p:txBody>
-          <a:bodyPr wrap="none" anchor="ctr">
+        </p:spPr>
+        <p:txBody>
+          <a:bodyPr wrap="none" rtlCol="0">
             <a:spAutoFit/>
           </a:bodyPr>
           <a:lstStyle/>
           <a:p>
-            <a:endParaRPr lang="ru-RU">
-              <a:latin typeface="Century Schoolbook" pitchFamily="18" charset="0"/>
-            </a:endParaRPr>
-          </a:p>
-        </p:txBody>
-      </p:sp>
-      <p:sp>
-        <p:nvSpPr>
-          <p:cNvPr id="9221" name="Rectangle 4"/>
-          <p:cNvSpPr>
-            <a:spLocks noChangeArrowheads="1"/>
-          </p:cNvSpPr>
-          <p:nvPr/>
-        </p:nvSpPr>
-        <p:spPr bwMode="auto">
-          <a:xfrm>
-            <a:off x="0" y="0"/>
-            <a:ext cx="9144000" cy="0"/>
-          </a:xfrm>
-          <a:prstGeom prst="rect">
-            <a:avLst/>
-          </a:prstGeom>
-          <a:noFill/>
-          <a:ln w="9525">
-            <a:noFill/>
-            <a:miter lim="800000"/>
-            <a:headEnd/>
-            <a:tailEnd/>
-          </a:ln>
-        </p:spPr>
-        <p:txBody>
-          <a:bodyPr wrap="none" anchor="ctr">
-            <a:spAutoFit/>
-          </a:bodyPr>
-          <a:lstStyle/>
-          <a:p>
-            <a:endParaRPr lang="ru-RU">
-              <a:latin typeface="Century Schoolbook" pitchFamily="18" charset="0"/>
-            </a:endParaRPr>
-          </a:p>
-        </p:txBody>
-      </p:sp>
-      <p:sp>
-        <p:nvSpPr>
-          <p:cNvPr id="9222" name="Rectangle 6"/>
-          <p:cNvSpPr>
-            <a:spLocks noChangeArrowheads="1"/>
-          </p:cNvSpPr>
-          <p:nvPr/>
-        </p:nvSpPr>
-        <p:spPr bwMode="auto">
-          <a:xfrm>
-            <a:off x="0" y="0"/>
-            <a:ext cx="9144000" cy="0"/>
-          </a:xfrm>
-          <a:prstGeom prst="rect">
-            <a:avLst/>
-          </a:prstGeom>
-          <a:noFill/>
-          <a:ln w="9525">
-            <a:noFill/>
-            <a:miter lim="800000"/>
-            <a:headEnd/>
-            <a:tailEnd/>
-          </a:ln>
-        </p:spPr>
-        <p:txBody>
-          <a:bodyPr wrap="none" anchor="ctr">
-            <a:spAutoFit/>
-          </a:bodyPr>
-          <a:lstStyle/>
-          <a:p>
-            <a:r>
-              <a:rPr lang="ru-RU" sz="1100">
-                <a:latin typeface="Calibri" pitchFamily="34" charset="0"/>
-                <a:ea typeface="Times New Roman" pitchFamily="18" charset="0"/>
-                <a:cs typeface="Calibri" pitchFamily="34" charset="0"/>
-              </a:rPr>
-              <a:t> </a:t>
-            </a:r>
-            <a:endParaRPr lang="ru-RU">
-              <a:ea typeface="Times New Roman" pitchFamily="18" charset="0"/>
-              <a:cs typeface="Calibri" pitchFamily="34" charset="0"/>
-            </a:endParaRPr>
-          </a:p>
-        </p:txBody>
-      </p:sp>
-      <p:sp>
-        <p:nvSpPr>
-          <p:cNvPr id="9223" name="Rectangle 7"/>
-          <p:cNvSpPr>
-            <a:spLocks noChangeArrowheads="1"/>
-          </p:cNvSpPr>
-          <p:nvPr/>
-        </p:nvSpPr>
-        <p:spPr bwMode="auto">
-          <a:xfrm>
-            <a:off x="0" y="190500"/>
-            <a:ext cx="9144000" cy="0"/>
-          </a:xfrm>
-          <a:prstGeom prst="rect">
-            <a:avLst/>
-          </a:prstGeom>
-          <a:noFill/>
-          <a:ln w="9525">
-            <a:noFill/>
-            <a:miter lim="800000"/>
-            <a:headEnd/>
-            <a:tailEnd/>
-          </a:ln>
-        </p:spPr>
-        <p:txBody>
-          <a:bodyPr wrap="none" anchor="ctr">
-            <a:spAutoFit/>
-          </a:bodyPr>
-          <a:lstStyle/>
-          <a:p>
-            <a:r>
-              <a:rPr lang="ru-RU" sz="800"/>
-              <a:t> </a:t>
-            </a:r>
-            <a:endParaRPr lang="ru-RU"/>
-          </a:p>
-        </p:txBody>
-      </p:sp>
-      <p:sp>
-        <p:nvSpPr>
-          <p:cNvPr id="9224" name="Rectangle 9"/>
-          <p:cNvSpPr>
-            <a:spLocks noChangeArrowheads="1"/>
-          </p:cNvSpPr>
-          <p:nvPr/>
-        </p:nvSpPr>
-        <p:spPr bwMode="auto">
-          <a:xfrm>
-            <a:off x="0" y="0"/>
-            <a:ext cx="9144000" cy="0"/>
-          </a:xfrm>
-          <a:prstGeom prst="rect">
-            <a:avLst/>
-          </a:prstGeom>
-          <a:noFill/>
-          <a:ln w="9525">
-            <a:noFill/>
-            <a:miter lim="800000"/>
-            <a:headEnd/>
-            <a:tailEnd/>
-          </a:ln>
-        </p:spPr>
-        <p:txBody>
-          <a:bodyPr wrap="none" anchor="ctr">
-            <a:spAutoFit/>
-          </a:bodyPr>
-          <a:lstStyle/>
-          <a:p>
-            <a:endParaRPr lang="ru-RU">
-              <a:latin typeface="Century Schoolbook" pitchFamily="18" charset="0"/>
-            </a:endParaRPr>
-          </a:p>
-        </p:txBody>
-      </p:sp>
-      <p:sp>
-        <p:nvSpPr>
-          <p:cNvPr id="9225" name="Rectangle 11"/>
-          <p:cNvSpPr>
-            <a:spLocks noChangeArrowheads="1"/>
-          </p:cNvSpPr>
-          <p:nvPr/>
-        </p:nvSpPr>
-        <p:spPr bwMode="auto">
-          <a:xfrm>
-            <a:off x="0" y="0"/>
-            <a:ext cx="9144000" cy="0"/>
-          </a:xfrm>
-          <a:prstGeom prst="rect">
-            <a:avLst/>
-          </a:prstGeom>
-          <a:noFill/>
-          <a:ln w="9525">
-            <a:noFill/>
-            <a:miter lim="800000"/>
-            <a:headEnd/>
-            <a:tailEnd/>
-          </a:ln>
-        </p:spPr>
-        <p:txBody>
-          <a:bodyPr wrap="none" anchor="ctr">
-            <a:spAutoFit/>
-          </a:bodyPr>
-          <a:lstStyle/>
-          <a:p>
-            <a:endParaRPr lang="ru-RU">
-              <a:latin typeface="Century Schoolbook" pitchFamily="18" charset="0"/>
-            </a:endParaRPr>
-          </a:p>
-        </p:txBody>
-      </p:sp>
-      <p:sp>
-        <p:nvSpPr>
-          <p:cNvPr id="9226" name="Rectangle 13"/>
-          <p:cNvSpPr>
-            <a:spLocks noChangeArrowheads="1"/>
-          </p:cNvSpPr>
-          <p:nvPr/>
-        </p:nvSpPr>
-        <p:spPr bwMode="auto">
-          <a:xfrm>
-            <a:off x="0" y="0"/>
-            <a:ext cx="9144000" cy="0"/>
-          </a:xfrm>
-          <a:prstGeom prst="rect">
-            <a:avLst/>
-          </a:prstGeom>
-          <a:noFill/>
-          <a:ln w="9525">
-            <a:noFill/>
-            <a:miter lim="800000"/>
-            <a:headEnd/>
-            <a:tailEnd/>
-          </a:ln>
-        </p:spPr>
-        <p:txBody>
-          <a:bodyPr wrap="none" anchor="ctr">
-            <a:spAutoFit/>
-          </a:bodyPr>
-          <a:lstStyle/>
-          <a:p>
-            <a:endParaRPr lang="ru-RU">
-              <a:latin typeface="Century Schoolbook" pitchFamily="18" charset="0"/>
-            </a:endParaRPr>
-          </a:p>
-        </p:txBody>
-      </p:sp>
-      <p:sp>
-        <p:nvSpPr>
-          <p:cNvPr id="9227" name="Rectangle 15"/>
-          <p:cNvSpPr>
-            <a:spLocks noChangeArrowheads="1"/>
-          </p:cNvSpPr>
-          <p:nvPr/>
-        </p:nvSpPr>
-        <p:spPr bwMode="auto">
-          <a:xfrm>
-            <a:off x="0" y="0"/>
-            <a:ext cx="9144000" cy="0"/>
-          </a:xfrm>
-          <a:prstGeom prst="rect">
-            <a:avLst/>
-          </a:prstGeom>
-          <a:noFill/>
-          <a:ln w="9525">
-            <a:noFill/>
-            <a:miter lim="800000"/>
-            <a:headEnd/>
-            <a:tailEnd/>
-          </a:ln>
-        </p:spPr>
-        <p:txBody>
-          <a:bodyPr wrap="none" anchor="ctr">
-            <a:spAutoFit/>
-          </a:bodyPr>
-          <a:lstStyle/>
-          <a:p>
-            <a:endParaRPr lang="ru-RU">
-              <a:latin typeface="Century Schoolbook" pitchFamily="18" charset="0"/>
-            </a:endParaRPr>
-          </a:p>
-        </p:txBody>
-      </p:sp>
-      <p:sp>
-        <p:nvSpPr>
-          <p:cNvPr id="9228" name="Rectangle 2"/>
-          <p:cNvSpPr>
-            <a:spLocks noChangeArrowheads="1"/>
-          </p:cNvSpPr>
-          <p:nvPr/>
-        </p:nvSpPr>
-        <p:spPr bwMode="auto">
-          <a:xfrm>
-            <a:off x="0" y="0"/>
-            <a:ext cx="9144000" cy="457200"/>
-          </a:xfrm>
-          <a:prstGeom prst="rect">
-            <a:avLst/>
-          </a:prstGeom>
-          <a:noFill/>
-          <a:ln w="9525">
-            <a:noFill/>
-            <a:miter lim="800000"/>
-            <a:headEnd/>
-            <a:tailEnd/>
-          </a:ln>
-        </p:spPr>
-        <p:txBody>
-          <a:bodyPr wrap="none" anchor="ctr">
-            <a:spAutoFit/>
-          </a:bodyPr>
-          <a:lstStyle/>
-          <a:p>
-            <a:endParaRPr lang="ru-RU">
-              <a:latin typeface="Century Schoolbook" pitchFamily="18" charset="0"/>
-            </a:endParaRPr>
-          </a:p>
-        </p:txBody>
-      </p:sp>
-      <p:sp>
-        <p:nvSpPr>
-          <p:cNvPr id="9229" name="Rectangle 3"/>
-          <p:cNvSpPr>
-            <a:spLocks noChangeArrowheads="1"/>
-          </p:cNvSpPr>
-          <p:nvPr/>
-        </p:nvSpPr>
-        <p:spPr bwMode="auto">
-          <a:xfrm>
-            <a:off x="0" y="800100"/>
-            <a:ext cx="9144000" cy="0"/>
-          </a:xfrm>
-          <a:prstGeom prst="rect">
-            <a:avLst/>
-          </a:prstGeom>
-          <a:noFill/>
-          <a:ln w="9525">
-            <a:noFill/>
-            <a:miter lim="800000"/>
-            <a:headEnd/>
-            <a:tailEnd/>
-          </a:ln>
-        </p:spPr>
-        <p:txBody>
-          <a:bodyPr wrap="none" anchor="ctr">
-            <a:spAutoFit/>
-          </a:bodyPr>
-          <a:lstStyle/>
-          <a:p>
-            <a:endParaRPr lang="ru-RU"/>
-          </a:p>
-        </p:txBody>
-      </p:sp>
-      <p:sp>
-        <p:nvSpPr>
-          <p:cNvPr id="9230" name="Rectangle 5"/>
-          <p:cNvSpPr>
-            <a:spLocks noChangeArrowheads="1"/>
-          </p:cNvSpPr>
-          <p:nvPr/>
-        </p:nvSpPr>
-        <p:spPr bwMode="auto">
-          <a:xfrm>
-            <a:off x="0" y="0"/>
-            <a:ext cx="9144000" cy="457200"/>
-          </a:xfrm>
-          <a:prstGeom prst="rect">
-            <a:avLst/>
-          </a:prstGeom>
-          <a:noFill/>
-          <a:ln w="9525">
-            <a:noFill/>
-            <a:miter lim="800000"/>
-            <a:headEnd/>
-            <a:tailEnd/>
-          </a:ln>
-        </p:spPr>
-        <p:txBody>
-          <a:bodyPr wrap="none" anchor="ctr">
-            <a:spAutoFit/>
-          </a:bodyPr>
-          <a:lstStyle/>
-          <a:p>
-            <a:endParaRPr lang="ru-RU">
-              <a:latin typeface="Century Schoolbook" pitchFamily="18" charset="0"/>
-            </a:endParaRPr>
-          </a:p>
-        </p:txBody>
-      </p:sp>
-      <p:grpSp>
-        <p:nvGrpSpPr>
-          <p:cNvPr id="9231" name="Группа 22"/>
-          <p:cNvGrpSpPr>
-            <a:grpSpLocks/>
-          </p:cNvGrpSpPr>
-          <p:nvPr/>
-        </p:nvGrpSpPr>
-        <p:grpSpPr bwMode="auto">
-          <a:xfrm>
-            <a:off x="500063" y="1643063"/>
-            <a:ext cx="7302500" cy="4714875"/>
-            <a:chOff x="500034" y="1643050"/>
-            <a:chExt cx="7302398" cy="4714884"/>
-          </a:xfrm>
-        </p:grpSpPr>
-        <p:pic>
-          <p:nvPicPr>
-            <p:cNvPr id="9233" name="Picture 8"/>
-            <p:cNvPicPr>
-              <a:picLocks noChangeAspect="1" noChangeArrowheads="1"/>
-            </p:cNvPicPr>
-            <p:nvPr/>
-          </p:nvPicPr>
-          <p:blipFill>
-            <a:blip r:embed="rId2">
-              <a:clrChange>
-                <a:clrFrom>
-                  <a:srgbClr val="FFFFFF"/>
-                </a:clrFrom>
-                <a:clrTo>
-                  <a:srgbClr val="FFFFFF">
-                    <a:alpha val="0"/>
-                  </a:srgbClr>
-                </a:clrTo>
-              </a:clrChange>
-            </a:blip>
-            <a:srcRect/>
-            <a:stretch>
-              <a:fillRect/>
-            </a:stretch>
-          </p:blipFill>
-          <p:spPr bwMode="auto">
-            <a:xfrm>
-              <a:off x="500034" y="5214950"/>
-              <a:ext cx="7302398" cy="1142984"/>
-            </a:xfrm>
-            <a:prstGeom prst="rect">
-              <a:avLst/>
-            </a:prstGeom>
-            <a:noFill/>
-            <a:ln w="9525">
-              <a:noFill/>
-              <a:miter lim="800000"/>
-              <a:headEnd/>
-              <a:tailEnd/>
-            </a:ln>
-          </p:spPr>
-        </p:pic>
-        <p:pic>
-          <p:nvPicPr>
-            <p:cNvPr id="9234" name="Picture 10"/>
-            <p:cNvPicPr>
-              <a:picLocks noChangeAspect="1" noChangeArrowheads="1"/>
-            </p:cNvPicPr>
-            <p:nvPr/>
-          </p:nvPicPr>
-          <p:blipFill>
-            <a:blip r:embed="rId3">
-              <a:clrChange>
-                <a:clrFrom>
-                  <a:srgbClr val="FFFFFF"/>
-                </a:clrFrom>
-                <a:clrTo>
-                  <a:srgbClr val="FFFFFF">
-                    <a:alpha val="0"/>
-                  </a:srgbClr>
-                </a:clrTo>
-              </a:clrChange>
-            </a:blip>
-            <a:srcRect/>
-            <a:stretch>
-              <a:fillRect/>
-            </a:stretch>
-          </p:blipFill>
-          <p:spPr bwMode="auto">
-            <a:xfrm>
-              <a:off x="2143108" y="1643050"/>
-              <a:ext cx="4357718" cy="383940"/>
-            </a:xfrm>
-            <a:prstGeom prst="rect">
-              <a:avLst/>
-            </a:prstGeom>
-            <a:noFill/>
-            <a:ln w="9525">
-              <a:noFill/>
-              <a:miter lim="800000"/>
-              <a:headEnd/>
-              <a:tailEnd/>
-            </a:ln>
-          </p:spPr>
-        </p:pic>
-        <p:pic>
-          <p:nvPicPr>
-            <p:cNvPr id="9235" name="Picture 12"/>
-            <p:cNvPicPr>
-              <a:picLocks noChangeAspect="1" noChangeArrowheads="1"/>
-            </p:cNvPicPr>
-            <p:nvPr/>
-          </p:nvPicPr>
-          <p:blipFill>
-            <a:blip r:embed="rId4">
-              <a:clrChange>
-                <a:clrFrom>
-                  <a:srgbClr val="FFFFFF"/>
-                </a:clrFrom>
-                <a:clrTo>
-                  <a:srgbClr val="FFFFFF">
-                    <a:alpha val="0"/>
-                  </a:srgbClr>
-                </a:clrTo>
-              </a:clrChange>
-            </a:blip>
-            <a:srcRect/>
-            <a:stretch>
-              <a:fillRect/>
-            </a:stretch>
-          </p:blipFill>
-          <p:spPr bwMode="auto">
-            <a:xfrm>
-              <a:off x="1785918" y="3286124"/>
-              <a:ext cx="5164967" cy="428628"/>
-            </a:xfrm>
-            <a:prstGeom prst="rect">
-              <a:avLst/>
-            </a:prstGeom>
-            <a:noFill/>
-            <a:ln w="9525">
-              <a:noFill/>
-              <a:miter lim="800000"/>
-              <a:headEnd/>
-              <a:tailEnd/>
-            </a:ln>
-          </p:spPr>
-        </p:pic>
-        <p:pic>
-          <p:nvPicPr>
-            <p:cNvPr id="9236" name="Picture 14"/>
-            <p:cNvPicPr>
-              <a:picLocks noChangeAspect="1" noChangeArrowheads="1"/>
-            </p:cNvPicPr>
-            <p:nvPr/>
-          </p:nvPicPr>
-          <p:blipFill>
-            <a:blip r:embed="rId5">
-              <a:clrChange>
-                <a:clrFrom>
-                  <a:srgbClr val="FFFFFF"/>
-                </a:clrFrom>
-                <a:clrTo>
-                  <a:srgbClr val="FFFFFF">
-                    <a:alpha val="0"/>
-                  </a:srgbClr>
-                </a:clrTo>
-              </a:clrChange>
-            </a:blip>
-            <a:srcRect/>
-            <a:stretch>
-              <a:fillRect/>
-            </a:stretch>
-          </p:blipFill>
-          <p:spPr bwMode="auto">
-            <a:xfrm>
-              <a:off x="1785918" y="4214818"/>
-              <a:ext cx="4993237" cy="428604"/>
-            </a:xfrm>
-            <a:prstGeom prst="rect">
-              <a:avLst/>
-            </a:prstGeom>
-            <a:noFill/>
-            <a:ln w="9525">
-              <a:noFill/>
-              <a:miter lim="800000"/>
-              <a:headEnd/>
-              <a:tailEnd/>
-            </a:ln>
-          </p:spPr>
-        </p:pic>
-        <p:pic>
-          <p:nvPicPr>
-            <p:cNvPr id="9237" name="Picture 1"/>
-            <p:cNvPicPr>
-              <a:picLocks noChangeAspect="1" noChangeArrowheads="1"/>
-            </p:cNvPicPr>
-            <p:nvPr/>
-          </p:nvPicPr>
-          <p:blipFill>
-            <a:blip r:embed="rId6">
-              <a:clrChange>
-                <a:clrFrom>
-                  <a:srgbClr val="FFFFFF"/>
-                </a:clrFrom>
-                <a:clrTo>
-                  <a:srgbClr val="FFFFFF">
-                    <a:alpha val="0"/>
-                  </a:srgbClr>
-                </a:clrTo>
-              </a:clrChange>
-            </a:blip>
-            <a:srcRect/>
-            <a:stretch>
-              <a:fillRect/>
-            </a:stretch>
-          </p:blipFill>
-          <p:spPr bwMode="auto">
-            <a:xfrm>
-              <a:off x="1714480" y="2214554"/>
-              <a:ext cx="972351" cy="500066"/>
-            </a:xfrm>
-            <a:prstGeom prst="rect">
-              <a:avLst/>
-            </a:prstGeom>
-            <a:noFill/>
-            <a:ln w="9525">
-              <a:noFill/>
-              <a:miter lim="800000"/>
-              <a:headEnd/>
-              <a:tailEnd/>
-            </a:ln>
-          </p:spPr>
-        </p:pic>
-        <p:pic>
-          <p:nvPicPr>
-            <p:cNvPr id="9238" name="Picture 4"/>
-            <p:cNvPicPr>
-              <a:picLocks noChangeAspect="1" noChangeArrowheads="1"/>
-            </p:cNvPicPr>
-            <p:nvPr/>
-          </p:nvPicPr>
-          <p:blipFill>
-            <a:blip r:embed="rId7">
-              <a:clrChange>
-                <a:clrFrom>
-                  <a:srgbClr val="FFFFFF"/>
-                </a:clrFrom>
-                <a:clrTo>
-                  <a:srgbClr val="FFFFFF">
-                    <a:alpha val="0"/>
-                  </a:srgbClr>
-                </a:clrTo>
-              </a:clrChange>
-            </a:blip>
-            <a:srcRect/>
-            <a:stretch>
-              <a:fillRect/>
-            </a:stretch>
-          </p:blipFill>
-          <p:spPr bwMode="auto">
-            <a:xfrm>
-              <a:off x="2928926" y="2071678"/>
-              <a:ext cx="2732504" cy="642942"/>
-            </a:xfrm>
-            <a:prstGeom prst="rect">
-              <a:avLst/>
-            </a:prstGeom>
-            <a:noFill/>
-            <a:ln w="9525">
-              <a:noFill/>
-              <a:miter lim="800000"/>
-              <a:headEnd/>
-              <a:tailEnd/>
-            </a:ln>
-          </p:spPr>
-        </p:pic>
-      </p:grpSp>
-      <p:sp>
-        <p:nvSpPr>
-          <p:cNvPr id="9232" name="Rectangle 6"/>
-          <p:cNvSpPr>
-            <a:spLocks noChangeArrowheads="1"/>
-          </p:cNvSpPr>
-          <p:nvPr/>
-        </p:nvSpPr>
-        <p:spPr bwMode="auto">
-          <a:xfrm>
-            <a:off x="0" y="800100"/>
-            <a:ext cx="9144000" cy="457200"/>
-          </a:xfrm>
-          <a:prstGeom prst="rect">
-            <a:avLst/>
-          </a:prstGeom>
-          <a:noFill/>
-          <a:ln w="9525">
-            <a:noFill/>
-            <a:miter lim="800000"/>
-            <a:headEnd/>
-            <a:tailEnd/>
-          </a:ln>
-        </p:spPr>
-        <p:txBody>
-          <a:bodyPr wrap="none" anchor="ctr">
-            <a:spAutoFit/>
-          </a:bodyPr>
-          <a:lstStyle/>
-          <a:p>
-            <a:endParaRPr lang="ru-RU"/>
+            <a:r>
+              <a:rPr lang="ru-RU" dirty="0" smtClean="0"/>
+              <a:t>Рисунок 4 – Графики зависимости энтропии 4-граммы от энтропии 3-граммы</a:t>
+            </a:r>
+            <a:endParaRPr lang="ru-RU" dirty="0"/>
           </a:p>
         </p:txBody>
       </p:sp>
@@ -7304,7 +6589,7 @@
 </p:sld>
 </file>
 
-<file path=ppt/slides/slide3.xml><?xml version="1.0" encoding="utf-8"?>
+<file path=ppt/slides/slide12.xml><?xml version="1.0" encoding="utf-8"?>
 <p:sld xmlns:a="http://schemas.openxmlformats.org/drawingml/2006/main" xmlns:r="http://schemas.openxmlformats.org/officeDocument/2006/relationships" xmlns:p="http://schemas.openxmlformats.org/presentationml/2006/main">
   <p:cSld>
     <p:spTree>
@@ -7331,556 +6616,7 @@
             <p:ph type="title"/>
           </p:nvPr>
         </p:nvSpPr>
-        <p:spPr>
-          <a:xfrm>
-            <a:off x="5214938" y="357188"/>
-            <a:ext cx="3929062" cy="1285875"/>
-          </a:xfrm>
-        </p:spPr>
-        <p:txBody>
-          <a:bodyPr/>
-          <a:lstStyle/>
-          <a:p>
-            <a:pPr eaLnBrk="1" fontAlgn="auto" hangingPunct="1">
-              <a:spcAft>
-                <a:spcPts val="0"/>
-              </a:spcAft>
-              <a:defRPr/>
-            </a:pPr>
-            <a:r>
-              <a:rPr lang="ru-RU" sz="2000" dirty="0" smtClean="0">
-                <a:solidFill>
-                  <a:schemeClr val="tx1"/>
-                </a:solidFill>
-              </a:rPr>
-              <a:t>Оценка энтропии биграмма при различных долях вкраплений</a:t>
-            </a:r>
-            <a:endParaRPr lang="ru-RU" sz="2000" dirty="0"/>
-          </a:p>
-        </p:txBody>
-      </p:sp>
-      <p:pic>
-        <p:nvPicPr>
-          <p:cNvPr id="10243" name="Содержимое 3" descr="gr1.png"/>
-          <p:cNvPicPr>
-            <a:picLocks noGrp="1" noChangeAspect="1"/>
-          </p:cNvPicPr>
-          <p:nvPr>
-            <p:ph sz="quarter" idx="1"/>
-          </p:nvPr>
-        </p:nvPicPr>
-        <p:blipFill>
-          <a:blip r:embed="rId2"/>
-          <a:srcRect/>
-          <a:stretch>
-            <a:fillRect/>
-          </a:stretch>
-        </p:blipFill>
-        <p:spPr>
-          <a:xfrm>
-            <a:off x="285750" y="285750"/>
-            <a:ext cx="4183063" cy="3071813"/>
-          </a:xfrm>
-        </p:spPr>
-      </p:pic>
-      <p:pic>
-        <p:nvPicPr>
-          <p:cNvPr id="10244" name="Содержимое 3" descr="gr3.png"/>
-          <p:cNvPicPr>
-            <a:picLocks noChangeAspect="1"/>
-          </p:cNvPicPr>
-          <p:nvPr/>
-        </p:nvPicPr>
-        <p:blipFill>
-          <a:blip r:embed="rId3"/>
-          <a:srcRect/>
-          <a:stretch>
-            <a:fillRect/>
-          </a:stretch>
-        </p:blipFill>
-        <p:spPr bwMode="auto">
-          <a:xfrm>
-            <a:off x="4643438" y="3571875"/>
-            <a:ext cx="4183062" cy="3071813"/>
-          </a:xfrm>
-          <a:prstGeom prst="rect">
-            <a:avLst/>
-          </a:prstGeom>
-          <a:noFill/>
-          <a:ln w="9525">
-            <a:noFill/>
-            <a:miter lim="800000"/>
-            <a:headEnd/>
-            <a:tailEnd/>
-          </a:ln>
-        </p:spPr>
-      </p:pic>
-      <p:pic>
-        <p:nvPicPr>
-          <p:cNvPr id="10245" name="Содержимое 3" descr="gr2.png"/>
-          <p:cNvPicPr>
-            <a:picLocks noChangeAspect="1"/>
-          </p:cNvPicPr>
-          <p:nvPr/>
-        </p:nvPicPr>
-        <p:blipFill>
-          <a:blip r:embed="rId4"/>
-          <a:srcRect/>
-          <a:stretch>
-            <a:fillRect/>
-          </a:stretch>
-        </p:blipFill>
-        <p:spPr bwMode="auto">
-          <a:xfrm>
-            <a:off x="285750" y="3714750"/>
-            <a:ext cx="4071938" cy="2989263"/>
-          </a:xfrm>
-          <a:prstGeom prst="rect">
-            <a:avLst/>
-          </a:prstGeom>
-          <a:noFill/>
-          <a:ln w="9525">
-            <a:noFill/>
-            <a:miter lim="800000"/>
-            <a:headEnd/>
-            <a:tailEnd/>
-          </a:ln>
-        </p:spPr>
-      </p:pic>
-    </p:spTree>
-  </p:cSld>
-  <p:clrMapOvr>
-    <a:masterClrMapping/>
-  </p:clrMapOvr>
-  <p:timing>
-    <p:tnLst>
-      <p:par>
-        <p:cTn id="1" dur="indefinite" restart="never" nodeType="tmRoot"/>
-      </p:par>
-    </p:tnLst>
-  </p:timing>
-</p:sld>
-</file>
-
-<file path=ppt/slides/slide4.xml><?xml version="1.0" encoding="utf-8"?>
-<p:sld xmlns:a="http://schemas.openxmlformats.org/drawingml/2006/main" xmlns:r="http://schemas.openxmlformats.org/officeDocument/2006/relationships" xmlns:p="http://schemas.openxmlformats.org/presentationml/2006/main">
-  <p:cSld>
-    <p:spTree>
-      <p:nvGrpSpPr>
-        <p:cNvPr id="1" name=""/>
-        <p:cNvGrpSpPr/>
-        <p:nvPr/>
-      </p:nvGrpSpPr>
-      <p:grpSpPr>
-        <a:xfrm>
-          <a:off x="0" y="0"/>
-          <a:ext cx="0" cy="0"/>
-          <a:chOff x="0" y="0"/>
-          <a:chExt cx="0" cy="0"/>
-        </a:xfrm>
-      </p:grpSpPr>
-      <p:sp>
-        <p:nvSpPr>
-          <p:cNvPr id="2" name="Заголовок 1"/>
-          <p:cNvSpPr>
-            <a:spLocks noGrp="1"/>
-          </p:cNvSpPr>
-          <p:nvPr>
-            <p:ph type="title"/>
-          </p:nvPr>
-        </p:nvSpPr>
-        <p:spPr>
-          <a:xfrm>
-            <a:off x="4857750" y="285750"/>
-            <a:ext cx="3786188" cy="1357313"/>
-          </a:xfrm>
-        </p:spPr>
-        <p:txBody>
-          <a:bodyPr/>
-          <a:lstStyle/>
-          <a:p>
-            <a:pPr algn="ctr" eaLnBrk="1" fontAlgn="auto" hangingPunct="1">
-              <a:spcAft>
-                <a:spcPts val="0"/>
-              </a:spcAft>
-              <a:defRPr/>
-            </a:pPr>
-            <a:r>
-              <a:rPr lang="ru-RU" sz="2000" dirty="0" smtClean="0">
-                <a:solidFill>
-                  <a:schemeClr val="tx1"/>
-                </a:solidFill>
-              </a:rPr>
-              <a:t>Оценка энтропии 3-граммы при различных долях вкраплений</a:t>
-            </a:r>
-            <a:endParaRPr lang="ru-RU" sz="2000" dirty="0">
-              <a:solidFill>
-                <a:schemeClr val="tx1"/>
-              </a:solidFill>
-            </a:endParaRPr>
-          </a:p>
-        </p:txBody>
-      </p:sp>
-      <p:sp>
-        <p:nvSpPr>
-          <p:cNvPr id="11267" name="Содержимое 2"/>
-          <p:cNvSpPr>
-            <a:spLocks noGrp="1"/>
-          </p:cNvSpPr>
-          <p:nvPr>
-            <p:ph sz="quarter" idx="1"/>
-          </p:nvPr>
-        </p:nvSpPr>
-        <p:spPr>
-          <a:xfrm>
-            <a:off x="457200" y="1600200"/>
-            <a:ext cx="7467600" cy="4873625"/>
-          </a:xfrm>
-        </p:spPr>
-        <p:txBody>
-          <a:bodyPr/>
-          <a:lstStyle/>
-          <a:p>
-            <a:pPr algn="ctr" eaLnBrk="1" hangingPunct="1"/>
-            <a:endParaRPr lang="ru-RU" smtClean="0"/>
-          </a:p>
-        </p:txBody>
-      </p:sp>
-      <p:pic>
-        <p:nvPicPr>
-          <p:cNvPr id="11268" name="Picture 6" descr="D:\Study\4 курс 7 семестр\Курсовой\набранное\Полная версия курсового проекта\gr7.png"/>
-          <p:cNvPicPr>
-            <a:picLocks noChangeAspect="1" noChangeArrowheads="1"/>
-          </p:cNvPicPr>
-          <p:nvPr/>
-        </p:nvPicPr>
-        <p:blipFill>
-          <a:blip r:embed="rId2"/>
-          <a:srcRect/>
-          <a:stretch>
-            <a:fillRect/>
-          </a:stretch>
-        </p:blipFill>
-        <p:spPr bwMode="auto">
-          <a:xfrm>
-            <a:off x="0" y="714375"/>
-            <a:ext cx="4357688" cy="2679700"/>
-          </a:xfrm>
-          <a:prstGeom prst="rect">
-            <a:avLst/>
-          </a:prstGeom>
-          <a:noFill/>
-          <a:ln w="9525">
-            <a:noFill/>
-            <a:miter lim="800000"/>
-            <a:headEnd/>
-            <a:tailEnd/>
-          </a:ln>
-        </p:spPr>
-      </p:pic>
-      <p:pic>
-        <p:nvPicPr>
-          <p:cNvPr id="11269" name="Picture 4" descr="D:\Study\4 курс 7 семестр\Курсовой\набранное\Полная версия курсового проекта\gr5.png"/>
-          <p:cNvPicPr>
-            <a:picLocks noChangeAspect="1" noChangeArrowheads="1"/>
-          </p:cNvPicPr>
-          <p:nvPr/>
-        </p:nvPicPr>
-        <p:blipFill>
-          <a:blip r:embed="rId3"/>
-          <a:srcRect/>
-          <a:stretch>
-            <a:fillRect/>
-          </a:stretch>
-        </p:blipFill>
-        <p:spPr bwMode="auto">
-          <a:xfrm>
-            <a:off x="4714875" y="2714625"/>
-            <a:ext cx="4429125" cy="2732088"/>
-          </a:xfrm>
-          <a:prstGeom prst="rect">
-            <a:avLst/>
-          </a:prstGeom>
-          <a:noFill/>
-          <a:ln w="9525">
-            <a:noFill/>
-            <a:miter lim="800000"/>
-            <a:headEnd/>
-            <a:tailEnd/>
-          </a:ln>
-        </p:spPr>
-      </p:pic>
-      <p:pic>
-        <p:nvPicPr>
-          <p:cNvPr id="11270" name="Picture 5" descr="D:\Study\4 курс 7 семестр\Курсовой\набранное\Полная версия курсового проекта\gr6_2.png"/>
-          <p:cNvPicPr>
-            <a:picLocks noChangeAspect="1" noChangeArrowheads="1"/>
-          </p:cNvPicPr>
-          <p:nvPr/>
-        </p:nvPicPr>
-        <p:blipFill>
-          <a:blip r:embed="rId4"/>
-          <a:srcRect/>
-          <a:stretch>
-            <a:fillRect/>
-          </a:stretch>
-        </p:blipFill>
-        <p:spPr bwMode="auto">
-          <a:xfrm>
-            <a:off x="0" y="3714750"/>
-            <a:ext cx="4643438" cy="2862263"/>
-          </a:xfrm>
-          <a:prstGeom prst="rect">
-            <a:avLst/>
-          </a:prstGeom>
-          <a:noFill/>
-          <a:ln w="9525">
-            <a:noFill/>
-            <a:miter lim="800000"/>
-            <a:headEnd/>
-            <a:tailEnd/>
-          </a:ln>
-        </p:spPr>
-      </p:pic>
-    </p:spTree>
-  </p:cSld>
-  <p:clrMapOvr>
-    <a:masterClrMapping/>
-  </p:clrMapOvr>
-  <p:timing>
-    <p:tnLst>
-      <p:par>
-        <p:cTn id="1" dur="indefinite" restart="never" nodeType="tmRoot"/>
-      </p:par>
-    </p:tnLst>
-  </p:timing>
-</p:sld>
-</file>
-
-<file path=ppt/slides/slide5.xml><?xml version="1.0" encoding="utf-8"?>
-<p:sld xmlns:a="http://schemas.openxmlformats.org/drawingml/2006/main" xmlns:r="http://schemas.openxmlformats.org/officeDocument/2006/relationships" xmlns:p="http://schemas.openxmlformats.org/presentationml/2006/main">
-  <p:cSld>
-    <p:spTree>
-      <p:nvGrpSpPr>
-        <p:cNvPr id="1" name=""/>
-        <p:cNvGrpSpPr/>
-        <p:nvPr/>
-      </p:nvGrpSpPr>
-      <p:grpSpPr>
-        <a:xfrm>
-          <a:off x="0" y="0"/>
-          <a:ext cx="0" cy="0"/>
-          <a:chOff x="0" y="0"/>
-          <a:chExt cx="0" cy="0"/>
-        </a:xfrm>
-      </p:grpSpPr>
-      <p:sp>
-        <p:nvSpPr>
-          <p:cNvPr id="2" name="Заголовок 1"/>
-          <p:cNvSpPr>
-            <a:spLocks noGrp="1"/>
-          </p:cNvSpPr>
-          <p:nvPr>
-            <p:ph type="title"/>
-          </p:nvPr>
-        </p:nvSpPr>
-        <p:spPr>
-          <a:xfrm>
-            <a:off x="4929188" y="785813"/>
-            <a:ext cx="4214812" cy="1143000"/>
-          </a:xfrm>
-        </p:spPr>
-        <p:txBody>
-          <a:bodyPr/>
-          <a:lstStyle/>
-          <a:p>
-            <a:pPr eaLnBrk="1" fontAlgn="auto" hangingPunct="1">
-              <a:spcAft>
-                <a:spcPts val="0"/>
-              </a:spcAft>
-              <a:defRPr/>
-            </a:pPr>
-            <a:r>
-              <a:rPr lang="ru-RU" sz="2000" dirty="0" smtClean="0">
-                <a:solidFill>
-                  <a:schemeClr val="tx1"/>
-                </a:solidFill>
-              </a:rPr>
-              <a:t>Оценка энтропии 4-граммы при различных долях вкраплений</a:t>
-            </a:r>
-            <a:endParaRPr lang="ru-RU" sz="2000" dirty="0"/>
-          </a:p>
-        </p:txBody>
-      </p:sp>
-      <p:sp>
-        <p:nvSpPr>
-          <p:cNvPr id="12291" name="Содержимое 4"/>
-          <p:cNvSpPr>
-            <a:spLocks noGrp="1"/>
-          </p:cNvSpPr>
-          <p:nvPr>
-            <p:ph sz="quarter" idx="1"/>
-          </p:nvPr>
-        </p:nvSpPr>
-        <p:spPr>
-          <a:xfrm>
-            <a:off x="457200" y="1600200"/>
-            <a:ext cx="7467600" cy="4873625"/>
-          </a:xfrm>
-        </p:spPr>
-        <p:txBody>
-          <a:bodyPr/>
-          <a:lstStyle/>
-          <a:p>
-            <a:pPr eaLnBrk="1" hangingPunct="1"/>
-            <a:endParaRPr lang="ru-RU" smtClean="0"/>
-          </a:p>
-        </p:txBody>
-      </p:sp>
-      <p:pic>
-        <p:nvPicPr>
-          <p:cNvPr id="12292" name="Picture 7" descr="D:\Study\4 курс 7 семестр\Курсовой\набранное\Полная версия курсового проекта\gr8.png"/>
-          <p:cNvPicPr>
-            <a:picLocks noChangeAspect="1" noChangeArrowheads="1"/>
-          </p:cNvPicPr>
-          <p:nvPr/>
-        </p:nvPicPr>
-        <p:blipFill>
-          <a:blip r:embed="rId2"/>
-          <a:srcRect/>
-          <a:stretch>
-            <a:fillRect/>
-          </a:stretch>
-        </p:blipFill>
-        <p:spPr bwMode="auto">
-          <a:xfrm>
-            <a:off x="0" y="3500438"/>
-            <a:ext cx="4194175" cy="2571750"/>
-          </a:xfrm>
-          <a:prstGeom prst="rect">
-            <a:avLst/>
-          </a:prstGeom>
-          <a:noFill/>
-          <a:ln w="9525">
-            <a:noFill/>
-            <a:miter lim="800000"/>
-            <a:headEnd/>
-            <a:tailEnd/>
-          </a:ln>
-        </p:spPr>
-      </p:pic>
-      <p:pic>
-        <p:nvPicPr>
-          <p:cNvPr id="12293" name="Picture 3" descr="D:\Study\4 курс 7 семестр\Курсовой\набранное\Полная версия курсового проекта\gr10.png"/>
-          <p:cNvPicPr>
-            <a:picLocks noChangeAspect="1" noChangeArrowheads="1"/>
-          </p:cNvPicPr>
-          <p:nvPr/>
-        </p:nvPicPr>
-        <p:blipFill>
-          <a:blip r:embed="rId3"/>
-          <a:srcRect/>
-          <a:stretch>
-            <a:fillRect/>
-          </a:stretch>
-        </p:blipFill>
-        <p:spPr bwMode="auto">
-          <a:xfrm>
-            <a:off x="214313" y="500063"/>
-            <a:ext cx="4429125" cy="2751137"/>
-          </a:xfrm>
-          <a:prstGeom prst="rect">
-            <a:avLst/>
-          </a:prstGeom>
-          <a:noFill/>
-          <a:ln w="9525">
-            <a:noFill/>
-            <a:miter lim="800000"/>
-            <a:headEnd/>
-            <a:tailEnd/>
-          </a:ln>
-        </p:spPr>
-      </p:pic>
-      <p:pic>
-        <p:nvPicPr>
-          <p:cNvPr id="12294" name="Picture 2" descr="D:\Study\4 курс 7 семестр\Курсовой\набранное\Полная версия курсового проекта\gr9.png"/>
-          <p:cNvPicPr>
-            <a:picLocks noChangeAspect="1" noChangeArrowheads="1"/>
-          </p:cNvPicPr>
-          <p:nvPr/>
-        </p:nvPicPr>
-        <p:blipFill>
-          <a:blip r:embed="rId4"/>
-          <a:srcRect/>
-          <a:stretch>
-            <a:fillRect/>
-          </a:stretch>
-        </p:blipFill>
-        <p:spPr bwMode="auto">
-          <a:xfrm>
-            <a:off x="4429125" y="3429000"/>
-            <a:ext cx="4405313" cy="2714625"/>
-          </a:xfrm>
-          <a:prstGeom prst="rect">
-            <a:avLst/>
-          </a:prstGeom>
-          <a:noFill/>
-          <a:ln w="9525">
-            <a:noFill/>
-            <a:miter lim="800000"/>
-            <a:headEnd/>
-            <a:tailEnd/>
-          </a:ln>
-        </p:spPr>
-      </p:pic>
-    </p:spTree>
-  </p:cSld>
-  <p:clrMapOvr>
-    <a:masterClrMapping/>
-  </p:clrMapOvr>
-  <p:timing>
-    <p:tnLst>
-      <p:par>
-        <p:cTn id="1" dur="indefinite" restart="never" nodeType="tmRoot"/>
-      </p:par>
-    </p:tnLst>
-  </p:timing>
-</p:sld>
-</file>
-
-<file path=ppt/slides/slide6.xml><?xml version="1.0" encoding="utf-8"?>
-<p:sld xmlns:a="http://schemas.openxmlformats.org/drawingml/2006/main" xmlns:r="http://schemas.openxmlformats.org/officeDocument/2006/relationships" xmlns:p="http://schemas.openxmlformats.org/presentationml/2006/main">
-  <p:cSld>
-    <p:spTree>
-      <p:nvGrpSpPr>
-        <p:cNvPr id="1" name=""/>
-        <p:cNvGrpSpPr/>
-        <p:nvPr/>
-      </p:nvGrpSpPr>
-      <p:grpSpPr>
-        <a:xfrm>
-          <a:off x="0" y="0"/>
-          <a:ext cx="0" cy="0"/>
-          <a:chOff x="0" y="0"/>
-          <a:chExt cx="0" cy="0"/>
-        </a:xfrm>
-      </p:grpSpPr>
-      <p:sp>
-        <p:nvSpPr>
-          <p:cNvPr id="2" name="Заголовок 1"/>
-          <p:cNvSpPr>
-            <a:spLocks noGrp="1"/>
-          </p:cNvSpPr>
-          <p:nvPr>
-            <p:ph type="title"/>
-          </p:nvPr>
-        </p:nvSpPr>
-        <p:spPr>
-          <a:xfrm>
-            <a:off x="428625" y="357188"/>
-            <a:ext cx="7467600" cy="1143000"/>
-          </a:xfrm>
-        </p:spPr>
+        <p:spPr/>
         <p:txBody>
           <a:bodyPr>
             <a:normAutofit fontScale="90000"/>
@@ -7895,231 +6631,11 @@
             </a:pPr>
             <a:r>
               <a:rPr lang="ru-RU" dirty="0" smtClean="0"/>
-              <a:t>Семейство графиков зависимости энтропии от длины </a:t>
-            </a:r>
-            <a:r>
-              <a:rPr lang="en-US" dirty="0" smtClean="0"/>
-              <a:t>l-</a:t>
+              <a:t>Результаты ЛДА для классификации </a:t>
             </a:r>
             <a:r>
               <a:rPr lang="ru-RU" dirty="0" smtClean="0"/>
-              <a:t>граммы при различных долях вкраплений</a:t>
-            </a:r>
-            <a:endParaRPr lang="ru-RU" dirty="0"/>
-          </a:p>
-        </p:txBody>
-      </p:sp>
-      <p:pic>
-        <p:nvPicPr>
-          <p:cNvPr id="13315" name="Picture 2" descr="D:\Study\5 курс\КУРСАЧ ДИПЛОМ\Диплом\gr_1.png"/>
-          <p:cNvPicPr>
-            <a:picLocks noChangeAspect="1" noChangeArrowheads="1"/>
-          </p:cNvPicPr>
-          <p:nvPr/>
-        </p:nvPicPr>
-        <p:blipFill>
-          <a:blip r:embed="rId2"/>
-          <a:srcRect/>
-          <a:stretch>
-            <a:fillRect/>
-          </a:stretch>
-        </p:blipFill>
-        <p:spPr bwMode="auto">
-          <a:xfrm>
-            <a:off x="285750" y="1714500"/>
-            <a:ext cx="8383588" cy="4786313"/>
-          </a:xfrm>
-          <a:prstGeom prst="rect">
-            <a:avLst/>
-          </a:prstGeom>
-          <a:noFill/>
-          <a:ln w="9525">
-            <a:noFill/>
-            <a:miter lim="800000"/>
-            <a:headEnd/>
-            <a:tailEnd/>
-          </a:ln>
-        </p:spPr>
-      </p:pic>
-      <p:sp>
-        <p:nvSpPr>
-          <p:cNvPr id="13316" name="Содержимое 4"/>
-          <p:cNvSpPr>
-            <a:spLocks noGrp="1"/>
-          </p:cNvSpPr>
-          <p:nvPr>
-            <p:ph sz="quarter" idx="1"/>
-          </p:nvPr>
-        </p:nvSpPr>
-        <p:spPr>
-          <a:xfrm>
-            <a:off x="457200" y="1600200"/>
-            <a:ext cx="7467600" cy="4873625"/>
-          </a:xfrm>
-        </p:spPr>
-        <p:txBody>
-          <a:bodyPr/>
-          <a:lstStyle/>
-          <a:p>
-            <a:pPr eaLnBrk="1" hangingPunct="1"/>
-            <a:endParaRPr lang="ru-RU" smtClean="0"/>
-          </a:p>
-        </p:txBody>
-      </p:sp>
-    </p:spTree>
-  </p:cSld>
-  <p:clrMapOvr>
-    <a:masterClrMapping/>
-  </p:clrMapOvr>
-  <p:timing>
-    <p:tnLst>
-      <p:par>
-        <p:cTn id="1" dur="indefinite" restart="never" nodeType="tmRoot"/>
-      </p:par>
-    </p:tnLst>
-  </p:timing>
-</p:sld>
-</file>
-
-<file path=ppt/slides/slide7.xml><?xml version="1.0" encoding="utf-8"?>
-<p:sld xmlns:a="http://schemas.openxmlformats.org/drawingml/2006/main" xmlns:r="http://schemas.openxmlformats.org/officeDocument/2006/relationships" xmlns:p="http://schemas.openxmlformats.org/presentationml/2006/main">
-  <p:cSld>
-    <p:spTree>
-      <p:nvGrpSpPr>
-        <p:cNvPr id="1" name=""/>
-        <p:cNvGrpSpPr/>
-        <p:nvPr/>
-      </p:nvGrpSpPr>
-      <p:grpSpPr>
-        <a:xfrm>
-          <a:off x="0" y="0"/>
-          <a:ext cx="0" cy="0"/>
-          <a:chOff x="0" y="0"/>
-          <a:chExt cx="0" cy="0"/>
-        </a:xfrm>
-      </p:grpSpPr>
-      <p:sp>
-        <p:nvSpPr>
-          <p:cNvPr id="2" name="Заголовок 1"/>
-          <p:cNvSpPr>
-            <a:spLocks noGrp="1"/>
-          </p:cNvSpPr>
-          <p:nvPr>
-            <p:ph type="title"/>
-          </p:nvPr>
-        </p:nvSpPr>
-        <p:spPr/>
-        <p:txBody>
-          <a:bodyPr/>
-          <a:lstStyle/>
-          <a:p>
-            <a:endParaRPr lang="ru-RU"/>
-          </a:p>
-        </p:txBody>
-      </p:sp>
-      <p:sp>
-        <p:nvSpPr>
-          <p:cNvPr id="3" name="Содержимое 2"/>
-          <p:cNvSpPr>
-            <a:spLocks noGrp="1"/>
-          </p:cNvSpPr>
-          <p:nvPr>
-            <p:ph sz="quarter" idx="1"/>
-          </p:nvPr>
-        </p:nvSpPr>
-        <p:spPr/>
-        <p:txBody>
-          <a:bodyPr/>
-          <a:lstStyle/>
-          <a:p>
-            <a:endParaRPr lang="ru-RU" dirty="0"/>
-          </a:p>
-        </p:txBody>
-      </p:sp>
-      <p:pic>
-        <p:nvPicPr>
-          <p:cNvPr id="28674" name="Picture 2" descr="D:\Study\5 курс\КУРСАЧ ДИПЛОМ\Диплом\gr4.png"/>
-          <p:cNvPicPr>
-            <a:picLocks noChangeAspect="1" noChangeArrowheads="1"/>
-          </p:cNvPicPr>
-          <p:nvPr/>
-        </p:nvPicPr>
-        <p:blipFill>
-          <a:blip r:embed="rId2"/>
-          <a:srcRect/>
-          <a:stretch>
-            <a:fillRect/>
-          </a:stretch>
-        </p:blipFill>
-        <p:spPr bwMode="auto">
-          <a:xfrm>
-            <a:off x="571472" y="785794"/>
-            <a:ext cx="8001056" cy="5265557"/>
-          </a:xfrm>
-          <a:prstGeom prst="rect">
-            <a:avLst/>
-          </a:prstGeom>
-          <a:noFill/>
-        </p:spPr>
-      </p:pic>
-    </p:spTree>
-  </p:cSld>
-  <p:clrMapOvr>
-    <a:masterClrMapping/>
-  </p:clrMapOvr>
-  <p:timing>
-    <p:tnLst>
-      <p:par>
-        <p:cTn id="1" dur="indefinite" restart="never" nodeType="tmRoot"/>
-      </p:par>
-    </p:tnLst>
-  </p:timing>
-</p:sld>
-</file>
-
-<file path=ppt/slides/slide8.xml><?xml version="1.0" encoding="utf-8"?>
-<p:sld xmlns:a="http://schemas.openxmlformats.org/drawingml/2006/main" xmlns:r="http://schemas.openxmlformats.org/officeDocument/2006/relationships" xmlns:p="http://schemas.openxmlformats.org/presentationml/2006/main">
-  <p:cSld>
-    <p:spTree>
-      <p:nvGrpSpPr>
-        <p:cNvPr id="1" name=""/>
-        <p:cNvGrpSpPr/>
-        <p:nvPr/>
-      </p:nvGrpSpPr>
-      <p:grpSpPr>
-        <a:xfrm>
-          <a:off x="0" y="0"/>
-          <a:ext cx="0" cy="0"/>
-          <a:chOff x="0" y="0"/>
-          <a:chExt cx="0" cy="0"/>
-        </a:xfrm>
-      </p:grpSpPr>
-      <p:sp>
-        <p:nvSpPr>
-          <p:cNvPr id="2" name="Заголовок 1"/>
-          <p:cNvSpPr>
-            <a:spLocks noGrp="1"/>
-          </p:cNvSpPr>
-          <p:nvPr>
-            <p:ph type="title"/>
-          </p:nvPr>
-        </p:nvSpPr>
-        <p:spPr/>
-        <p:txBody>
-          <a:bodyPr>
-            <a:normAutofit fontScale="90000"/>
-          </a:bodyPr>
-          <a:lstStyle/>
-          <a:p>
-            <a:pPr eaLnBrk="1" fontAlgn="auto" hangingPunct="1">
-              <a:spcAft>
-                <a:spcPts val="0"/>
-              </a:spcAft>
-              <a:defRPr/>
-            </a:pPr>
-            <a:r>
-              <a:rPr lang="ru-RU" dirty="0" smtClean="0"/>
-              <a:t>Результаты ЛДА для классификации последовательностей</a:t>
+              <a:t>последовательностей </a:t>
             </a:r>
             <a:endParaRPr lang="ru-RU" dirty="0"/>
           </a:p>
@@ -8136,18 +6652,18 @@
           </p:nvPr>
         </p:nvGraphicFramePr>
         <p:xfrm>
-          <a:off x="500063" y="1571625"/>
-          <a:ext cx="7786742" cy="4214840"/>
+          <a:off x="857224" y="1785926"/>
+          <a:ext cx="7500989" cy="3537862"/>
         </p:xfrm>
         <a:graphic>
           <a:graphicData uri="http://schemas.openxmlformats.org/drawingml/2006/table">
             <a:tbl>
               <a:tblPr/>
               <a:tblGrid>
-                <a:gridCol w="2870114"/>
-                <a:gridCol w="4916628"/>
+                <a:gridCol w="2764789"/>
+                <a:gridCol w="4736200"/>
               </a:tblGrid>
-              <a:tr h="1397185">
+              <a:tr h="920392">
                 <a:tc>
                   <a:txBody>
                     <a:bodyPr/>
@@ -8285,7 +6801,7 @@
                   </a:tcPr>
                 </a:tc>
               </a:tr>
-              <a:tr h="489015">
+              <a:tr h="353233">
                 <a:tc>
                   <a:txBody>
                     <a:bodyPr/>
@@ -8399,7 +6915,7 @@
                   </a:tcPr>
                 </a:tc>
               </a:tr>
-              <a:tr h="465728">
+              <a:tr h="353233">
                 <a:tc>
                   <a:txBody>
                     <a:bodyPr/>
@@ -8407,7 +6923,7 @@
                     <a:p>
                       <a:pPr algn="ctr" fontAlgn="ctr"/>
                       <a:r>
-                        <a:rPr lang="ru-RU" sz="2800" b="0" i="0" u="none" strike="noStrike">
+                        <a:rPr lang="ru-RU" sz="2800" b="0" i="0" u="none" strike="noStrike" dirty="0">
                           <a:solidFill>
                             <a:srgbClr val="000000"/>
                           </a:solidFill>
@@ -8513,7 +7029,7 @@
                   </a:tcPr>
                 </a:tc>
               </a:tr>
-              <a:tr h="465728">
+              <a:tr h="353233">
                 <a:tc>
                   <a:txBody>
                     <a:bodyPr/>
@@ -8627,7 +7143,7 @@
                   </a:tcPr>
                 </a:tc>
               </a:tr>
-              <a:tr h="465728">
+              <a:tr h="353233">
                 <a:tc>
                   <a:txBody>
                     <a:bodyPr/>
@@ -8741,7 +7257,7 @@
                   </a:tcPr>
                 </a:tc>
               </a:tr>
-              <a:tr h="465728">
+              <a:tr h="353233">
                 <a:tc>
                   <a:txBody>
                     <a:bodyPr/>
@@ -8855,7 +7371,7 @@
                   </a:tcPr>
                 </a:tc>
               </a:tr>
-              <a:tr h="465728">
+              <a:tr h="353233">
                 <a:tc>
                   <a:txBody>
                     <a:bodyPr/>
@@ -8973,6 +7489,50 @@
           </a:graphicData>
         </a:graphic>
       </p:graphicFrame>
+      <p:sp>
+        <p:nvSpPr>
+          <p:cNvPr id="5" name="TextBox 4"/>
+          <p:cNvSpPr txBox="1"/>
+          <p:nvPr/>
+        </p:nvSpPr>
+        <p:spPr>
+          <a:xfrm>
+            <a:off x="1785918" y="5572140"/>
+            <a:ext cx="5929354" cy="369332"/>
+          </a:xfrm>
+          <a:prstGeom prst="rect">
+            <a:avLst/>
+          </a:prstGeom>
+          <a:noFill/>
+        </p:spPr>
+        <p:txBody>
+          <a:bodyPr wrap="square" rtlCol="0">
+            <a:spAutoFit/>
+          </a:bodyPr>
+          <a:lstStyle/>
+          <a:p>
+            <a:r>
+              <a:rPr lang="ru-RU" dirty="0" smtClean="0"/>
+              <a:t>Таблица 1 – Результаты ЛДА при </a:t>
+            </a:r>
+            <a:r>
+              <a:rPr lang="el-GR" dirty="0" smtClean="0">
+                <a:latin typeface="Times New Roman"/>
+                <a:cs typeface="Times New Roman"/>
+              </a:rPr>
+              <a:t>ε</a:t>
+            </a:r>
+            <a:r>
+              <a:rPr lang="ru-RU" dirty="0" smtClean="0">
+                <a:latin typeface="Times New Roman"/>
+                <a:cs typeface="Times New Roman"/>
+              </a:rPr>
+              <a:t>=0.55</a:t>
+            </a:r>
+            <a:endParaRPr lang="ru-RU" dirty="0"/>
+          </a:p>
+        </p:txBody>
+      </p:sp>
     </p:spTree>
   </p:cSld>
   <p:clrMapOvr>
@@ -8985,6 +7545,3218 @@
       </p:par>
     </p:tnLst>
   </p:timing>
+</p:sld>
+</file>
+
+<file path=ppt/slides/slide13.xml><?xml version="1.0" encoding="utf-8"?>
+<p:sld xmlns:a="http://schemas.openxmlformats.org/drawingml/2006/main" xmlns:r="http://schemas.openxmlformats.org/officeDocument/2006/relationships" xmlns:p="http://schemas.openxmlformats.org/presentationml/2006/main">
+  <p:cSld>
+    <p:spTree>
+      <p:nvGrpSpPr>
+        <p:cNvPr id="1" name=""/>
+        <p:cNvGrpSpPr/>
+        <p:nvPr/>
+      </p:nvGrpSpPr>
+      <p:grpSpPr>
+        <a:xfrm>
+          <a:off x="0" y="0"/>
+          <a:ext cx="0" cy="0"/>
+          <a:chOff x="0" y="0"/>
+          <a:chExt cx="0" cy="0"/>
+        </a:xfrm>
+      </p:grpSpPr>
+      <p:sp>
+        <p:nvSpPr>
+          <p:cNvPr id="2" name="Заголовок 1"/>
+          <p:cNvSpPr>
+            <a:spLocks noGrp="1"/>
+          </p:cNvSpPr>
+          <p:nvPr>
+            <p:ph type="title"/>
+          </p:nvPr>
+        </p:nvSpPr>
+        <p:spPr>
+          <a:xfrm>
+            <a:off x="457200" y="274638"/>
+            <a:ext cx="7467600" cy="654032"/>
+          </a:xfrm>
+        </p:spPr>
+        <p:txBody>
+          <a:bodyPr/>
+          <a:lstStyle/>
+          <a:p>
+            <a:r>
+              <a:rPr lang="ru-RU" dirty="0" smtClean="0"/>
+              <a:t>ЗАКЛЮЧЕНИЕ</a:t>
+            </a:r>
+            <a:endParaRPr lang="ru-RU" dirty="0"/>
+          </a:p>
+        </p:txBody>
+      </p:sp>
+      <p:sp>
+        <p:nvSpPr>
+          <p:cNvPr id="3" name="Содержимое 2"/>
+          <p:cNvSpPr>
+            <a:spLocks noGrp="1"/>
+          </p:cNvSpPr>
+          <p:nvPr>
+            <p:ph sz="quarter" idx="1"/>
+          </p:nvPr>
+        </p:nvSpPr>
+        <p:spPr>
+          <a:xfrm>
+            <a:off x="428596" y="1071546"/>
+            <a:ext cx="8429684" cy="4873752"/>
+          </a:xfrm>
+        </p:spPr>
+        <p:txBody>
+          <a:bodyPr/>
+          <a:lstStyle/>
+          <a:p>
+            <a:r>
+              <a:rPr lang="ru-RU" sz="2000" dirty="0" smtClean="0"/>
+              <a:t>В </a:t>
+            </a:r>
+            <a:r>
+              <a:rPr lang="ru-RU" sz="2000" dirty="0" smtClean="0"/>
+              <a:t>работе получены следующие основные результаты:</a:t>
+            </a:r>
+          </a:p>
+          <a:p>
+            <a:r>
+              <a:rPr lang="ru-RU" sz="2000" dirty="0" smtClean="0"/>
+              <a:t>1. Исследована математическая модель вкраплений в цепь Маркова </a:t>
+            </a:r>
+            <a:r>
+              <a:rPr lang="ru-RU" sz="2000" dirty="0" smtClean="0"/>
+              <a:t>1-го порядка</a:t>
+            </a:r>
+            <a:r>
+              <a:rPr lang="ru-RU" sz="2000" dirty="0" smtClean="0"/>
+              <a:t>.</a:t>
+            </a:r>
+          </a:p>
+          <a:p>
+            <a:r>
+              <a:rPr lang="ru-RU" sz="2000" dirty="0" smtClean="0"/>
+              <a:t>2. Получены точные значения вероятностей для всевозможных </a:t>
+            </a:r>
+            <a:r>
+              <a:rPr lang="ru-RU" sz="2000" dirty="0" smtClean="0"/>
+              <a:t>шаблонов </a:t>
+            </a:r>
+            <a:r>
+              <a:rPr lang="en-US" sz="2000" dirty="0" smtClean="0"/>
+              <a:t>l-</a:t>
+            </a:r>
+            <a:r>
+              <a:rPr lang="ru-RU" sz="2000" dirty="0" smtClean="0"/>
+              <a:t>граммы при </a:t>
+            </a:r>
+            <a:r>
+              <a:rPr lang="en-US" sz="2000" dirty="0" smtClean="0"/>
+              <a:t>l=2,3,4.</a:t>
+            </a:r>
+          </a:p>
+          <a:p>
+            <a:r>
+              <a:rPr lang="ru-RU" sz="2000" dirty="0" smtClean="0"/>
+              <a:t>3. Получены </a:t>
+            </a:r>
+            <a:r>
+              <a:rPr lang="ru-RU" sz="2000" dirty="0" err="1" smtClean="0"/>
+              <a:t>ассимптотические</a:t>
+            </a:r>
+            <a:r>
+              <a:rPr lang="ru-RU" sz="2000" dirty="0" smtClean="0"/>
+              <a:t> оценки первого порядка для энтропии </a:t>
+            </a:r>
+            <a:r>
+              <a:rPr lang="ru-RU" sz="2000" dirty="0" smtClean="0"/>
+              <a:t>l-граммы </a:t>
+            </a:r>
+            <a:r>
+              <a:rPr lang="ru-RU" sz="2000" dirty="0" smtClean="0"/>
+              <a:t>при </a:t>
+            </a:r>
+            <a:r>
+              <a:rPr lang="en-US" sz="2000" dirty="0" smtClean="0"/>
+              <a:t>l=2,3,4.</a:t>
+            </a:r>
+          </a:p>
+          <a:p>
+            <a:r>
+              <a:rPr lang="ru-RU" sz="2000" dirty="0" smtClean="0"/>
+              <a:t>4. Проведен линейный </a:t>
+            </a:r>
+            <a:r>
+              <a:rPr lang="ru-RU" sz="2000" dirty="0" err="1" smtClean="0"/>
+              <a:t>дескриминантный</a:t>
+            </a:r>
+            <a:r>
+              <a:rPr lang="ru-RU" sz="2000" dirty="0" smtClean="0"/>
+              <a:t> анализ на основании </a:t>
+            </a:r>
+            <a:r>
+              <a:rPr lang="ru-RU" sz="2000" dirty="0" err="1" smtClean="0"/>
+              <a:t>оссимптотических</a:t>
+            </a:r>
+            <a:r>
+              <a:rPr lang="ru-RU" sz="2000" dirty="0" smtClean="0"/>
+              <a:t> </a:t>
+            </a:r>
+            <a:r>
+              <a:rPr lang="ru-RU" sz="2000" dirty="0" smtClean="0"/>
+              <a:t>оценок для энтропии 3-граммы и 4-граммы.</a:t>
+            </a:r>
+          </a:p>
+          <a:p>
+            <a:r>
+              <a:rPr lang="ru-RU" sz="2000" dirty="0" smtClean="0"/>
+              <a:t>5. </a:t>
+            </a:r>
+            <a:r>
+              <a:rPr lang="ru-RU" sz="2000" dirty="0" err="1" smtClean="0"/>
+              <a:t>Првоеден</a:t>
+            </a:r>
+            <a:r>
+              <a:rPr lang="ru-RU" sz="2000" dirty="0" smtClean="0"/>
+              <a:t> ряд компьютерных экспериментов.</a:t>
+            </a:r>
+          </a:p>
+          <a:p>
+            <a:endParaRPr lang="ru-RU" dirty="0"/>
+          </a:p>
+        </p:txBody>
+      </p:sp>
+    </p:spTree>
+  </p:cSld>
+  <p:clrMapOvr>
+    <a:masterClrMapping/>
+  </p:clrMapOvr>
+</p:sld>
+</file>
+
+<file path=ppt/slides/slide14.xml><?xml version="1.0" encoding="utf-8"?>
+<p:sld xmlns:a="http://schemas.openxmlformats.org/drawingml/2006/main" xmlns:r="http://schemas.openxmlformats.org/officeDocument/2006/relationships" xmlns:p="http://schemas.openxmlformats.org/presentationml/2006/main">
+  <p:cSld>
+    <p:spTree>
+      <p:nvGrpSpPr>
+        <p:cNvPr id="1" name=""/>
+        <p:cNvGrpSpPr/>
+        <p:nvPr/>
+      </p:nvGrpSpPr>
+      <p:grpSpPr>
+        <a:xfrm>
+          <a:off x="0" y="0"/>
+          <a:ext cx="0" cy="0"/>
+          <a:chOff x="0" y="0"/>
+          <a:chExt cx="0" cy="0"/>
+        </a:xfrm>
+      </p:grpSpPr>
+      <p:sp>
+        <p:nvSpPr>
+          <p:cNvPr id="2" name="Заголовок 1"/>
+          <p:cNvSpPr>
+            <a:spLocks noGrp="1"/>
+          </p:cNvSpPr>
+          <p:nvPr>
+            <p:ph type="title"/>
+          </p:nvPr>
+        </p:nvSpPr>
+        <p:spPr>
+          <a:xfrm>
+            <a:off x="457200" y="274638"/>
+            <a:ext cx="7467600" cy="654032"/>
+          </a:xfrm>
+        </p:spPr>
+        <p:txBody>
+          <a:bodyPr/>
+          <a:lstStyle/>
+          <a:p>
+            <a:r>
+              <a:rPr lang="ru-RU" dirty="0" smtClean="0"/>
+              <a:t>Список литературы</a:t>
+            </a:r>
+            <a:endParaRPr lang="ru-RU" dirty="0"/>
+          </a:p>
+        </p:txBody>
+      </p:sp>
+      <p:sp>
+        <p:nvSpPr>
+          <p:cNvPr id="3" name="Содержимое 2"/>
+          <p:cNvSpPr>
+            <a:spLocks noGrp="1"/>
+          </p:cNvSpPr>
+          <p:nvPr>
+            <p:ph sz="quarter" idx="1"/>
+          </p:nvPr>
+        </p:nvSpPr>
+        <p:spPr>
+          <a:xfrm>
+            <a:off x="0" y="1071546"/>
+            <a:ext cx="9144000" cy="4873752"/>
+          </a:xfrm>
+        </p:spPr>
+        <p:txBody>
+          <a:bodyPr/>
+          <a:lstStyle/>
+          <a:p>
+            <a:r>
+              <a:rPr lang="ru-RU" sz="1600" dirty="0" smtClean="0"/>
+              <a:t>1. </a:t>
+            </a:r>
+            <a:r>
+              <a:rPr lang="en-US" sz="1600" dirty="0" smtClean="0"/>
+              <a:t>R.O</a:t>
+            </a:r>
+            <a:r>
+              <a:rPr lang="en-US" sz="1600" dirty="0" smtClean="0"/>
+              <a:t>. </a:t>
+            </a:r>
+            <a:r>
+              <a:rPr lang="en-US" sz="1600" dirty="0" err="1" smtClean="0"/>
+              <a:t>Duda</a:t>
+            </a:r>
+            <a:r>
+              <a:rPr lang="en-US" sz="1600" dirty="0" smtClean="0"/>
+              <a:t>, P.E. Hart, D.H. Stork Pattern Classification (2nd ed.) // </a:t>
+            </a:r>
+            <a:r>
+              <a:rPr lang="en-US" sz="1600" dirty="0" smtClean="0"/>
+              <a:t>Wiley</a:t>
+            </a:r>
+            <a:r>
+              <a:rPr lang="ru-RU" sz="1600" dirty="0" smtClean="0"/>
+              <a:t> </a:t>
+            </a:r>
+            <a:r>
+              <a:rPr lang="en-US" sz="1600" dirty="0" err="1" smtClean="0"/>
+              <a:t>Interscience</a:t>
+            </a:r>
+            <a:r>
+              <a:rPr lang="en-US" sz="1600" dirty="0" smtClean="0"/>
+              <a:t>. — 2000.</a:t>
+            </a:r>
+          </a:p>
+          <a:p>
+            <a:r>
+              <a:rPr lang="ru-RU" sz="1600" dirty="0" smtClean="0"/>
+              <a:t>2. А. А. </a:t>
+            </a:r>
+            <a:r>
+              <a:rPr lang="ru-RU" sz="1600" dirty="0" err="1" smtClean="0"/>
+              <a:t>Духин</a:t>
+            </a:r>
+            <a:r>
+              <a:rPr lang="ru-RU" sz="1600" dirty="0" smtClean="0"/>
+              <a:t>: Теория информации - М.: "Гелиос АРВ", 2007.</a:t>
+            </a:r>
+          </a:p>
+          <a:p>
+            <a:r>
+              <a:rPr lang="ru-RU" sz="1600" dirty="0" smtClean="0"/>
+              <a:t>3. А.В. </a:t>
+            </a:r>
+            <a:r>
+              <a:rPr lang="ru-RU" sz="1600" dirty="0" err="1" smtClean="0"/>
+              <a:t>Аграновский</a:t>
+            </a:r>
+            <a:r>
+              <a:rPr lang="ru-RU" sz="1600" dirty="0" smtClean="0"/>
+              <a:t>, А. В. Балакин: Стеганография, цифровые водяные </a:t>
+            </a:r>
+            <a:r>
+              <a:rPr lang="ru-RU" sz="1600" dirty="0" smtClean="0"/>
+              <a:t>знаки </a:t>
+            </a:r>
+            <a:r>
+              <a:rPr lang="ru-RU" sz="1600" dirty="0" smtClean="0"/>
+              <a:t>о </a:t>
+            </a:r>
+            <a:r>
+              <a:rPr lang="ru-RU" sz="1600" dirty="0" err="1" smtClean="0"/>
+              <a:t>стегоанализе</a:t>
+            </a:r>
+            <a:r>
+              <a:rPr lang="ru-RU" sz="1600" dirty="0" smtClean="0"/>
+              <a:t> - М.: </a:t>
+            </a:r>
+            <a:r>
+              <a:rPr lang="ru-RU" sz="1600" dirty="0" smtClean="0"/>
+              <a:t>Вузовская книга</a:t>
+            </a:r>
+            <a:r>
+              <a:rPr lang="ru-RU" sz="1600" dirty="0" smtClean="0"/>
+              <a:t>, 2009.</a:t>
+            </a:r>
+          </a:p>
+          <a:p>
+            <a:r>
+              <a:rPr lang="ru-RU" sz="1600" dirty="0" smtClean="0"/>
+              <a:t>4. В. Г. </a:t>
+            </a:r>
+            <a:r>
+              <a:rPr lang="ru-RU" sz="1600" dirty="0" err="1" smtClean="0"/>
+              <a:t>Грибунин</a:t>
+            </a:r>
+            <a:r>
+              <a:rPr lang="ru-RU" sz="1600" dirty="0" smtClean="0"/>
+              <a:t>, И. Н. Оков, И. В. Туринцев: Цифровая стеганография </a:t>
+            </a:r>
+            <a:r>
+              <a:rPr lang="ru-RU" sz="1600" dirty="0" smtClean="0"/>
+              <a:t> - М</a:t>
+            </a:r>
+            <a:r>
+              <a:rPr lang="ru-RU" sz="1600" dirty="0" smtClean="0"/>
+              <a:t>.: </a:t>
+            </a:r>
+            <a:r>
+              <a:rPr lang="ru-RU" sz="1600" dirty="0" err="1" smtClean="0"/>
+              <a:t>Солон-Прессб</a:t>
+            </a:r>
+            <a:r>
+              <a:rPr lang="ru-RU" sz="1600" dirty="0" smtClean="0"/>
+              <a:t>, 2002.</a:t>
+            </a:r>
+          </a:p>
+          <a:p>
+            <a:r>
+              <a:rPr lang="ru-RU" sz="1600" dirty="0" smtClean="0"/>
+              <a:t>5. Дж. </a:t>
+            </a:r>
+            <a:r>
+              <a:rPr lang="ru-RU" sz="1600" dirty="0" err="1" smtClean="0"/>
+              <a:t>Миано</a:t>
+            </a:r>
+            <a:r>
+              <a:rPr lang="ru-RU" sz="1600" dirty="0" smtClean="0"/>
+              <a:t>: Форматы и алгоритмы сжатия изображений в действии - </a:t>
+            </a:r>
+            <a:r>
+              <a:rPr lang="ru-RU" sz="1600" dirty="0" err="1" smtClean="0"/>
+              <a:t>М</a:t>
+            </a:r>
+            <a:r>
+              <a:rPr lang="ru-RU" sz="1600" dirty="0" err="1" smtClean="0"/>
+              <a:t>.:Триумф</a:t>
+            </a:r>
+            <a:r>
+              <a:rPr lang="ru-RU" sz="1600" dirty="0" smtClean="0"/>
+              <a:t>, 2003.</a:t>
+            </a:r>
+          </a:p>
+          <a:p>
+            <a:r>
+              <a:rPr lang="ru-RU" sz="1600" dirty="0" smtClean="0"/>
+              <a:t>6. К. И. Пономарев "Параметрическая модель вкрапления и ее </a:t>
+            </a:r>
+            <a:r>
+              <a:rPr lang="ru-RU" sz="1600" dirty="0" smtClean="0"/>
+              <a:t>статистический </a:t>
+            </a:r>
+            <a:r>
+              <a:rPr lang="ru-RU" sz="1600" dirty="0" smtClean="0"/>
+              <a:t>анализ", </a:t>
+            </a:r>
+            <a:r>
+              <a:rPr lang="ru-RU" sz="1600" dirty="0" err="1" smtClean="0"/>
+              <a:t>Дискрет</a:t>
+            </a:r>
+            <a:r>
+              <a:rPr lang="ru-RU" sz="1600" dirty="0" smtClean="0"/>
+              <a:t>. </a:t>
+            </a:r>
+            <a:r>
+              <a:rPr lang="ru-RU" sz="1600" dirty="0" err="1" smtClean="0"/>
+              <a:t>матем</a:t>
+            </a:r>
+            <a:r>
+              <a:rPr lang="ru-RU" sz="1600" dirty="0" smtClean="0"/>
+              <a:t>., 21:4 (2009), 148-157.</a:t>
+            </a:r>
+          </a:p>
+          <a:p>
+            <a:r>
+              <a:rPr lang="ru-RU" sz="1600" dirty="0" smtClean="0"/>
+              <a:t>7. Н. П. </a:t>
+            </a:r>
+            <a:r>
+              <a:rPr lang="ru-RU" sz="1600" dirty="0" err="1" smtClean="0"/>
+              <a:t>Варновский</a:t>
+            </a:r>
+            <a:r>
+              <a:rPr lang="ru-RU" sz="1600" dirty="0" smtClean="0"/>
+              <a:t>, Е. А. Голубев, О. А. </a:t>
+            </a:r>
+            <a:r>
+              <a:rPr lang="ru-RU" sz="1600" dirty="0" err="1" smtClean="0"/>
+              <a:t>Логачев</a:t>
+            </a:r>
+            <a:r>
+              <a:rPr lang="ru-RU" sz="1600" dirty="0" smtClean="0"/>
+              <a:t>: Современные </a:t>
+            </a:r>
+            <a:r>
+              <a:rPr lang="ru-RU" sz="1600" dirty="0" smtClean="0"/>
+              <a:t>направления стеганографии</a:t>
+            </a:r>
+            <a:r>
+              <a:rPr lang="ru-RU" sz="1600" dirty="0" smtClean="0"/>
+              <a:t>. Математика и безопасность информационных </a:t>
+            </a:r>
+            <a:r>
+              <a:rPr lang="ru-RU" sz="1600" dirty="0" smtClean="0"/>
+              <a:t>технологий. Материалы </a:t>
+            </a:r>
+            <a:r>
+              <a:rPr lang="ru-RU" sz="1600" dirty="0" smtClean="0"/>
+              <a:t>конференции в МГУ 28-29 октября 2004 г., МЦМНО, </a:t>
+            </a:r>
+            <a:r>
+              <a:rPr lang="ru-RU" sz="1600" dirty="0" smtClean="0"/>
+              <a:t> М., 2005, с</a:t>
+            </a:r>
+            <a:r>
+              <a:rPr lang="ru-RU" sz="1600" dirty="0" smtClean="0"/>
+              <a:t>. 32-64.</a:t>
+            </a:r>
+          </a:p>
+          <a:p>
+            <a:r>
+              <a:rPr lang="ru-RU" sz="1600" dirty="0" smtClean="0"/>
+              <a:t>8. Ю. С. Харин [и др.]: </a:t>
+            </a:r>
+            <a:r>
+              <a:rPr lang="ru-RU" sz="1600" dirty="0" err="1" smtClean="0"/>
+              <a:t>Криптология</a:t>
+            </a:r>
+            <a:r>
+              <a:rPr lang="ru-RU" sz="1600" dirty="0" smtClean="0"/>
+              <a:t> - Минск: БГУ, 2013.</a:t>
+            </a:r>
+          </a:p>
+          <a:p>
+            <a:r>
+              <a:rPr lang="ru-RU" sz="1600" dirty="0" smtClean="0"/>
+              <a:t>9. Ю. С. Харин, Е. В. </a:t>
+            </a:r>
+            <a:r>
+              <a:rPr lang="ru-RU" sz="1600" dirty="0" err="1" smtClean="0"/>
+              <a:t>Вечерко</a:t>
+            </a:r>
+            <a:r>
+              <a:rPr lang="ru-RU" sz="1600" dirty="0" smtClean="0"/>
+              <a:t> "Статистическое оценивание параметров </a:t>
+            </a:r>
+            <a:r>
+              <a:rPr lang="ru-RU" sz="1600" dirty="0" smtClean="0"/>
+              <a:t>модели </a:t>
+            </a:r>
+            <a:r>
+              <a:rPr lang="ru-RU" sz="1600" dirty="0" smtClean="0"/>
+              <a:t>вкраплений в двоичную цепь Маркова", </a:t>
+            </a:r>
+            <a:r>
+              <a:rPr lang="ru-RU" sz="1600" dirty="0" err="1" smtClean="0"/>
+              <a:t>Дискрет</a:t>
+            </a:r>
+            <a:r>
+              <a:rPr lang="ru-RU" sz="1600" dirty="0" smtClean="0"/>
+              <a:t>. </a:t>
+            </a:r>
+            <a:r>
+              <a:rPr lang="ru-RU" sz="1600" dirty="0" err="1" smtClean="0"/>
+              <a:t>матем</a:t>
+            </a:r>
+            <a:r>
+              <a:rPr lang="ru-RU" sz="1600" dirty="0" smtClean="0"/>
+              <a:t>., 25:2 (2013</a:t>
+            </a:r>
+            <a:r>
+              <a:rPr lang="ru-RU" sz="1600" dirty="0" smtClean="0"/>
+              <a:t>), 135-148</a:t>
+            </a:r>
+            <a:r>
+              <a:rPr lang="ru-RU" sz="1600" dirty="0" smtClean="0"/>
+              <a:t>.</a:t>
+            </a:r>
+          </a:p>
+          <a:p>
+            <a:r>
+              <a:rPr lang="ru-RU" sz="1600" dirty="0" smtClean="0"/>
+              <a:t>10. Ю. С. Харин, Е. В. </a:t>
+            </a:r>
+            <a:r>
+              <a:rPr lang="ru-RU" sz="1600" dirty="0" err="1" smtClean="0"/>
+              <a:t>Вечерко</a:t>
+            </a:r>
+            <a:r>
+              <a:rPr lang="ru-RU" sz="1600" dirty="0" smtClean="0"/>
+              <a:t> "Распознавание вкраплений в двоичную </a:t>
+            </a:r>
+            <a:r>
+              <a:rPr lang="ru-RU" sz="1600" dirty="0" smtClean="0"/>
+              <a:t>цепь Маркова</a:t>
+            </a:r>
+            <a:r>
+              <a:rPr lang="ru-RU" sz="1600" dirty="0" smtClean="0"/>
+              <a:t>", </a:t>
+            </a:r>
+            <a:r>
+              <a:rPr lang="ru-RU" sz="1600" dirty="0" err="1" smtClean="0"/>
+              <a:t>Дискрет</a:t>
+            </a:r>
+            <a:r>
+              <a:rPr lang="ru-RU" sz="1600" dirty="0" smtClean="0"/>
+              <a:t>. </a:t>
+            </a:r>
+            <a:r>
+              <a:rPr lang="ru-RU" sz="1600" dirty="0" err="1" smtClean="0"/>
+              <a:t>матем</a:t>
+            </a:r>
+            <a:r>
+              <a:rPr lang="ru-RU" sz="1600" dirty="0" smtClean="0"/>
+              <a:t>., 27:3 (2015), 123–144.</a:t>
+            </a:r>
+            <a:endParaRPr lang="ru-RU" sz="1600" dirty="0"/>
+          </a:p>
+        </p:txBody>
+      </p:sp>
+    </p:spTree>
+  </p:cSld>
+  <p:clrMapOvr>
+    <a:masterClrMapping/>
+  </p:clrMapOvr>
+</p:sld>
+</file>
+
+<file path=ppt/slides/slide15.xml><?xml version="1.0" encoding="utf-8"?>
+<p:sld xmlns:a="http://schemas.openxmlformats.org/drawingml/2006/main" xmlns:r="http://schemas.openxmlformats.org/officeDocument/2006/relationships" xmlns:p="http://schemas.openxmlformats.org/presentationml/2006/main">
+  <p:cSld>
+    <p:spTree>
+      <p:nvGrpSpPr>
+        <p:cNvPr id="1" name=""/>
+        <p:cNvGrpSpPr/>
+        <p:nvPr/>
+      </p:nvGrpSpPr>
+      <p:grpSpPr>
+        <a:xfrm>
+          <a:off x="0" y="0"/>
+          <a:ext cx="0" cy="0"/>
+          <a:chOff x="0" y="0"/>
+          <a:chExt cx="0" cy="0"/>
+        </a:xfrm>
+      </p:grpSpPr>
+      <p:sp>
+        <p:nvSpPr>
+          <p:cNvPr id="2" name="Заголовок 1"/>
+          <p:cNvSpPr>
+            <a:spLocks noGrp="1"/>
+          </p:cNvSpPr>
+          <p:nvPr>
+            <p:ph type="title"/>
+          </p:nvPr>
+        </p:nvSpPr>
+        <p:spPr/>
+        <p:txBody>
+          <a:bodyPr/>
+          <a:lstStyle/>
+          <a:p>
+            <a:pPr eaLnBrk="1" fontAlgn="auto" hangingPunct="1">
+              <a:spcAft>
+                <a:spcPts val="0"/>
+              </a:spcAft>
+              <a:defRPr/>
+            </a:pPr>
+            <a:endParaRPr lang="ru-RU"/>
+          </a:p>
+        </p:txBody>
+      </p:sp>
+      <p:sp>
+        <p:nvSpPr>
+          <p:cNvPr id="16387" name="Содержимое 2"/>
+          <p:cNvSpPr>
+            <a:spLocks noGrp="1"/>
+          </p:cNvSpPr>
+          <p:nvPr>
+            <p:ph sz="quarter" idx="1"/>
+          </p:nvPr>
+        </p:nvSpPr>
+        <p:spPr>
+          <a:xfrm>
+            <a:off x="457200" y="1600200"/>
+            <a:ext cx="7467600" cy="4873625"/>
+          </a:xfrm>
+        </p:spPr>
+        <p:txBody>
+          <a:bodyPr/>
+          <a:lstStyle/>
+          <a:p>
+            <a:pPr eaLnBrk="1" hangingPunct="1"/>
+            <a:endParaRPr lang="ru-RU" smtClean="0"/>
+          </a:p>
+        </p:txBody>
+      </p:sp>
+      <p:sp>
+        <p:nvSpPr>
+          <p:cNvPr id="4" name="Прямоугольник 3"/>
+          <p:cNvSpPr/>
+          <p:nvPr/>
+        </p:nvSpPr>
+        <p:spPr>
+          <a:xfrm>
+            <a:off x="428596" y="3071810"/>
+            <a:ext cx="8384026" cy="923330"/>
+          </a:xfrm>
+          <a:prstGeom prst="rect">
+            <a:avLst/>
+          </a:prstGeom>
+          <a:noFill/>
+        </p:spPr>
+        <p:txBody>
+          <a:bodyPr wrap="none">
+            <a:spAutoFit/>
+          </a:bodyPr>
+          <a:lstStyle/>
+          <a:p>
+            <a:pPr fontAlgn="auto">
+              <a:spcBef>
+                <a:spcPts val="0"/>
+              </a:spcBef>
+              <a:spcAft>
+                <a:spcPts val="0"/>
+              </a:spcAft>
+              <a:defRPr/>
+            </a:pPr>
+            <a:r>
+              <a:rPr lang="ru-RU" sz="5400" b="1" dirty="0">
+                <a:ln w="17780" cmpd="sng">
+                  <a:solidFill>
+                    <a:srgbClr val="FFFFFF"/>
+                  </a:solidFill>
+                  <a:prstDash val="solid"/>
+                  <a:miter lim="800000"/>
+                </a:ln>
+                <a:gradFill rotWithShape="1">
+                  <a:gsLst>
+                    <a:gs pos="0">
+                      <a:srgbClr val="000000">
+                        <a:tint val="92000"/>
+                        <a:shade val="100000"/>
+                        <a:satMod val="150000"/>
+                      </a:srgbClr>
+                    </a:gs>
+                    <a:gs pos="49000">
+                      <a:srgbClr val="000000">
+                        <a:tint val="89000"/>
+                        <a:shade val="90000"/>
+                        <a:satMod val="150000"/>
+                      </a:srgbClr>
+                    </a:gs>
+                    <a:gs pos="50000">
+                      <a:srgbClr val="000000">
+                        <a:tint val="100000"/>
+                        <a:shade val="75000"/>
+                        <a:satMod val="150000"/>
+                      </a:srgbClr>
+                    </a:gs>
+                    <a:gs pos="95000">
+                      <a:srgbClr val="000000">
+                        <a:shade val="47000"/>
+                        <a:satMod val="150000"/>
+                      </a:srgbClr>
+                    </a:gs>
+                    <a:gs pos="100000">
+                      <a:srgbClr val="000000">
+                        <a:shade val="39000"/>
+                        <a:satMod val="150000"/>
+                      </a:srgbClr>
+                    </a:gs>
+                  </a:gsLst>
+                  <a:lin ang="5400000"/>
+                </a:gradFill>
+                <a:effectLst>
+                  <a:outerShdw blurRad="50800" algn="tl" rotWithShape="0">
+                    <a:srgbClr val="000000"/>
+                  </a:outerShdw>
+                </a:effectLst>
+                <a:latin typeface="+mn-lt"/>
+                <a:cs typeface="+mn-cs"/>
+              </a:rPr>
+              <a:t>Спасибо за внимание</a:t>
+            </a:r>
+            <a:r>
+              <a:rPr lang="ru-RU" sz="5400" dirty="0">
+                <a:latin typeface="+mn-lt"/>
+                <a:cs typeface="+mn-cs"/>
+              </a:rPr>
+              <a:t>.</a:t>
+            </a:r>
+          </a:p>
+        </p:txBody>
+      </p:sp>
+    </p:spTree>
+  </p:cSld>
+  <p:clrMapOvr>
+    <a:masterClrMapping/>
+  </p:clrMapOvr>
+  <p:timing>
+    <p:tnLst>
+      <p:par>
+        <p:cTn id="1" dur="indefinite" restart="never" nodeType="tmRoot"/>
+      </p:par>
+    </p:tnLst>
+  </p:timing>
+</p:sld>
+</file>
+
+<file path=ppt/slides/slide2.xml><?xml version="1.0" encoding="utf-8"?>
+<p:sld xmlns:a="http://schemas.openxmlformats.org/drawingml/2006/main" xmlns:r="http://schemas.openxmlformats.org/officeDocument/2006/relationships" xmlns:p="http://schemas.openxmlformats.org/presentationml/2006/main">
+  <p:cSld>
+    <p:spTree>
+      <p:nvGrpSpPr>
+        <p:cNvPr id="1" name=""/>
+        <p:cNvGrpSpPr/>
+        <p:nvPr/>
+      </p:nvGrpSpPr>
+      <p:grpSpPr>
+        <a:xfrm>
+          <a:off x="0" y="0"/>
+          <a:ext cx="0" cy="0"/>
+          <a:chOff x="0" y="0"/>
+          <a:chExt cx="0" cy="0"/>
+        </a:xfrm>
+      </p:grpSpPr>
+      <p:sp>
+        <p:nvSpPr>
+          <p:cNvPr id="2" name="Заголовок 1"/>
+          <p:cNvSpPr>
+            <a:spLocks noGrp="1"/>
+          </p:cNvSpPr>
+          <p:nvPr>
+            <p:ph type="title"/>
+          </p:nvPr>
+        </p:nvSpPr>
+        <p:spPr>
+          <a:xfrm>
+            <a:off x="457200" y="274638"/>
+            <a:ext cx="7467600" cy="511175"/>
+          </a:xfrm>
+        </p:spPr>
+        <p:txBody>
+          <a:bodyPr>
+            <a:normAutofit fontScale="90000"/>
+          </a:bodyPr>
+          <a:lstStyle/>
+          <a:p>
+            <a:pPr eaLnBrk="1" fontAlgn="auto" hangingPunct="1">
+              <a:spcAft>
+                <a:spcPts val="0"/>
+              </a:spcAft>
+              <a:defRPr/>
+            </a:pPr>
+            <a:r>
+              <a:rPr lang="ru-RU" dirty="0" smtClean="0"/>
+              <a:t>Математическая модель:</a:t>
+            </a:r>
+            <a:endParaRPr lang="ru-RU" dirty="0"/>
+          </a:p>
+        </p:txBody>
+      </p:sp>
+      <p:sp>
+        <p:nvSpPr>
+          <p:cNvPr id="9219" name="Содержимое 2"/>
+          <p:cNvSpPr>
+            <a:spLocks noGrp="1"/>
+          </p:cNvSpPr>
+          <p:nvPr>
+            <p:ph sz="quarter" idx="1"/>
+          </p:nvPr>
+        </p:nvSpPr>
+        <p:spPr>
+          <a:xfrm>
+            <a:off x="428625" y="857250"/>
+            <a:ext cx="7467600" cy="4873625"/>
+          </a:xfrm>
+        </p:spPr>
+        <p:txBody>
+          <a:bodyPr/>
+          <a:lstStyle/>
+          <a:p>
+            <a:pPr eaLnBrk="1" hangingPunct="1"/>
+            <a:r>
+              <a:rPr lang="ru-RU" sz="1800" dirty="0" smtClean="0"/>
+              <a:t>Дана последовательность случайных величин распределенных по нормальному закону  </a:t>
+            </a:r>
+          </a:p>
+          <a:p>
+            <a:pPr eaLnBrk="1" hangingPunct="1"/>
+            <a:endParaRPr lang="ru-RU" sz="1800" dirty="0" smtClean="0"/>
+          </a:p>
+          <a:p>
+            <a:pPr eaLnBrk="1" hangingPunct="1">
+              <a:buNone/>
+            </a:pPr>
+            <a:endParaRPr lang="ru-RU" sz="1800" dirty="0" smtClean="0"/>
+          </a:p>
+          <a:p>
+            <a:pPr eaLnBrk="1" hangingPunct="1"/>
+            <a:endParaRPr lang="ru-RU" sz="1800" dirty="0" smtClean="0"/>
+          </a:p>
+          <a:p>
+            <a:pPr eaLnBrk="1" hangingPunct="1"/>
+            <a:endParaRPr lang="ru-RU" sz="1800" dirty="0" smtClean="0"/>
+          </a:p>
+          <a:p>
+            <a:pPr eaLnBrk="1" hangingPunct="1"/>
+            <a:r>
+              <a:rPr lang="ru-RU" sz="1800" dirty="0" smtClean="0"/>
+              <a:t>Сообщение </a:t>
+            </a:r>
+          </a:p>
+          <a:p>
+            <a:pPr eaLnBrk="1" hangingPunct="1"/>
+            <a:endParaRPr lang="ru-RU" sz="1800" dirty="0" smtClean="0"/>
+          </a:p>
+          <a:p>
+            <a:pPr eaLnBrk="1" hangingPunct="1"/>
+            <a:endParaRPr lang="ru-RU" sz="1800" dirty="0" smtClean="0"/>
+          </a:p>
+          <a:p>
+            <a:pPr eaLnBrk="1" hangingPunct="1"/>
+            <a:r>
+              <a:rPr lang="ru-RU" sz="1800" dirty="0" smtClean="0"/>
+              <a:t>Ключ  </a:t>
+            </a:r>
+          </a:p>
+          <a:p>
+            <a:pPr eaLnBrk="1" hangingPunct="1"/>
+            <a:endParaRPr lang="ru-RU" sz="1800" dirty="0" smtClean="0"/>
+          </a:p>
+          <a:p>
+            <a:pPr eaLnBrk="1" hangingPunct="1"/>
+            <a:endParaRPr lang="ru-RU" sz="1800" dirty="0" smtClean="0"/>
+          </a:p>
+          <a:p>
+            <a:pPr eaLnBrk="1" hangingPunct="1"/>
+            <a:r>
+              <a:rPr lang="ru-RU" sz="1800" dirty="0" smtClean="0"/>
+              <a:t>Задано функциональное преобразование </a:t>
+            </a:r>
+          </a:p>
+          <a:p>
+            <a:pPr eaLnBrk="1" hangingPunct="1">
+              <a:buFont typeface="Wingdings" pitchFamily="2" charset="2"/>
+              <a:buNone/>
+            </a:pPr>
+            <a:endParaRPr lang="ru-RU" dirty="0" smtClean="0"/>
+          </a:p>
+        </p:txBody>
+      </p:sp>
+      <p:sp>
+        <p:nvSpPr>
+          <p:cNvPr id="9220" name="Rectangle 2"/>
+          <p:cNvSpPr>
+            <a:spLocks noChangeArrowheads="1"/>
+          </p:cNvSpPr>
+          <p:nvPr/>
+        </p:nvSpPr>
+        <p:spPr bwMode="auto">
+          <a:xfrm>
+            <a:off x="0" y="0"/>
+            <a:ext cx="9144000" cy="0"/>
+          </a:xfrm>
+          <a:prstGeom prst="rect">
+            <a:avLst/>
+          </a:prstGeom>
+          <a:noFill/>
+          <a:ln w="9525">
+            <a:noFill/>
+            <a:miter lim="800000"/>
+            <a:headEnd/>
+            <a:tailEnd/>
+          </a:ln>
+        </p:spPr>
+        <p:txBody>
+          <a:bodyPr wrap="none" anchor="ctr">
+            <a:spAutoFit/>
+          </a:bodyPr>
+          <a:lstStyle/>
+          <a:p>
+            <a:endParaRPr lang="ru-RU">
+              <a:latin typeface="Century Schoolbook" pitchFamily="18" charset="0"/>
+            </a:endParaRPr>
+          </a:p>
+        </p:txBody>
+      </p:sp>
+      <p:sp>
+        <p:nvSpPr>
+          <p:cNvPr id="9221" name="Rectangle 4"/>
+          <p:cNvSpPr>
+            <a:spLocks noChangeArrowheads="1"/>
+          </p:cNvSpPr>
+          <p:nvPr/>
+        </p:nvSpPr>
+        <p:spPr bwMode="auto">
+          <a:xfrm>
+            <a:off x="0" y="0"/>
+            <a:ext cx="9144000" cy="0"/>
+          </a:xfrm>
+          <a:prstGeom prst="rect">
+            <a:avLst/>
+          </a:prstGeom>
+          <a:noFill/>
+          <a:ln w="9525">
+            <a:noFill/>
+            <a:miter lim="800000"/>
+            <a:headEnd/>
+            <a:tailEnd/>
+          </a:ln>
+        </p:spPr>
+        <p:txBody>
+          <a:bodyPr wrap="none" anchor="ctr">
+            <a:spAutoFit/>
+          </a:bodyPr>
+          <a:lstStyle/>
+          <a:p>
+            <a:endParaRPr lang="ru-RU">
+              <a:latin typeface="Century Schoolbook" pitchFamily="18" charset="0"/>
+            </a:endParaRPr>
+          </a:p>
+        </p:txBody>
+      </p:sp>
+      <p:sp>
+        <p:nvSpPr>
+          <p:cNvPr id="9222" name="Rectangle 6"/>
+          <p:cNvSpPr>
+            <a:spLocks noChangeArrowheads="1"/>
+          </p:cNvSpPr>
+          <p:nvPr/>
+        </p:nvSpPr>
+        <p:spPr bwMode="auto">
+          <a:xfrm>
+            <a:off x="0" y="0"/>
+            <a:ext cx="9144000" cy="0"/>
+          </a:xfrm>
+          <a:prstGeom prst="rect">
+            <a:avLst/>
+          </a:prstGeom>
+          <a:noFill/>
+          <a:ln w="9525">
+            <a:noFill/>
+            <a:miter lim="800000"/>
+            <a:headEnd/>
+            <a:tailEnd/>
+          </a:ln>
+        </p:spPr>
+        <p:txBody>
+          <a:bodyPr wrap="none" anchor="ctr">
+            <a:spAutoFit/>
+          </a:bodyPr>
+          <a:lstStyle/>
+          <a:p>
+            <a:r>
+              <a:rPr lang="ru-RU" sz="1100">
+                <a:latin typeface="Calibri" pitchFamily="34" charset="0"/>
+                <a:ea typeface="Times New Roman" pitchFamily="18" charset="0"/>
+                <a:cs typeface="Calibri" pitchFamily="34" charset="0"/>
+              </a:rPr>
+              <a:t> </a:t>
+            </a:r>
+            <a:endParaRPr lang="ru-RU">
+              <a:ea typeface="Times New Roman" pitchFamily="18" charset="0"/>
+              <a:cs typeface="Calibri" pitchFamily="34" charset="0"/>
+            </a:endParaRPr>
+          </a:p>
+        </p:txBody>
+      </p:sp>
+      <p:sp>
+        <p:nvSpPr>
+          <p:cNvPr id="9223" name="Rectangle 7"/>
+          <p:cNvSpPr>
+            <a:spLocks noChangeArrowheads="1"/>
+          </p:cNvSpPr>
+          <p:nvPr/>
+        </p:nvSpPr>
+        <p:spPr bwMode="auto">
+          <a:xfrm>
+            <a:off x="0" y="190500"/>
+            <a:ext cx="9144000" cy="0"/>
+          </a:xfrm>
+          <a:prstGeom prst="rect">
+            <a:avLst/>
+          </a:prstGeom>
+          <a:noFill/>
+          <a:ln w="9525">
+            <a:noFill/>
+            <a:miter lim="800000"/>
+            <a:headEnd/>
+            <a:tailEnd/>
+          </a:ln>
+        </p:spPr>
+        <p:txBody>
+          <a:bodyPr wrap="none" anchor="ctr">
+            <a:spAutoFit/>
+          </a:bodyPr>
+          <a:lstStyle/>
+          <a:p>
+            <a:r>
+              <a:rPr lang="ru-RU" sz="800"/>
+              <a:t> </a:t>
+            </a:r>
+            <a:endParaRPr lang="ru-RU"/>
+          </a:p>
+        </p:txBody>
+      </p:sp>
+      <p:sp>
+        <p:nvSpPr>
+          <p:cNvPr id="9224" name="Rectangle 9"/>
+          <p:cNvSpPr>
+            <a:spLocks noChangeArrowheads="1"/>
+          </p:cNvSpPr>
+          <p:nvPr/>
+        </p:nvSpPr>
+        <p:spPr bwMode="auto">
+          <a:xfrm>
+            <a:off x="0" y="0"/>
+            <a:ext cx="9144000" cy="0"/>
+          </a:xfrm>
+          <a:prstGeom prst="rect">
+            <a:avLst/>
+          </a:prstGeom>
+          <a:noFill/>
+          <a:ln w="9525">
+            <a:noFill/>
+            <a:miter lim="800000"/>
+            <a:headEnd/>
+            <a:tailEnd/>
+          </a:ln>
+        </p:spPr>
+        <p:txBody>
+          <a:bodyPr wrap="none" anchor="ctr">
+            <a:spAutoFit/>
+          </a:bodyPr>
+          <a:lstStyle/>
+          <a:p>
+            <a:endParaRPr lang="ru-RU">
+              <a:latin typeface="Century Schoolbook" pitchFamily="18" charset="0"/>
+            </a:endParaRPr>
+          </a:p>
+        </p:txBody>
+      </p:sp>
+      <p:sp>
+        <p:nvSpPr>
+          <p:cNvPr id="9225" name="Rectangle 11"/>
+          <p:cNvSpPr>
+            <a:spLocks noChangeArrowheads="1"/>
+          </p:cNvSpPr>
+          <p:nvPr/>
+        </p:nvSpPr>
+        <p:spPr bwMode="auto">
+          <a:xfrm>
+            <a:off x="0" y="0"/>
+            <a:ext cx="9144000" cy="0"/>
+          </a:xfrm>
+          <a:prstGeom prst="rect">
+            <a:avLst/>
+          </a:prstGeom>
+          <a:noFill/>
+          <a:ln w="9525">
+            <a:noFill/>
+            <a:miter lim="800000"/>
+            <a:headEnd/>
+            <a:tailEnd/>
+          </a:ln>
+        </p:spPr>
+        <p:txBody>
+          <a:bodyPr wrap="none" anchor="ctr">
+            <a:spAutoFit/>
+          </a:bodyPr>
+          <a:lstStyle/>
+          <a:p>
+            <a:endParaRPr lang="ru-RU">
+              <a:latin typeface="Century Schoolbook" pitchFamily="18" charset="0"/>
+            </a:endParaRPr>
+          </a:p>
+        </p:txBody>
+      </p:sp>
+      <p:sp>
+        <p:nvSpPr>
+          <p:cNvPr id="9226" name="Rectangle 13"/>
+          <p:cNvSpPr>
+            <a:spLocks noChangeArrowheads="1"/>
+          </p:cNvSpPr>
+          <p:nvPr/>
+        </p:nvSpPr>
+        <p:spPr bwMode="auto">
+          <a:xfrm>
+            <a:off x="0" y="0"/>
+            <a:ext cx="9144000" cy="0"/>
+          </a:xfrm>
+          <a:prstGeom prst="rect">
+            <a:avLst/>
+          </a:prstGeom>
+          <a:noFill/>
+          <a:ln w="9525">
+            <a:noFill/>
+            <a:miter lim="800000"/>
+            <a:headEnd/>
+            <a:tailEnd/>
+          </a:ln>
+        </p:spPr>
+        <p:txBody>
+          <a:bodyPr wrap="none" anchor="ctr">
+            <a:spAutoFit/>
+          </a:bodyPr>
+          <a:lstStyle/>
+          <a:p>
+            <a:endParaRPr lang="ru-RU">
+              <a:latin typeface="Century Schoolbook" pitchFamily="18" charset="0"/>
+            </a:endParaRPr>
+          </a:p>
+        </p:txBody>
+      </p:sp>
+      <p:sp>
+        <p:nvSpPr>
+          <p:cNvPr id="9227" name="Rectangle 15"/>
+          <p:cNvSpPr>
+            <a:spLocks noChangeArrowheads="1"/>
+          </p:cNvSpPr>
+          <p:nvPr/>
+        </p:nvSpPr>
+        <p:spPr bwMode="auto">
+          <a:xfrm>
+            <a:off x="0" y="0"/>
+            <a:ext cx="9144000" cy="0"/>
+          </a:xfrm>
+          <a:prstGeom prst="rect">
+            <a:avLst/>
+          </a:prstGeom>
+          <a:noFill/>
+          <a:ln w="9525">
+            <a:noFill/>
+            <a:miter lim="800000"/>
+            <a:headEnd/>
+            <a:tailEnd/>
+          </a:ln>
+        </p:spPr>
+        <p:txBody>
+          <a:bodyPr wrap="none" anchor="ctr">
+            <a:spAutoFit/>
+          </a:bodyPr>
+          <a:lstStyle/>
+          <a:p>
+            <a:endParaRPr lang="ru-RU">
+              <a:latin typeface="Century Schoolbook" pitchFamily="18" charset="0"/>
+            </a:endParaRPr>
+          </a:p>
+        </p:txBody>
+      </p:sp>
+      <p:sp>
+        <p:nvSpPr>
+          <p:cNvPr id="9228" name="Rectangle 2"/>
+          <p:cNvSpPr>
+            <a:spLocks noChangeArrowheads="1"/>
+          </p:cNvSpPr>
+          <p:nvPr/>
+        </p:nvSpPr>
+        <p:spPr bwMode="auto">
+          <a:xfrm>
+            <a:off x="0" y="0"/>
+            <a:ext cx="9144000" cy="457200"/>
+          </a:xfrm>
+          <a:prstGeom prst="rect">
+            <a:avLst/>
+          </a:prstGeom>
+          <a:noFill/>
+          <a:ln w="9525">
+            <a:noFill/>
+            <a:miter lim="800000"/>
+            <a:headEnd/>
+            <a:tailEnd/>
+          </a:ln>
+        </p:spPr>
+        <p:txBody>
+          <a:bodyPr wrap="none" anchor="ctr">
+            <a:spAutoFit/>
+          </a:bodyPr>
+          <a:lstStyle/>
+          <a:p>
+            <a:endParaRPr lang="ru-RU">
+              <a:latin typeface="Century Schoolbook" pitchFamily="18" charset="0"/>
+            </a:endParaRPr>
+          </a:p>
+        </p:txBody>
+      </p:sp>
+      <p:sp>
+        <p:nvSpPr>
+          <p:cNvPr id="9229" name="Rectangle 3"/>
+          <p:cNvSpPr>
+            <a:spLocks noChangeArrowheads="1"/>
+          </p:cNvSpPr>
+          <p:nvPr/>
+        </p:nvSpPr>
+        <p:spPr bwMode="auto">
+          <a:xfrm>
+            <a:off x="0" y="800100"/>
+            <a:ext cx="9144000" cy="0"/>
+          </a:xfrm>
+          <a:prstGeom prst="rect">
+            <a:avLst/>
+          </a:prstGeom>
+          <a:noFill/>
+          <a:ln w="9525">
+            <a:noFill/>
+            <a:miter lim="800000"/>
+            <a:headEnd/>
+            <a:tailEnd/>
+          </a:ln>
+        </p:spPr>
+        <p:txBody>
+          <a:bodyPr wrap="none" anchor="ctr">
+            <a:spAutoFit/>
+          </a:bodyPr>
+          <a:lstStyle/>
+          <a:p>
+            <a:endParaRPr lang="ru-RU"/>
+          </a:p>
+        </p:txBody>
+      </p:sp>
+      <p:sp>
+        <p:nvSpPr>
+          <p:cNvPr id="9230" name="Rectangle 5"/>
+          <p:cNvSpPr>
+            <a:spLocks noChangeArrowheads="1"/>
+          </p:cNvSpPr>
+          <p:nvPr/>
+        </p:nvSpPr>
+        <p:spPr bwMode="auto">
+          <a:xfrm>
+            <a:off x="0" y="0"/>
+            <a:ext cx="9144000" cy="457200"/>
+          </a:xfrm>
+          <a:prstGeom prst="rect">
+            <a:avLst/>
+          </a:prstGeom>
+          <a:noFill/>
+          <a:ln w="9525">
+            <a:noFill/>
+            <a:miter lim="800000"/>
+            <a:headEnd/>
+            <a:tailEnd/>
+          </a:ln>
+        </p:spPr>
+        <p:txBody>
+          <a:bodyPr wrap="none" anchor="ctr">
+            <a:spAutoFit/>
+          </a:bodyPr>
+          <a:lstStyle/>
+          <a:p>
+            <a:endParaRPr lang="ru-RU">
+              <a:latin typeface="Century Schoolbook" pitchFamily="18" charset="0"/>
+            </a:endParaRPr>
+          </a:p>
+        </p:txBody>
+      </p:sp>
+      <p:grpSp>
+        <p:nvGrpSpPr>
+          <p:cNvPr id="9231" name="Группа 22"/>
+          <p:cNvGrpSpPr>
+            <a:grpSpLocks/>
+          </p:cNvGrpSpPr>
+          <p:nvPr/>
+        </p:nvGrpSpPr>
+        <p:grpSpPr bwMode="auto">
+          <a:xfrm>
+            <a:off x="500034" y="1714488"/>
+            <a:ext cx="7302500" cy="4786313"/>
+            <a:chOff x="500034" y="1857364"/>
+            <a:chExt cx="7302398" cy="4500570"/>
+          </a:xfrm>
+        </p:grpSpPr>
+        <p:pic>
+          <p:nvPicPr>
+            <p:cNvPr id="9233" name="Picture 8"/>
+            <p:cNvPicPr>
+              <a:picLocks noChangeAspect="1" noChangeArrowheads="1"/>
+            </p:cNvPicPr>
+            <p:nvPr/>
+          </p:nvPicPr>
+          <p:blipFill>
+            <a:blip r:embed="rId2">
+              <a:clrChange>
+                <a:clrFrom>
+                  <a:srgbClr val="FFFFFF"/>
+                </a:clrFrom>
+                <a:clrTo>
+                  <a:srgbClr val="FFFFFF">
+                    <a:alpha val="0"/>
+                  </a:srgbClr>
+                </a:clrTo>
+              </a:clrChange>
+            </a:blip>
+            <a:srcRect/>
+            <a:stretch>
+              <a:fillRect/>
+            </a:stretch>
+          </p:blipFill>
+          <p:spPr bwMode="auto">
+            <a:xfrm>
+              <a:off x="500034" y="5214950"/>
+              <a:ext cx="7302398" cy="1142984"/>
+            </a:xfrm>
+            <a:prstGeom prst="rect">
+              <a:avLst/>
+            </a:prstGeom>
+            <a:noFill/>
+            <a:ln w="9525">
+              <a:noFill/>
+              <a:miter lim="800000"/>
+              <a:headEnd/>
+              <a:tailEnd/>
+            </a:ln>
+          </p:spPr>
+        </p:pic>
+        <p:pic>
+          <p:nvPicPr>
+            <p:cNvPr id="9234" name="Picture 10"/>
+            <p:cNvPicPr>
+              <a:picLocks noChangeAspect="1" noChangeArrowheads="1"/>
+            </p:cNvPicPr>
+            <p:nvPr/>
+          </p:nvPicPr>
+          <p:blipFill>
+            <a:blip r:embed="rId3">
+              <a:clrChange>
+                <a:clrFrom>
+                  <a:srgbClr val="FFFFFF"/>
+                </a:clrFrom>
+                <a:clrTo>
+                  <a:srgbClr val="FFFFFF">
+                    <a:alpha val="0"/>
+                  </a:srgbClr>
+                </a:clrTo>
+              </a:clrChange>
+            </a:blip>
+            <a:srcRect/>
+            <a:stretch>
+              <a:fillRect/>
+            </a:stretch>
+          </p:blipFill>
+          <p:spPr bwMode="auto">
+            <a:xfrm>
+              <a:off x="1571589" y="1857364"/>
+              <a:ext cx="4357718" cy="383940"/>
+            </a:xfrm>
+            <a:prstGeom prst="rect">
+              <a:avLst/>
+            </a:prstGeom>
+            <a:noFill/>
+            <a:ln w="9525">
+              <a:noFill/>
+              <a:miter lim="800000"/>
+              <a:headEnd/>
+              <a:tailEnd/>
+            </a:ln>
+          </p:spPr>
+        </p:pic>
+        <p:pic>
+          <p:nvPicPr>
+            <p:cNvPr id="9235" name="Picture 12"/>
+            <p:cNvPicPr>
+              <a:picLocks noChangeAspect="1" noChangeArrowheads="1"/>
+            </p:cNvPicPr>
+            <p:nvPr/>
+          </p:nvPicPr>
+          <p:blipFill>
+            <a:blip r:embed="rId4">
+              <a:clrChange>
+                <a:clrFrom>
+                  <a:srgbClr val="FFFFFF"/>
+                </a:clrFrom>
+                <a:clrTo>
+                  <a:srgbClr val="FFFFFF">
+                    <a:alpha val="0"/>
+                  </a:srgbClr>
+                </a:clrTo>
+              </a:clrChange>
+            </a:blip>
+            <a:srcRect/>
+            <a:stretch>
+              <a:fillRect/>
+            </a:stretch>
+          </p:blipFill>
+          <p:spPr bwMode="auto">
+            <a:xfrm>
+              <a:off x="1785918" y="3286124"/>
+              <a:ext cx="5164967" cy="428628"/>
+            </a:xfrm>
+            <a:prstGeom prst="rect">
+              <a:avLst/>
+            </a:prstGeom>
+            <a:noFill/>
+            <a:ln w="9525">
+              <a:noFill/>
+              <a:miter lim="800000"/>
+              <a:headEnd/>
+              <a:tailEnd/>
+            </a:ln>
+          </p:spPr>
+        </p:pic>
+        <p:pic>
+          <p:nvPicPr>
+            <p:cNvPr id="9236" name="Picture 14"/>
+            <p:cNvPicPr>
+              <a:picLocks noChangeAspect="1" noChangeArrowheads="1"/>
+            </p:cNvPicPr>
+            <p:nvPr/>
+          </p:nvPicPr>
+          <p:blipFill>
+            <a:blip r:embed="rId5">
+              <a:clrChange>
+                <a:clrFrom>
+                  <a:srgbClr val="FFFFFF"/>
+                </a:clrFrom>
+                <a:clrTo>
+                  <a:srgbClr val="FFFFFF">
+                    <a:alpha val="0"/>
+                  </a:srgbClr>
+                </a:clrTo>
+              </a:clrChange>
+            </a:blip>
+            <a:srcRect/>
+            <a:stretch>
+              <a:fillRect/>
+            </a:stretch>
+          </p:blipFill>
+          <p:spPr bwMode="auto">
+            <a:xfrm>
+              <a:off x="1785918" y="4214818"/>
+              <a:ext cx="4993237" cy="428604"/>
+            </a:xfrm>
+            <a:prstGeom prst="rect">
+              <a:avLst/>
+            </a:prstGeom>
+            <a:noFill/>
+            <a:ln w="9525">
+              <a:noFill/>
+              <a:miter lim="800000"/>
+              <a:headEnd/>
+              <a:tailEnd/>
+            </a:ln>
+          </p:spPr>
+        </p:pic>
+        <p:pic>
+          <p:nvPicPr>
+            <p:cNvPr id="9237" name="Picture 1"/>
+            <p:cNvPicPr>
+              <a:picLocks noChangeAspect="1" noChangeArrowheads="1"/>
+            </p:cNvPicPr>
+            <p:nvPr/>
+          </p:nvPicPr>
+          <p:blipFill>
+            <a:blip r:embed="rId6">
+              <a:clrChange>
+                <a:clrFrom>
+                  <a:srgbClr val="FFFFFF"/>
+                </a:clrFrom>
+                <a:clrTo>
+                  <a:srgbClr val="FFFFFF">
+                    <a:alpha val="0"/>
+                  </a:srgbClr>
+                </a:clrTo>
+              </a:clrChange>
+            </a:blip>
+            <a:srcRect/>
+            <a:stretch>
+              <a:fillRect/>
+            </a:stretch>
+          </p:blipFill>
+          <p:spPr bwMode="auto">
+            <a:xfrm>
+              <a:off x="1785917" y="2357430"/>
+              <a:ext cx="972351" cy="500066"/>
+            </a:xfrm>
+            <a:prstGeom prst="rect">
+              <a:avLst/>
+            </a:prstGeom>
+            <a:noFill/>
+            <a:ln w="9525">
+              <a:noFill/>
+              <a:miter lim="800000"/>
+              <a:headEnd/>
+              <a:tailEnd/>
+            </a:ln>
+          </p:spPr>
+        </p:pic>
+        <p:pic>
+          <p:nvPicPr>
+            <p:cNvPr id="9238" name="Picture 4"/>
+            <p:cNvPicPr>
+              <a:picLocks noChangeAspect="1" noChangeArrowheads="1"/>
+            </p:cNvPicPr>
+            <p:nvPr/>
+          </p:nvPicPr>
+          <p:blipFill>
+            <a:blip r:embed="rId7">
+              <a:clrChange>
+                <a:clrFrom>
+                  <a:srgbClr val="FFFFFF"/>
+                </a:clrFrom>
+                <a:clrTo>
+                  <a:srgbClr val="FFFFFF">
+                    <a:alpha val="0"/>
+                  </a:srgbClr>
+                </a:clrTo>
+              </a:clrChange>
+            </a:blip>
+            <a:srcRect/>
+            <a:stretch>
+              <a:fillRect/>
+            </a:stretch>
+          </p:blipFill>
+          <p:spPr bwMode="auto">
+            <a:xfrm>
+              <a:off x="3000363" y="2214554"/>
+              <a:ext cx="2732504" cy="642942"/>
+            </a:xfrm>
+            <a:prstGeom prst="rect">
+              <a:avLst/>
+            </a:prstGeom>
+            <a:noFill/>
+            <a:ln w="9525">
+              <a:noFill/>
+              <a:miter lim="800000"/>
+              <a:headEnd/>
+              <a:tailEnd/>
+            </a:ln>
+          </p:spPr>
+        </p:pic>
+      </p:grpSp>
+      <p:sp>
+        <p:nvSpPr>
+          <p:cNvPr id="9232" name="Rectangle 6"/>
+          <p:cNvSpPr>
+            <a:spLocks noChangeArrowheads="1"/>
+          </p:cNvSpPr>
+          <p:nvPr/>
+        </p:nvSpPr>
+        <p:spPr bwMode="auto">
+          <a:xfrm>
+            <a:off x="0" y="800100"/>
+            <a:ext cx="9144000" cy="457200"/>
+          </a:xfrm>
+          <a:prstGeom prst="rect">
+            <a:avLst/>
+          </a:prstGeom>
+          <a:noFill/>
+          <a:ln w="9525">
+            <a:noFill/>
+            <a:miter lim="800000"/>
+            <a:headEnd/>
+            <a:tailEnd/>
+          </a:ln>
+        </p:spPr>
+        <p:txBody>
+          <a:bodyPr wrap="none" anchor="ctr">
+            <a:spAutoFit/>
+          </a:bodyPr>
+          <a:lstStyle/>
+          <a:p>
+            <a:endParaRPr lang="ru-RU"/>
+          </a:p>
+        </p:txBody>
+      </p:sp>
+      <p:graphicFrame>
+        <p:nvGraphicFramePr>
+          <p:cNvPr id="23" name="Таблица 22"/>
+          <p:cNvGraphicFramePr>
+            <a:graphicFrameLocks noGrp="1"/>
+          </p:cNvGraphicFramePr>
+          <p:nvPr/>
+        </p:nvGraphicFramePr>
+        <p:xfrm>
+          <a:off x="7500958" y="1428736"/>
+          <a:ext cx="1643042" cy="4889520"/>
+        </p:xfrm>
+        <a:graphic>
+          <a:graphicData uri="http://schemas.openxmlformats.org/drawingml/2006/table">
+            <a:tbl>
+              <a:tblPr firstRow="1" bandRow="1">
+                <a:tableStyleId>{2D5ABB26-0587-4C30-8999-92F81FD0307C}</a:tableStyleId>
+              </a:tblPr>
+              <a:tblGrid>
+                <a:gridCol w="821521"/>
+                <a:gridCol w="821521"/>
+              </a:tblGrid>
+              <a:tr h="1222380">
+                <a:tc>
+                  <a:txBody>
+                    <a:bodyPr/>
+                    <a:lstStyle/>
+                    <a:p>
+                      <a:endParaRPr lang="ru-RU" dirty="0" smtClean="0"/>
+                    </a:p>
+                    <a:p>
+                      <a:endParaRPr lang="ru-RU" dirty="0" smtClean="0"/>
+                    </a:p>
+                    <a:p>
+                      <a:r>
+                        <a:rPr lang="ru-RU" dirty="0" smtClean="0"/>
+                        <a:t>(1)</a:t>
+                      </a:r>
+                      <a:endParaRPr lang="ru-RU" dirty="0"/>
+                    </a:p>
+                  </a:txBody>
+                  <a:tcPr>
+                    <a:lnL w="12700" cap="flat" cmpd="sng" algn="ctr">
+                      <a:noFill/>
+                      <a:prstDash val="solid"/>
+                      <a:round/>
+                      <a:headEnd type="none" w="med" len="med"/>
+                      <a:tailEnd type="none" w="med" len="med"/>
+                    </a:lnL>
+                    <a:lnR w="12700" cap="flat" cmpd="sng" algn="ctr">
+                      <a:noFill/>
+                      <a:prstDash val="solid"/>
+                      <a:round/>
+                      <a:headEnd type="none" w="med" len="med"/>
+                      <a:tailEnd type="none" w="med" len="med"/>
+                    </a:lnR>
+                    <a:lnT w="12700" cap="flat" cmpd="sng" algn="ctr">
+                      <a:noFill/>
+                      <a:prstDash val="solid"/>
+                      <a:round/>
+                      <a:headEnd type="none" w="med" len="med"/>
+                      <a:tailEnd type="none" w="med" len="med"/>
+                    </a:lnT>
+                    <a:lnB w="12700" cap="flat" cmpd="sng" algn="ctr">
+                      <a:noFill/>
+                      <a:prstDash val="solid"/>
+                      <a:round/>
+                      <a:headEnd type="none" w="med" len="med"/>
+                      <a:tailEnd type="none" w="med" len="med"/>
+                    </a:lnB>
+                    <a:lnTlToBr w="12700" cmpd="sng">
+                      <a:noFill/>
+                      <a:prstDash val="solid"/>
+                    </a:lnTlToBr>
+                    <a:lnBlToTr w="12700" cmpd="sng">
+                      <a:noFill/>
+                      <a:prstDash val="solid"/>
+                    </a:lnBlToTr>
+                  </a:tcPr>
+                </a:tc>
+                <a:tc>
+                  <a:txBody>
+                    <a:bodyPr/>
+                    <a:lstStyle/>
+                    <a:p>
+                      <a:endParaRPr lang="ru-RU" dirty="0"/>
+                    </a:p>
+                  </a:txBody>
+                  <a:tcPr>
+                    <a:lnL w="12700" cap="flat" cmpd="sng" algn="ctr">
+                      <a:noFill/>
+                      <a:prstDash val="solid"/>
+                      <a:round/>
+                      <a:headEnd type="none" w="med" len="med"/>
+                      <a:tailEnd type="none" w="med" len="med"/>
+                    </a:lnL>
+                    <a:lnR w="12700" cap="flat" cmpd="sng" algn="ctr">
+                      <a:noFill/>
+                      <a:prstDash val="solid"/>
+                      <a:round/>
+                      <a:headEnd type="none" w="med" len="med"/>
+                      <a:tailEnd type="none" w="med" len="med"/>
+                    </a:lnR>
+                    <a:lnT w="12700" cap="flat" cmpd="sng" algn="ctr">
+                      <a:noFill/>
+                      <a:prstDash val="solid"/>
+                      <a:round/>
+                      <a:headEnd type="none" w="med" len="med"/>
+                      <a:tailEnd type="none" w="med" len="med"/>
+                    </a:lnT>
+                    <a:lnB w="12700" cap="flat" cmpd="sng" algn="ctr">
+                      <a:noFill/>
+                      <a:prstDash val="solid"/>
+                      <a:round/>
+                      <a:headEnd type="none" w="med" len="med"/>
+                      <a:tailEnd type="none" w="med" len="med"/>
+                    </a:lnB>
+                    <a:lnTlToBr w="12700" cmpd="sng">
+                      <a:noFill/>
+                      <a:prstDash val="solid"/>
+                    </a:lnTlToBr>
+                    <a:lnBlToTr w="12700" cmpd="sng">
+                      <a:noFill/>
+                      <a:prstDash val="solid"/>
+                    </a:lnBlToTr>
+                  </a:tcPr>
+                </a:tc>
+              </a:tr>
+              <a:tr h="1222380">
+                <a:tc>
+                  <a:txBody>
+                    <a:bodyPr/>
+                    <a:lstStyle/>
+                    <a:p>
+                      <a:endParaRPr lang="ru-RU" dirty="0" smtClean="0"/>
+                    </a:p>
+                    <a:p>
+                      <a:r>
+                        <a:rPr lang="ru-RU" dirty="0" smtClean="0"/>
+                        <a:t>(2)</a:t>
+                      </a:r>
+                      <a:endParaRPr lang="ru-RU" dirty="0"/>
+                    </a:p>
+                  </a:txBody>
+                  <a:tcPr>
+                    <a:lnL w="12700" cap="flat" cmpd="sng" algn="ctr">
+                      <a:noFill/>
+                      <a:prstDash val="solid"/>
+                      <a:round/>
+                      <a:headEnd type="none" w="med" len="med"/>
+                      <a:tailEnd type="none" w="med" len="med"/>
+                    </a:lnL>
+                    <a:lnR w="12700" cap="flat" cmpd="sng" algn="ctr">
+                      <a:noFill/>
+                      <a:prstDash val="solid"/>
+                      <a:round/>
+                      <a:headEnd type="none" w="med" len="med"/>
+                      <a:tailEnd type="none" w="med" len="med"/>
+                    </a:lnR>
+                    <a:lnT w="12700" cap="flat" cmpd="sng" algn="ctr">
+                      <a:noFill/>
+                      <a:prstDash val="solid"/>
+                      <a:round/>
+                      <a:headEnd type="none" w="med" len="med"/>
+                      <a:tailEnd type="none" w="med" len="med"/>
+                    </a:lnT>
+                    <a:lnB w="12700" cap="flat" cmpd="sng" algn="ctr">
+                      <a:noFill/>
+                      <a:prstDash val="solid"/>
+                      <a:round/>
+                      <a:headEnd type="none" w="med" len="med"/>
+                      <a:tailEnd type="none" w="med" len="med"/>
+                    </a:lnB>
+                    <a:lnTlToBr w="12700" cmpd="sng">
+                      <a:noFill/>
+                      <a:prstDash val="solid"/>
+                    </a:lnTlToBr>
+                    <a:lnBlToTr w="12700" cmpd="sng">
+                      <a:noFill/>
+                      <a:prstDash val="solid"/>
+                    </a:lnBlToTr>
+                  </a:tcPr>
+                </a:tc>
+                <a:tc>
+                  <a:txBody>
+                    <a:bodyPr/>
+                    <a:lstStyle/>
+                    <a:p>
+                      <a:endParaRPr lang="ru-RU" dirty="0"/>
+                    </a:p>
+                  </a:txBody>
+                  <a:tcPr>
+                    <a:lnL w="12700" cap="flat" cmpd="sng" algn="ctr">
+                      <a:noFill/>
+                      <a:prstDash val="solid"/>
+                      <a:round/>
+                      <a:headEnd type="none" w="med" len="med"/>
+                      <a:tailEnd type="none" w="med" len="med"/>
+                    </a:lnL>
+                    <a:lnR w="12700" cap="flat" cmpd="sng" algn="ctr">
+                      <a:noFill/>
+                      <a:prstDash val="solid"/>
+                      <a:round/>
+                      <a:headEnd type="none" w="med" len="med"/>
+                      <a:tailEnd type="none" w="med" len="med"/>
+                    </a:lnR>
+                    <a:lnT w="12700" cap="flat" cmpd="sng" algn="ctr">
+                      <a:noFill/>
+                      <a:prstDash val="solid"/>
+                      <a:round/>
+                      <a:headEnd type="none" w="med" len="med"/>
+                      <a:tailEnd type="none" w="med" len="med"/>
+                    </a:lnT>
+                    <a:lnB w="12700" cap="flat" cmpd="sng" algn="ctr">
+                      <a:noFill/>
+                      <a:prstDash val="solid"/>
+                      <a:round/>
+                      <a:headEnd type="none" w="med" len="med"/>
+                      <a:tailEnd type="none" w="med" len="med"/>
+                    </a:lnB>
+                    <a:lnTlToBr w="12700" cmpd="sng">
+                      <a:noFill/>
+                      <a:prstDash val="solid"/>
+                    </a:lnTlToBr>
+                    <a:lnBlToTr w="12700" cmpd="sng">
+                      <a:noFill/>
+                      <a:prstDash val="solid"/>
+                    </a:lnBlToTr>
+                  </a:tcPr>
+                </a:tc>
+              </a:tr>
+              <a:tr h="1222380">
+                <a:tc>
+                  <a:txBody>
+                    <a:bodyPr/>
+                    <a:lstStyle/>
+                    <a:p>
+                      <a:endParaRPr lang="ru-RU" b="1" dirty="0" smtClean="0"/>
+                    </a:p>
+                    <a:p>
+                      <a:r>
+                        <a:rPr lang="ru-RU" b="0" dirty="0" smtClean="0"/>
+                        <a:t>(3)</a:t>
+                      </a:r>
+                      <a:endParaRPr lang="ru-RU" b="0" dirty="0"/>
+                    </a:p>
+                  </a:txBody>
+                  <a:tcPr>
+                    <a:lnL w="12700" cap="flat" cmpd="sng" algn="ctr">
+                      <a:noFill/>
+                      <a:prstDash val="solid"/>
+                      <a:round/>
+                      <a:headEnd type="none" w="med" len="med"/>
+                      <a:tailEnd type="none" w="med" len="med"/>
+                    </a:lnL>
+                    <a:lnR w="12700" cap="flat" cmpd="sng" algn="ctr">
+                      <a:noFill/>
+                      <a:prstDash val="solid"/>
+                      <a:round/>
+                      <a:headEnd type="none" w="med" len="med"/>
+                      <a:tailEnd type="none" w="med" len="med"/>
+                    </a:lnR>
+                    <a:lnT w="12700" cap="flat" cmpd="sng" algn="ctr">
+                      <a:noFill/>
+                      <a:prstDash val="solid"/>
+                      <a:round/>
+                      <a:headEnd type="none" w="med" len="med"/>
+                      <a:tailEnd type="none" w="med" len="med"/>
+                    </a:lnT>
+                    <a:lnB w="12700" cap="flat" cmpd="sng" algn="ctr">
+                      <a:noFill/>
+                      <a:prstDash val="solid"/>
+                      <a:round/>
+                      <a:headEnd type="none" w="med" len="med"/>
+                      <a:tailEnd type="none" w="med" len="med"/>
+                    </a:lnB>
+                    <a:lnTlToBr w="12700" cmpd="sng">
+                      <a:noFill/>
+                      <a:prstDash val="solid"/>
+                    </a:lnTlToBr>
+                    <a:lnBlToTr w="12700" cmpd="sng">
+                      <a:noFill/>
+                      <a:prstDash val="solid"/>
+                    </a:lnBlToTr>
+                  </a:tcPr>
+                </a:tc>
+                <a:tc>
+                  <a:txBody>
+                    <a:bodyPr/>
+                    <a:lstStyle/>
+                    <a:p>
+                      <a:endParaRPr lang="ru-RU" dirty="0"/>
+                    </a:p>
+                  </a:txBody>
+                  <a:tcPr>
+                    <a:lnL w="12700" cap="flat" cmpd="sng" algn="ctr">
+                      <a:noFill/>
+                      <a:prstDash val="solid"/>
+                      <a:round/>
+                      <a:headEnd type="none" w="med" len="med"/>
+                      <a:tailEnd type="none" w="med" len="med"/>
+                    </a:lnL>
+                    <a:lnR w="12700" cap="flat" cmpd="sng" algn="ctr">
+                      <a:noFill/>
+                      <a:prstDash val="solid"/>
+                      <a:round/>
+                      <a:headEnd type="none" w="med" len="med"/>
+                      <a:tailEnd type="none" w="med" len="med"/>
+                    </a:lnR>
+                    <a:lnT w="12700" cap="flat" cmpd="sng" algn="ctr">
+                      <a:noFill/>
+                      <a:prstDash val="solid"/>
+                      <a:round/>
+                      <a:headEnd type="none" w="med" len="med"/>
+                      <a:tailEnd type="none" w="med" len="med"/>
+                    </a:lnT>
+                    <a:lnB w="12700" cap="flat" cmpd="sng" algn="ctr">
+                      <a:noFill/>
+                      <a:prstDash val="solid"/>
+                      <a:round/>
+                      <a:headEnd type="none" w="med" len="med"/>
+                      <a:tailEnd type="none" w="med" len="med"/>
+                    </a:lnB>
+                    <a:lnTlToBr w="12700" cmpd="sng">
+                      <a:noFill/>
+                      <a:prstDash val="solid"/>
+                    </a:lnTlToBr>
+                    <a:lnBlToTr w="12700" cmpd="sng">
+                      <a:noFill/>
+                      <a:prstDash val="solid"/>
+                    </a:lnBlToTr>
+                  </a:tcPr>
+                </a:tc>
+              </a:tr>
+              <a:tr h="1222380">
+                <a:tc>
+                  <a:txBody>
+                    <a:bodyPr/>
+                    <a:lstStyle/>
+                    <a:p>
+                      <a:endParaRPr lang="ru-RU" dirty="0" smtClean="0"/>
+                    </a:p>
+                    <a:p>
+                      <a:endParaRPr lang="ru-RU" dirty="0" smtClean="0"/>
+                    </a:p>
+                    <a:p>
+                      <a:r>
+                        <a:rPr lang="ru-RU" dirty="0" smtClean="0"/>
+                        <a:t>     (4)   </a:t>
+                      </a:r>
+                    </a:p>
+                    <a:p>
+                      <a:endParaRPr lang="ru-RU" dirty="0"/>
+                    </a:p>
+                  </a:txBody>
+                  <a:tcPr>
+                    <a:lnL w="12700" cap="flat" cmpd="sng" algn="ctr">
+                      <a:noFill/>
+                      <a:prstDash val="solid"/>
+                      <a:round/>
+                      <a:headEnd type="none" w="med" len="med"/>
+                      <a:tailEnd type="none" w="med" len="med"/>
+                    </a:lnL>
+                    <a:lnR w="12700" cap="flat" cmpd="sng" algn="ctr">
+                      <a:noFill/>
+                      <a:prstDash val="solid"/>
+                      <a:round/>
+                      <a:headEnd type="none" w="med" len="med"/>
+                      <a:tailEnd type="none" w="med" len="med"/>
+                    </a:lnR>
+                    <a:lnT w="12700" cap="flat" cmpd="sng" algn="ctr">
+                      <a:noFill/>
+                      <a:prstDash val="solid"/>
+                      <a:round/>
+                      <a:headEnd type="none" w="med" len="med"/>
+                      <a:tailEnd type="none" w="med" len="med"/>
+                    </a:lnT>
+                    <a:lnB w="12700" cap="flat" cmpd="sng" algn="ctr">
+                      <a:noFill/>
+                      <a:prstDash val="solid"/>
+                      <a:round/>
+                      <a:headEnd type="none" w="med" len="med"/>
+                      <a:tailEnd type="none" w="med" len="med"/>
+                    </a:lnB>
+                    <a:lnTlToBr w="12700" cmpd="sng">
+                      <a:noFill/>
+                      <a:prstDash val="solid"/>
+                    </a:lnTlToBr>
+                    <a:lnBlToTr w="12700" cmpd="sng">
+                      <a:noFill/>
+                      <a:prstDash val="solid"/>
+                    </a:lnBlToTr>
+                  </a:tcPr>
+                </a:tc>
+                <a:tc>
+                  <a:txBody>
+                    <a:bodyPr/>
+                    <a:lstStyle/>
+                    <a:p>
+                      <a:endParaRPr lang="ru-RU" dirty="0"/>
+                    </a:p>
+                  </a:txBody>
+                  <a:tcPr>
+                    <a:lnL w="12700" cap="flat" cmpd="sng" algn="ctr">
+                      <a:noFill/>
+                      <a:prstDash val="solid"/>
+                      <a:round/>
+                      <a:headEnd type="none" w="med" len="med"/>
+                      <a:tailEnd type="none" w="med" len="med"/>
+                    </a:lnL>
+                    <a:lnR w="12700" cap="flat" cmpd="sng" algn="ctr">
+                      <a:noFill/>
+                      <a:prstDash val="solid"/>
+                      <a:round/>
+                      <a:headEnd type="none" w="med" len="med"/>
+                      <a:tailEnd type="none" w="med" len="med"/>
+                    </a:lnR>
+                    <a:lnT w="12700" cap="flat" cmpd="sng" algn="ctr">
+                      <a:noFill/>
+                      <a:prstDash val="solid"/>
+                      <a:round/>
+                      <a:headEnd type="none" w="med" len="med"/>
+                      <a:tailEnd type="none" w="med" len="med"/>
+                    </a:lnT>
+                    <a:lnB w="12700" cap="flat" cmpd="sng" algn="ctr">
+                      <a:noFill/>
+                      <a:prstDash val="solid"/>
+                      <a:round/>
+                      <a:headEnd type="none" w="med" len="med"/>
+                      <a:tailEnd type="none" w="med" len="med"/>
+                    </a:lnB>
+                    <a:lnTlToBr w="12700" cmpd="sng">
+                      <a:noFill/>
+                      <a:prstDash val="solid"/>
+                    </a:lnTlToBr>
+                    <a:lnBlToTr w="12700" cmpd="sng">
+                      <a:noFill/>
+                      <a:prstDash val="solid"/>
+                    </a:lnBlToTr>
+                  </a:tcPr>
+                </a:tc>
+              </a:tr>
+            </a:tbl>
+          </a:graphicData>
+        </a:graphic>
+      </p:graphicFrame>
+    </p:spTree>
+  </p:cSld>
+  <p:clrMapOvr>
+    <a:masterClrMapping/>
+  </p:clrMapOvr>
+  <p:timing>
+    <p:tnLst>
+      <p:par>
+        <p:cTn id="1" dur="indefinite" restart="never" nodeType="tmRoot"/>
+      </p:par>
+    </p:tnLst>
+  </p:timing>
+</p:sld>
+</file>
+
+<file path=ppt/slides/slide3.xml><?xml version="1.0" encoding="utf-8"?>
+<p:sld xmlns:a="http://schemas.openxmlformats.org/drawingml/2006/main" xmlns:r="http://schemas.openxmlformats.org/officeDocument/2006/relationships" xmlns:p="http://schemas.openxmlformats.org/presentationml/2006/main">
+  <p:cSld>
+    <p:spTree>
+      <p:nvGrpSpPr>
+        <p:cNvPr id="1" name=""/>
+        <p:cNvGrpSpPr/>
+        <p:nvPr/>
+      </p:nvGrpSpPr>
+      <p:grpSpPr>
+        <a:xfrm>
+          <a:off x="0" y="0"/>
+          <a:ext cx="0" cy="0"/>
+          <a:chOff x="0" y="0"/>
+          <a:chExt cx="0" cy="0"/>
+        </a:xfrm>
+      </p:grpSpPr>
+      <p:pic>
+        <p:nvPicPr>
+          <p:cNvPr id="4" name="Содержимое 3" descr="энтропия lграммы.png"/>
+          <p:cNvPicPr>
+            <a:picLocks noGrp="1" noChangeAspect="1"/>
+          </p:cNvPicPr>
+          <p:nvPr>
+            <p:ph sz="quarter" idx="1"/>
+          </p:nvPr>
+        </p:nvPicPr>
+        <p:blipFill>
+          <a:blip r:embed="rId2"/>
+          <a:stretch>
+            <a:fillRect/>
+          </a:stretch>
+        </p:blipFill>
+        <p:spPr>
+          <a:xfrm>
+            <a:off x="0" y="357166"/>
+            <a:ext cx="8683028" cy="1314605"/>
+          </a:xfrm>
+        </p:spPr>
+      </p:pic>
+      <p:pic>
+        <p:nvPicPr>
+          <p:cNvPr id="5" name="Рисунок 4" descr="собственная информация.png"/>
+          <p:cNvPicPr>
+            <a:picLocks noChangeAspect="1"/>
+          </p:cNvPicPr>
+          <p:nvPr/>
+        </p:nvPicPr>
+        <p:blipFill>
+          <a:blip r:embed="rId3"/>
+          <a:stretch>
+            <a:fillRect/>
+          </a:stretch>
+        </p:blipFill>
+        <p:spPr>
+          <a:xfrm>
+            <a:off x="0" y="2214554"/>
+            <a:ext cx="8872031" cy="1605054"/>
+          </a:xfrm>
+          <a:prstGeom prst="rect">
+            <a:avLst/>
+          </a:prstGeom>
+        </p:spPr>
+      </p:pic>
+      <p:pic>
+        <p:nvPicPr>
+          <p:cNvPr id="6" name="Рисунок 5" descr="собственная информация _2.png"/>
+          <p:cNvPicPr>
+            <a:picLocks noChangeAspect="1"/>
+          </p:cNvPicPr>
+          <p:nvPr/>
+        </p:nvPicPr>
+        <p:blipFill>
+          <a:blip r:embed="rId4"/>
+          <a:stretch>
+            <a:fillRect/>
+          </a:stretch>
+        </p:blipFill>
+        <p:spPr>
+          <a:xfrm>
+            <a:off x="0" y="3860667"/>
+            <a:ext cx="9144000" cy="1465688"/>
+          </a:xfrm>
+          <a:prstGeom prst="rect">
+            <a:avLst/>
+          </a:prstGeom>
+        </p:spPr>
+      </p:pic>
+      <p:pic>
+        <p:nvPicPr>
+          <p:cNvPr id="7" name="Рисунок 6" descr="собственная информация _3.png"/>
+          <p:cNvPicPr>
+            <a:picLocks noChangeAspect="1"/>
+          </p:cNvPicPr>
+          <p:nvPr/>
+        </p:nvPicPr>
+        <p:blipFill>
+          <a:blip r:embed="rId5"/>
+          <a:stretch>
+            <a:fillRect/>
+          </a:stretch>
+        </p:blipFill>
+        <p:spPr>
+          <a:xfrm>
+            <a:off x="2928926" y="5572140"/>
+            <a:ext cx="3296110" cy="771633"/>
+          </a:xfrm>
+          <a:prstGeom prst="rect">
+            <a:avLst/>
+          </a:prstGeom>
+        </p:spPr>
+      </p:pic>
+      <p:sp>
+        <p:nvSpPr>
+          <p:cNvPr id="8" name="TextBox 7"/>
+          <p:cNvSpPr txBox="1"/>
+          <p:nvPr/>
+        </p:nvSpPr>
+        <p:spPr>
+          <a:xfrm>
+            <a:off x="8677206" y="1071546"/>
+            <a:ext cx="466794" cy="369332"/>
+          </a:xfrm>
+          <a:prstGeom prst="rect">
+            <a:avLst/>
+          </a:prstGeom>
+          <a:noFill/>
+        </p:spPr>
+        <p:txBody>
+          <a:bodyPr wrap="none" rtlCol="0">
+            <a:spAutoFit/>
+          </a:bodyPr>
+          <a:lstStyle/>
+          <a:p>
+            <a:r>
+              <a:rPr lang="ru-RU" dirty="0" smtClean="0"/>
+              <a:t>(5)</a:t>
+            </a:r>
+            <a:endParaRPr lang="ru-RU" dirty="0"/>
+          </a:p>
+        </p:txBody>
+      </p:sp>
+      <p:sp>
+        <p:nvSpPr>
+          <p:cNvPr id="9" name="TextBox 8"/>
+          <p:cNvSpPr txBox="1"/>
+          <p:nvPr/>
+        </p:nvSpPr>
+        <p:spPr>
+          <a:xfrm>
+            <a:off x="7000892" y="2786058"/>
+            <a:ext cx="466794" cy="369332"/>
+          </a:xfrm>
+          <a:prstGeom prst="rect">
+            <a:avLst/>
+          </a:prstGeom>
+          <a:noFill/>
+        </p:spPr>
+        <p:txBody>
+          <a:bodyPr wrap="none" rtlCol="0">
+            <a:spAutoFit/>
+          </a:bodyPr>
+          <a:lstStyle/>
+          <a:p>
+            <a:r>
+              <a:rPr lang="ru-RU" dirty="0" smtClean="0"/>
+              <a:t>(6)</a:t>
+            </a:r>
+            <a:endParaRPr lang="ru-RU" dirty="0"/>
+          </a:p>
+        </p:txBody>
+      </p:sp>
+      <p:sp>
+        <p:nvSpPr>
+          <p:cNvPr id="10" name="TextBox 9"/>
+          <p:cNvSpPr txBox="1"/>
+          <p:nvPr/>
+        </p:nvSpPr>
+        <p:spPr>
+          <a:xfrm>
+            <a:off x="7143768" y="5715016"/>
+            <a:ext cx="466794" cy="369332"/>
+          </a:xfrm>
+          <a:prstGeom prst="rect">
+            <a:avLst/>
+          </a:prstGeom>
+          <a:noFill/>
+        </p:spPr>
+        <p:txBody>
+          <a:bodyPr wrap="none" rtlCol="0">
+            <a:spAutoFit/>
+          </a:bodyPr>
+          <a:lstStyle/>
+          <a:p>
+            <a:r>
+              <a:rPr lang="ru-RU" dirty="0" smtClean="0"/>
+              <a:t>(7)</a:t>
+            </a:r>
+            <a:endParaRPr lang="ru-RU" dirty="0"/>
+          </a:p>
+        </p:txBody>
+      </p:sp>
+    </p:spTree>
+  </p:cSld>
+  <p:clrMapOvr>
+    <a:masterClrMapping/>
+  </p:clrMapOvr>
+  <p:timing>
+    <p:tnLst>
+      <p:par>
+        <p:cTn id="1" dur="indefinite" restart="never" nodeType="tmRoot"/>
+      </p:par>
+    </p:tnLst>
+  </p:timing>
+</p:sld>
+</file>
+
+<file path=ppt/slides/slide4.xml><?xml version="1.0" encoding="utf-8"?>
+<p:sld xmlns:a="http://schemas.openxmlformats.org/drawingml/2006/main" xmlns:r="http://schemas.openxmlformats.org/officeDocument/2006/relationships" xmlns:p="http://schemas.openxmlformats.org/presentationml/2006/main">
+  <p:cSld>
+    <p:spTree>
+      <p:nvGrpSpPr>
+        <p:cNvPr id="1" name=""/>
+        <p:cNvGrpSpPr/>
+        <p:nvPr/>
+      </p:nvGrpSpPr>
+      <p:grpSpPr>
+        <a:xfrm>
+          <a:off x="0" y="0"/>
+          <a:ext cx="0" cy="0"/>
+          <a:chOff x="0" y="0"/>
+          <a:chExt cx="0" cy="0"/>
+        </a:xfrm>
+      </p:grpSpPr>
+      <p:sp>
+        <p:nvSpPr>
+          <p:cNvPr id="2" name="Заголовок 1"/>
+          <p:cNvSpPr>
+            <a:spLocks noGrp="1"/>
+          </p:cNvSpPr>
+          <p:nvPr>
+            <p:ph type="title"/>
+          </p:nvPr>
+        </p:nvSpPr>
+        <p:spPr>
+          <a:xfrm>
+            <a:off x="428596" y="285728"/>
+            <a:ext cx="8429652" cy="785831"/>
+          </a:xfrm>
+        </p:spPr>
+        <p:txBody>
+          <a:bodyPr>
+            <a:normAutofit/>
+          </a:bodyPr>
+          <a:lstStyle/>
+          <a:p>
+            <a:pPr eaLnBrk="1" fontAlgn="auto" hangingPunct="1">
+              <a:spcAft>
+                <a:spcPts val="0"/>
+              </a:spcAft>
+              <a:defRPr/>
+            </a:pPr>
+            <a:r>
+              <a:rPr lang="ru-RU" sz="3200" dirty="0" smtClean="0">
+                <a:solidFill>
+                  <a:schemeClr val="tx1"/>
+                </a:solidFill>
+              </a:rPr>
+              <a:t>Оценка энтропии биграммы</a:t>
+            </a:r>
+            <a:endParaRPr lang="ru-RU" sz="3200" dirty="0"/>
+          </a:p>
+        </p:txBody>
+      </p:sp>
+      <p:sp>
+        <p:nvSpPr>
+          <p:cNvPr id="6" name="Содержимое 5"/>
+          <p:cNvSpPr>
+            <a:spLocks noGrp="1"/>
+          </p:cNvSpPr>
+          <p:nvPr>
+            <p:ph sz="quarter" idx="1"/>
+          </p:nvPr>
+        </p:nvSpPr>
+        <p:spPr>
+          <a:xfrm>
+            <a:off x="500034" y="1214422"/>
+            <a:ext cx="7467600" cy="4873752"/>
+          </a:xfrm>
+        </p:spPr>
+        <p:txBody>
+          <a:bodyPr/>
+          <a:lstStyle/>
+          <a:p>
+            <a:r>
+              <a:rPr lang="ru-RU" sz="2000" b="1" dirty="0" smtClean="0"/>
+              <a:t>Лемма 1</a:t>
+            </a:r>
+            <a:r>
+              <a:rPr lang="ru-RU" sz="2000" dirty="0" smtClean="0"/>
+              <a:t>.  Для модели (1)-(4):</a:t>
+            </a:r>
+          </a:p>
+          <a:p>
+            <a:endParaRPr lang="ru-RU" sz="2000" dirty="0" smtClean="0"/>
+          </a:p>
+          <a:p>
+            <a:endParaRPr lang="ru-RU" sz="2000" dirty="0" smtClean="0"/>
+          </a:p>
+          <a:p>
+            <a:endParaRPr lang="ru-RU" sz="2000" dirty="0" smtClean="0"/>
+          </a:p>
+          <a:p>
+            <a:endParaRPr lang="ru-RU" sz="2000" dirty="0" smtClean="0"/>
+          </a:p>
+          <a:p>
+            <a:endParaRPr lang="ru-RU" sz="2000" dirty="0" smtClean="0"/>
+          </a:p>
+          <a:p>
+            <a:endParaRPr lang="ru-RU" sz="2000" dirty="0" smtClean="0"/>
+          </a:p>
+          <a:p>
+            <a:r>
+              <a:rPr lang="ru-RU" sz="2000" b="1" dirty="0" smtClean="0"/>
+              <a:t>Лемма 2</a:t>
+            </a:r>
+            <a:r>
+              <a:rPr lang="ru-RU" sz="2000" dirty="0" smtClean="0"/>
+              <a:t>. Если имеет место </a:t>
+            </a:r>
+            <a:r>
+              <a:rPr lang="ru-RU" sz="2000" dirty="0" err="1" smtClean="0"/>
+              <a:t>монобитная</a:t>
+            </a:r>
+            <a:r>
+              <a:rPr lang="ru-RU" sz="2000" dirty="0" smtClean="0"/>
+              <a:t> модель вкраплений (1)-(4), то для энтропии при </a:t>
+            </a:r>
+            <a:r>
+              <a:rPr lang="en-US" sz="2000" i="1" dirty="0" smtClean="0"/>
+              <a:t>l</a:t>
+            </a:r>
+            <a:r>
+              <a:rPr lang="en-US" sz="2000" dirty="0" smtClean="0"/>
+              <a:t>=2</a:t>
+            </a:r>
+            <a:r>
+              <a:rPr lang="ru-RU" sz="2000" dirty="0" smtClean="0"/>
+              <a:t> справедливо </a:t>
+            </a:r>
+            <a:r>
+              <a:rPr lang="ru-RU" sz="2000" dirty="0" err="1" smtClean="0"/>
+              <a:t>ассимптотическое</a:t>
+            </a:r>
+            <a:r>
+              <a:rPr lang="ru-RU" sz="2000" dirty="0" smtClean="0"/>
+              <a:t> разложение 1-го порядка:</a:t>
+            </a:r>
+          </a:p>
+          <a:p>
+            <a:endParaRPr lang="ru-RU" sz="2000" dirty="0"/>
+          </a:p>
+        </p:txBody>
+      </p:sp>
+      <p:pic>
+        <p:nvPicPr>
+          <p:cNvPr id="7" name="Рисунок 6" descr="lemma 2_2_1.png"/>
+          <p:cNvPicPr>
+            <a:picLocks noChangeAspect="1"/>
+          </p:cNvPicPr>
+          <p:nvPr/>
+        </p:nvPicPr>
+        <p:blipFill>
+          <a:blip r:embed="rId2"/>
+          <a:stretch>
+            <a:fillRect/>
+          </a:stretch>
+        </p:blipFill>
+        <p:spPr>
+          <a:xfrm>
+            <a:off x="785786" y="1643050"/>
+            <a:ext cx="6643734" cy="2297832"/>
+          </a:xfrm>
+          <a:prstGeom prst="rect">
+            <a:avLst/>
+          </a:prstGeom>
+        </p:spPr>
+      </p:pic>
+      <p:pic>
+        <p:nvPicPr>
+          <p:cNvPr id="8" name="Рисунок 7" descr="Лемма 2_2_2.png"/>
+          <p:cNvPicPr>
+            <a:picLocks noChangeAspect="1"/>
+          </p:cNvPicPr>
+          <p:nvPr/>
+        </p:nvPicPr>
+        <p:blipFill>
+          <a:blip r:embed="rId3"/>
+          <a:stretch>
+            <a:fillRect/>
+          </a:stretch>
+        </p:blipFill>
+        <p:spPr>
+          <a:xfrm>
+            <a:off x="1000100" y="5072074"/>
+            <a:ext cx="6114009" cy="857256"/>
+          </a:xfrm>
+          <a:prstGeom prst="rect">
+            <a:avLst/>
+          </a:prstGeom>
+        </p:spPr>
+      </p:pic>
+      <p:sp>
+        <p:nvSpPr>
+          <p:cNvPr id="10" name="Прямоугольник 9"/>
+          <p:cNvSpPr/>
+          <p:nvPr/>
+        </p:nvSpPr>
+        <p:spPr>
+          <a:xfrm>
+            <a:off x="7358082" y="5286388"/>
+            <a:ext cx="466794" cy="369332"/>
+          </a:xfrm>
+          <a:prstGeom prst="rect">
+            <a:avLst/>
+          </a:prstGeom>
+        </p:spPr>
+        <p:txBody>
+          <a:bodyPr wrap="none">
+            <a:spAutoFit/>
+          </a:bodyPr>
+          <a:lstStyle/>
+          <a:p>
+            <a:r>
+              <a:rPr lang="ru-RU" dirty="0" smtClean="0"/>
+              <a:t>(8)</a:t>
+            </a:r>
+            <a:endParaRPr lang="ru-RU" dirty="0"/>
+          </a:p>
+        </p:txBody>
+      </p:sp>
+    </p:spTree>
+  </p:cSld>
+  <p:clrMapOvr>
+    <a:masterClrMapping/>
+  </p:clrMapOvr>
+  <p:transition/>
+  <p:timing>
+    <p:tnLst>
+      <p:par>
+        <p:cTn id="1" dur="indefinite" restart="never" nodeType="tmRoot"/>
+      </p:par>
+    </p:tnLst>
+  </p:timing>
+</p:sld>
+</file>
+
+<file path=ppt/slides/slide5.xml><?xml version="1.0" encoding="utf-8"?>
+<p:sld xmlns:a="http://schemas.openxmlformats.org/drawingml/2006/main" xmlns:r="http://schemas.openxmlformats.org/officeDocument/2006/relationships" xmlns:p="http://schemas.openxmlformats.org/presentationml/2006/main">
+  <p:cSld>
+    <p:spTree>
+      <p:nvGrpSpPr>
+        <p:cNvPr id="1" name=""/>
+        <p:cNvGrpSpPr/>
+        <p:nvPr/>
+      </p:nvGrpSpPr>
+      <p:grpSpPr>
+        <a:xfrm>
+          <a:off x="0" y="0"/>
+          <a:ext cx="0" cy="0"/>
+          <a:chOff x="0" y="0"/>
+          <a:chExt cx="0" cy="0"/>
+        </a:xfrm>
+      </p:grpSpPr>
+      <p:sp>
+        <p:nvSpPr>
+          <p:cNvPr id="2" name="Заголовок 1"/>
+          <p:cNvSpPr>
+            <a:spLocks noGrp="1"/>
+          </p:cNvSpPr>
+          <p:nvPr>
+            <p:ph type="title"/>
+          </p:nvPr>
+        </p:nvSpPr>
+        <p:spPr>
+          <a:xfrm>
+            <a:off x="0" y="285751"/>
+            <a:ext cx="8643938" cy="857234"/>
+          </a:xfrm>
+        </p:spPr>
+        <p:txBody>
+          <a:bodyPr>
+            <a:normAutofit/>
+          </a:bodyPr>
+          <a:lstStyle/>
+          <a:p>
+            <a:pPr algn="ctr" eaLnBrk="1" fontAlgn="auto" hangingPunct="1">
+              <a:spcAft>
+                <a:spcPts val="0"/>
+              </a:spcAft>
+              <a:defRPr/>
+            </a:pPr>
+            <a:r>
+              <a:rPr lang="ru-RU" sz="3200" dirty="0" smtClean="0">
+                <a:solidFill>
+                  <a:schemeClr val="tx1"/>
+                </a:solidFill>
+              </a:rPr>
+              <a:t>Оценка энтропии 3-граммы</a:t>
+            </a:r>
+            <a:endParaRPr lang="ru-RU" sz="3200" dirty="0">
+              <a:solidFill>
+                <a:schemeClr val="tx1"/>
+              </a:solidFill>
+            </a:endParaRPr>
+          </a:p>
+        </p:txBody>
+      </p:sp>
+      <p:sp>
+        <p:nvSpPr>
+          <p:cNvPr id="11267" name="Содержимое 2"/>
+          <p:cNvSpPr>
+            <a:spLocks noGrp="1"/>
+          </p:cNvSpPr>
+          <p:nvPr>
+            <p:ph sz="quarter" idx="1"/>
+          </p:nvPr>
+        </p:nvSpPr>
+        <p:spPr>
+          <a:xfrm>
+            <a:off x="500034" y="1142984"/>
+            <a:ext cx="7467600" cy="4873625"/>
+          </a:xfrm>
+        </p:spPr>
+        <p:txBody>
+          <a:bodyPr/>
+          <a:lstStyle/>
+          <a:p>
+            <a:pPr eaLnBrk="1" hangingPunct="1"/>
+            <a:r>
+              <a:rPr lang="ru-RU" sz="2000" b="1" dirty="0" smtClean="0"/>
+              <a:t>Теорема 1</a:t>
+            </a:r>
+            <a:r>
+              <a:rPr lang="ru-RU" sz="2000" dirty="0" smtClean="0"/>
+              <a:t>. Если имеет место </a:t>
+            </a:r>
+            <a:r>
+              <a:rPr lang="ru-RU" sz="2000" dirty="0" err="1" smtClean="0"/>
+              <a:t>монобитная</a:t>
+            </a:r>
+            <a:r>
+              <a:rPr lang="ru-RU" sz="2000" dirty="0" smtClean="0"/>
+              <a:t> модель вкраплений (1)-(4), то для энтропии при </a:t>
+            </a:r>
+            <a:r>
+              <a:rPr lang="en-US" sz="2000" i="1" dirty="0" smtClean="0"/>
+              <a:t>l</a:t>
+            </a:r>
+            <a:r>
+              <a:rPr lang="en-US" sz="2000" dirty="0" smtClean="0"/>
+              <a:t>=</a:t>
+            </a:r>
+            <a:r>
+              <a:rPr lang="ru-RU" sz="2000" dirty="0" smtClean="0"/>
+              <a:t>3 справедливо </a:t>
+            </a:r>
+            <a:r>
+              <a:rPr lang="ru-RU" sz="2000" dirty="0" err="1" smtClean="0"/>
+              <a:t>ассимптотическое</a:t>
+            </a:r>
+            <a:r>
+              <a:rPr lang="ru-RU" sz="2000" dirty="0" smtClean="0"/>
+              <a:t> разложение 1-го порядка:</a:t>
+            </a:r>
+          </a:p>
+          <a:p>
+            <a:pPr eaLnBrk="1" hangingPunct="1"/>
+            <a:endParaRPr lang="ru-RU" dirty="0" smtClean="0"/>
+          </a:p>
+          <a:p>
+            <a:pPr eaLnBrk="1" hangingPunct="1"/>
+            <a:endParaRPr lang="ru-RU" dirty="0" smtClean="0"/>
+          </a:p>
+        </p:txBody>
+      </p:sp>
+      <p:pic>
+        <p:nvPicPr>
+          <p:cNvPr id="7" name="Рисунок 6" descr="теорема 2_2_1.png"/>
+          <p:cNvPicPr>
+            <a:picLocks noChangeAspect="1"/>
+          </p:cNvPicPr>
+          <p:nvPr/>
+        </p:nvPicPr>
+        <p:blipFill>
+          <a:blip r:embed="rId2"/>
+          <a:stretch>
+            <a:fillRect/>
+          </a:stretch>
+        </p:blipFill>
+        <p:spPr>
+          <a:xfrm>
+            <a:off x="1000100" y="2285992"/>
+            <a:ext cx="6091969" cy="833478"/>
+          </a:xfrm>
+          <a:prstGeom prst="rect">
+            <a:avLst/>
+          </a:prstGeom>
+        </p:spPr>
+      </p:pic>
+      <p:pic>
+        <p:nvPicPr>
+          <p:cNvPr id="5" name="Рисунок 4" descr="теорема 2_2_1 продолжение.png"/>
+          <p:cNvPicPr>
+            <a:picLocks noChangeAspect="1"/>
+          </p:cNvPicPr>
+          <p:nvPr/>
+        </p:nvPicPr>
+        <p:blipFill>
+          <a:blip r:embed="rId3"/>
+          <a:stretch>
+            <a:fillRect/>
+          </a:stretch>
+        </p:blipFill>
+        <p:spPr>
+          <a:xfrm>
+            <a:off x="357158" y="3071810"/>
+            <a:ext cx="7913794" cy="3286148"/>
+          </a:xfrm>
+          <a:prstGeom prst="rect">
+            <a:avLst/>
+          </a:prstGeom>
+        </p:spPr>
+      </p:pic>
+      <p:sp>
+        <p:nvSpPr>
+          <p:cNvPr id="6" name="Прямоугольник 5"/>
+          <p:cNvSpPr/>
+          <p:nvPr/>
+        </p:nvSpPr>
+        <p:spPr>
+          <a:xfrm>
+            <a:off x="7500958" y="2500306"/>
+            <a:ext cx="466794" cy="369332"/>
+          </a:xfrm>
+          <a:prstGeom prst="rect">
+            <a:avLst/>
+          </a:prstGeom>
+        </p:spPr>
+        <p:txBody>
+          <a:bodyPr wrap="square">
+            <a:spAutoFit/>
+          </a:bodyPr>
+          <a:lstStyle/>
+          <a:p>
+            <a:r>
+              <a:rPr lang="ru-RU" dirty="0" smtClean="0"/>
+              <a:t>(9)</a:t>
+            </a:r>
+            <a:endParaRPr lang="ru-RU" dirty="0"/>
+          </a:p>
+        </p:txBody>
+      </p:sp>
+    </p:spTree>
+  </p:cSld>
+  <p:clrMapOvr>
+    <a:masterClrMapping/>
+  </p:clrMapOvr>
+  <p:timing>
+    <p:tnLst>
+      <p:par>
+        <p:cTn id="1" dur="indefinite" restart="never" nodeType="tmRoot"/>
+      </p:par>
+    </p:tnLst>
+  </p:timing>
+</p:sld>
+</file>
+
+<file path=ppt/slides/slide6.xml><?xml version="1.0" encoding="utf-8"?>
+<p:sld xmlns:a="http://schemas.openxmlformats.org/drawingml/2006/main" xmlns:r="http://schemas.openxmlformats.org/officeDocument/2006/relationships" xmlns:p="http://schemas.openxmlformats.org/presentationml/2006/main">
+  <p:cSld>
+    <p:spTree>
+      <p:nvGrpSpPr>
+        <p:cNvPr id="1" name=""/>
+        <p:cNvGrpSpPr/>
+        <p:nvPr/>
+      </p:nvGrpSpPr>
+      <p:grpSpPr>
+        <a:xfrm>
+          <a:off x="0" y="0"/>
+          <a:ext cx="0" cy="0"/>
+          <a:chOff x="0" y="0"/>
+          <a:chExt cx="0" cy="0"/>
+        </a:xfrm>
+      </p:grpSpPr>
+      <p:sp>
+        <p:nvSpPr>
+          <p:cNvPr id="2" name="Заголовок 1"/>
+          <p:cNvSpPr>
+            <a:spLocks noGrp="1"/>
+          </p:cNvSpPr>
+          <p:nvPr>
+            <p:ph type="title"/>
+          </p:nvPr>
+        </p:nvSpPr>
+        <p:spPr>
+          <a:xfrm>
+            <a:off x="500034" y="500042"/>
+            <a:ext cx="8643966" cy="857256"/>
+          </a:xfrm>
+        </p:spPr>
+        <p:txBody>
+          <a:bodyPr>
+            <a:normAutofit/>
+          </a:bodyPr>
+          <a:lstStyle/>
+          <a:p>
+            <a:pPr eaLnBrk="1" fontAlgn="auto" hangingPunct="1">
+              <a:spcAft>
+                <a:spcPts val="0"/>
+              </a:spcAft>
+              <a:defRPr/>
+            </a:pPr>
+            <a:r>
+              <a:rPr lang="ru-RU" sz="2800" dirty="0" smtClean="0">
+                <a:solidFill>
+                  <a:schemeClr val="tx1"/>
+                </a:solidFill>
+              </a:rPr>
+              <a:t>Оценка энтропии </a:t>
+            </a:r>
+            <a:r>
+              <a:rPr lang="ru-RU" sz="2800" dirty="0" smtClean="0">
+                <a:solidFill>
+                  <a:schemeClr val="tx1"/>
+                </a:solidFill>
+              </a:rPr>
+              <a:t>4-граммы</a:t>
+            </a:r>
+            <a:endParaRPr lang="ru-RU" sz="2800" dirty="0"/>
+          </a:p>
+        </p:txBody>
+      </p:sp>
+      <p:sp>
+        <p:nvSpPr>
+          <p:cNvPr id="12291" name="Содержимое 4"/>
+          <p:cNvSpPr>
+            <a:spLocks noGrp="1"/>
+          </p:cNvSpPr>
+          <p:nvPr>
+            <p:ph sz="quarter" idx="1"/>
+          </p:nvPr>
+        </p:nvSpPr>
+        <p:spPr>
+          <a:xfrm>
+            <a:off x="457200" y="1600200"/>
+            <a:ext cx="7467600" cy="4873625"/>
+          </a:xfrm>
+        </p:spPr>
+        <p:txBody>
+          <a:bodyPr/>
+          <a:lstStyle/>
+          <a:p>
+            <a:pPr eaLnBrk="1" hangingPunct="1"/>
+            <a:r>
+              <a:rPr lang="ru-RU" b="1" dirty="0" smtClean="0"/>
+              <a:t>Теорема </a:t>
+            </a:r>
+            <a:r>
+              <a:rPr lang="ru-RU" b="1" dirty="0" smtClean="0"/>
+              <a:t>2</a:t>
+            </a:r>
+            <a:r>
+              <a:rPr lang="ru-RU" dirty="0" smtClean="0"/>
+              <a:t>. </a:t>
+            </a:r>
+            <a:r>
+              <a:rPr lang="ru-RU" dirty="0" smtClean="0"/>
+              <a:t>Если имеет место </a:t>
+            </a:r>
+            <a:r>
+              <a:rPr lang="ru-RU" dirty="0" err="1" smtClean="0"/>
+              <a:t>монобитная</a:t>
+            </a:r>
+            <a:r>
+              <a:rPr lang="ru-RU" dirty="0" smtClean="0"/>
+              <a:t> модель вкраплений (1)-(4), то для энтропии при </a:t>
+            </a:r>
+            <a:r>
+              <a:rPr lang="en-US" i="1" dirty="0" smtClean="0"/>
+              <a:t>l</a:t>
+            </a:r>
+            <a:r>
+              <a:rPr lang="en-US" dirty="0" smtClean="0"/>
+              <a:t>=</a:t>
+            </a:r>
+            <a:r>
+              <a:rPr lang="ru-RU" dirty="0" smtClean="0"/>
+              <a:t>4 </a:t>
+            </a:r>
+            <a:r>
+              <a:rPr lang="ru-RU" dirty="0" smtClean="0"/>
+              <a:t>справедливо </a:t>
+            </a:r>
+            <a:r>
+              <a:rPr lang="ru-RU" dirty="0" err="1" smtClean="0"/>
+              <a:t>ассимптотическое</a:t>
+            </a:r>
+            <a:r>
+              <a:rPr lang="ru-RU" dirty="0" smtClean="0"/>
+              <a:t> разложение 1-го порядка:</a:t>
+            </a:r>
+          </a:p>
+          <a:p>
+            <a:pPr eaLnBrk="1" hangingPunct="1"/>
+            <a:endParaRPr lang="ru-RU" dirty="0" smtClean="0"/>
+          </a:p>
+        </p:txBody>
+      </p:sp>
+      <p:pic>
+        <p:nvPicPr>
+          <p:cNvPr id="4" name="Рисунок 3" descr="теорема 2_2_2.png"/>
+          <p:cNvPicPr>
+            <a:picLocks noChangeAspect="1"/>
+          </p:cNvPicPr>
+          <p:nvPr/>
+        </p:nvPicPr>
+        <p:blipFill>
+          <a:blip r:embed="rId2"/>
+          <a:stretch>
+            <a:fillRect/>
+          </a:stretch>
+        </p:blipFill>
+        <p:spPr>
+          <a:xfrm>
+            <a:off x="714348" y="3357562"/>
+            <a:ext cx="7350860" cy="1304984"/>
+          </a:xfrm>
+          <a:prstGeom prst="rect">
+            <a:avLst/>
+          </a:prstGeom>
+        </p:spPr>
+      </p:pic>
+      <p:sp>
+        <p:nvSpPr>
+          <p:cNvPr id="5" name="Прямоугольник 4"/>
+          <p:cNvSpPr/>
+          <p:nvPr/>
+        </p:nvSpPr>
+        <p:spPr>
+          <a:xfrm>
+            <a:off x="7929586" y="3857628"/>
+            <a:ext cx="595035" cy="369332"/>
+          </a:xfrm>
+          <a:prstGeom prst="rect">
+            <a:avLst/>
+          </a:prstGeom>
+        </p:spPr>
+        <p:txBody>
+          <a:bodyPr wrap="none">
+            <a:spAutoFit/>
+          </a:bodyPr>
+          <a:lstStyle/>
+          <a:p>
+            <a:r>
+              <a:rPr lang="ru-RU" dirty="0" smtClean="0"/>
+              <a:t>(10)</a:t>
+            </a:r>
+            <a:endParaRPr lang="ru-RU" dirty="0"/>
+          </a:p>
+        </p:txBody>
+      </p:sp>
+    </p:spTree>
+  </p:cSld>
+  <p:clrMapOvr>
+    <a:masterClrMapping/>
+  </p:clrMapOvr>
+  <p:timing>
+    <p:tnLst>
+      <p:par>
+        <p:cTn id="1" dur="indefinite" restart="never" nodeType="tmRoot"/>
+      </p:par>
+    </p:tnLst>
+  </p:timing>
+</p:sld>
+</file>
+
+<file path=ppt/slides/slide7.xml><?xml version="1.0" encoding="utf-8"?>
+<p:sld xmlns:a="http://schemas.openxmlformats.org/drawingml/2006/main" xmlns:r="http://schemas.openxmlformats.org/officeDocument/2006/relationships" xmlns:p="http://schemas.openxmlformats.org/presentationml/2006/main">
+  <p:cSld>
+    <p:spTree>
+      <p:nvGrpSpPr>
+        <p:cNvPr id="1" name=""/>
+        <p:cNvGrpSpPr/>
+        <p:nvPr/>
+      </p:nvGrpSpPr>
+      <p:grpSpPr>
+        <a:xfrm>
+          <a:off x="0" y="0"/>
+          <a:ext cx="0" cy="0"/>
+          <a:chOff x="0" y="0"/>
+          <a:chExt cx="0" cy="0"/>
+        </a:xfrm>
+      </p:grpSpPr>
+      <p:sp>
+        <p:nvSpPr>
+          <p:cNvPr id="2" name="Заголовок 1"/>
+          <p:cNvSpPr>
+            <a:spLocks noGrp="1"/>
+          </p:cNvSpPr>
+          <p:nvPr>
+            <p:ph type="title"/>
+          </p:nvPr>
+        </p:nvSpPr>
+        <p:spPr>
+          <a:xfrm>
+            <a:off x="428625" y="357188"/>
+            <a:ext cx="7467600" cy="1143000"/>
+          </a:xfrm>
+        </p:spPr>
+        <p:txBody>
+          <a:bodyPr>
+            <a:normAutofit/>
+          </a:bodyPr>
+          <a:lstStyle/>
+          <a:p>
+            <a:pPr eaLnBrk="1" fontAlgn="auto" hangingPunct="1">
+              <a:spcAft>
+                <a:spcPts val="0"/>
+              </a:spcAft>
+              <a:defRPr/>
+            </a:pPr>
+            <a:r>
+              <a:rPr lang="ru-RU" dirty="0" smtClean="0"/>
+              <a:t>Компьютерные эксперименты</a:t>
+            </a:r>
+            <a:endParaRPr lang="ru-RU" dirty="0"/>
+          </a:p>
+        </p:txBody>
+      </p:sp>
+      <p:pic>
+        <p:nvPicPr>
+          <p:cNvPr id="5" name="Содержимое 4" descr="h2_01.png"/>
+          <p:cNvPicPr>
+            <a:picLocks noGrp="1" noChangeAspect="1"/>
+          </p:cNvPicPr>
+          <p:nvPr>
+            <p:ph sz="quarter" idx="1"/>
+          </p:nvPr>
+        </p:nvPicPr>
+        <p:blipFill>
+          <a:blip r:embed="rId2"/>
+          <a:stretch>
+            <a:fillRect/>
+          </a:stretch>
+        </p:blipFill>
+        <p:spPr>
+          <a:xfrm>
+            <a:off x="1929521" y="1751299"/>
+            <a:ext cx="5284958" cy="3963718"/>
+          </a:xfrm>
+        </p:spPr>
+      </p:pic>
+      <p:sp>
+        <p:nvSpPr>
+          <p:cNvPr id="6" name="TextBox 5"/>
+          <p:cNvSpPr txBox="1"/>
+          <p:nvPr/>
+        </p:nvSpPr>
+        <p:spPr>
+          <a:xfrm>
+            <a:off x="1214414" y="5643578"/>
+            <a:ext cx="6216382" cy="646331"/>
+          </a:xfrm>
+          <a:prstGeom prst="rect">
+            <a:avLst/>
+          </a:prstGeom>
+          <a:noFill/>
+        </p:spPr>
+        <p:txBody>
+          <a:bodyPr wrap="none" rtlCol="0">
+            <a:spAutoFit/>
+          </a:bodyPr>
+          <a:lstStyle/>
+          <a:p>
+            <a:r>
+              <a:rPr lang="ru-RU" dirty="0" smtClean="0"/>
+              <a:t>Рисунок 1 – График зависимости энтропии биграммы от</a:t>
+            </a:r>
+          </a:p>
+          <a:p>
+            <a:r>
+              <a:rPr lang="ru-RU" dirty="0" smtClean="0"/>
+              <a:t> длины последовательности </a:t>
+            </a:r>
+            <a:endParaRPr lang="ru-RU" dirty="0"/>
+          </a:p>
+        </p:txBody>
+      </p:sp>
+    </p:spTree>
+  </p:cSld>
+  <p:clrMapOvr>
+    <a:masterClrMapping/>
+  </p:clrMapOvr>
+  <p:timing>
+    <p:tnLst>
+      <p:par>
+        <p:cTn id="1" dur="indefinite" restart="never" nodeType="tmRoot"/>
+      </p:par>
+    </p:tnLst>
+  </p:timing>
+</p:sld>
+</file>
+
+<file path=ppt/slides/slide8.xml><?xml version="1.0" encoding="utf-8"?>
+<p:sld xmlns:a="http://schemas.openxmlformats.org/drawingml/2006/main" xmlns:r="http://schemas.openxmlformats.org/officeDocument/2006/relationships" xmlns:p="http://schemas.openxmlformats.org/presentationml/2006/main">
+  <p:cSld>
+    <p:spTree>
+      <p:nvGrpSpPr>
+        <p:cNvPr id="1" name=""/>
+        <p:cNvGrpSpPr/>
+        <p:nvPr/>
+      </p:nvGrpSpPr>
+      <p:grpSpPr>
+        <a:xfrm>
+          <a:off x="0" y="0"/>
+          <a:ext cx="0" cy="0"/>
+          <a:chOff x="0" y="0"/>
+          <a:chExt cx="0" cy="0"/>
+        </a:xfrm>
+      </p:grpSpPr>
+      <p:sp>
+        <p:nvSpPr>
+          <p:cNvPr id="2" name="Заголовок 1"/>
+          <p:cNvSpPr>
+            <a:spLocks noGrp="1"/>
+          </p:cNvSpPr>
+          <p:nvPr>
+            <p:ph type="title"/>
+          </p:nvPr>
+        </p:nvSpPr>
+        <p:spPr/>
+        <p:txBody>
+          <a:bodyPr/>
+          <a:lstStyle/>
+          <a:p>
+            <a:r>
+              <a:rPr lang="ru-RU" dirty="0" smtClean="0"/>
+              <a:t>Компьютерные эксперименты</a:t>
+            </a:r>
+            <a:endParaRPr lang="ru-RU" dirty="0"/>
+          </a:p>
+        </p:txBody>
+      </p:sp>
+      <p:pic>
+        <p:nvPicPr>
+          <p:cNvPr id="4" name="Содержимое 3" descr="h3_01.png"/>
+          <p:cNvPicPr>
+            <a:picLocks noGrp="1" noChangeAspect="1"/>
+          </p:cNvPicPr>
+          <p:nvPr>
+            <p:ph sz="quarter" idx="1"/>
+          </p:nvPr>
+        </p:nvPicPr>
+        <p:blipFill>
+          <a:blip r:embed="rId2"/>
+          <a:stretch>
+            <a:fillRect/>
+          </a:stretch>
+        </p:blipFill>
+        <p:spPr>
+          <a:xfrm>
+            <a:off x="2071670" y="1428736"/>
+            <a:ext cx="4950160" cy="3712620"/>
+          </a:xfrm>
+        </p:spPr>
+      </p:pic>
+      <p:sp>
+        <p:nvSpPr>
+          <p:cNvPr id="5" name="Прямоугольник 4"/>
+          <p:cNvSpPr/>
+          <p:nvPr/>
+        </p:nvSpPr>
+        <p:spPr>
+          <a:xfrm>
+            <a:off x="1714480" y="5214950"/>
+            <a:ext cx="6000792" cy="646331"/>
+          </a:xfrm>
+          <a:prstGeom prst="rect">
+            <a:avLst/>
+          </a:prstGeom>
+        </p:spPr>
+        <p:txBody>
+          <a:bodyPr wrap="square">
+            <a:spAutoFit/>
+          </a:bodyPr>
+          <a:lstStyle/>
+          <a:p>
+            <a:r>
+              <a:rPr lang="ru-RU" dirty="0" smtClean="0"/>
+              <a:t>Рисунок </a:t>
+            </a:r>
+            <a:r>
+              <a:rPr lang="ru-RU" dirty="0" smtClean="0"/>
+              <a:t>2 </a:t>
+            </a:r>
+            <a:r>
+              <a:rPr lang="ru-RU" dirty="0" smtClean="0"/>
+              <a:t>– График зависимости энтропии </a:t>
+            </a:r>
+            <a:r>
+              <a:rPr lang="ru-RU" dirty="0" smtClean="0"/>
+              <a:t>3-граммы от </a:t>
+            </a:r>
+            <a:r>
+              <a:rPr lang="ru-RU" dirty="0" smtClean="0"/>
+              <a:t>длины последовательности </a:t>
+            </a:r>
+            <a:endParaRPr lang="ru-RU" dirty="0"/>
+          </a:p>
+        </p:txBody>
+      </p:sp>
+    </p:spTree>
+  </p:cSld>
+  <p:clrMapOvr>
+    <a:masterClrMapping/>
+  </p:clrMapOvr>
 </p:sld>
 </file>
 
@@ -9020,238 +10792,87 @@
           <a:bodyPr/>
           <a:lstStyle/>
           <a:p>
-            <a:pPr eaLnBrk="1" fontAlgn="auto" hangingPunct="1">
-              <a:spcAft>
-                <a:spcPts val="0"/>
-              </a:spcAft>
-              <a:defRPr/>
-            </a:pPr>
-            <a:r>
-              <a:rPr lang="en-US" dirty="0" smtClean="0"/>
-              <a:t>JPEG </a:t>
-            </a:r>
             <a:r>
               <a:rPr lang="ru-RU" dirty="0" smtClean="0"/>
-              <a:t>контейнер</a:t>
+              <a:t>Компьютерные эксперименты</a:t>
             </a:r>
             <a:endParaRPr lang="ru-RU" dirty="0"/>
           </a:p>
         </p:txBody>
       </p:sp>
-      <p:sp>
-        <p:nvSpPr>
-          <p:cNvPr id="15363" name="Содержимое 2"/>
-          <p:cNvSpPr>
-            <a:spLocks noGrp="1"/>
-          </p:cNvSpPr>
+      <p:pic>
+        <p:nvPicPr>
+          <p:cNvPr id="4" name="Содержимое 3" descr="h4_01.png"/>
+          <p:cNvPicPr>
+            <a:picLocks noGrp="1" noChangeAspect="1"/>
+          </p:cNvPicPr>
           <p:nvPr>
             <p:ph sz="quarter" idx="1"/>
           </p:nvPr>
-        </p:nvSpPr>
-        <p:spPr>
-          <a:xfrm>
-            <a:off x="457200" y="1600200"/>
-            <a:ext cx="7467600" cy="4873625"/>
-          </a:xfrm>
-        </p:spPr>
-        <p:txBody>
-          <a:bodyPr/>
-          <a:lstStyle/>
-          <a:p>
-            <a:pPr eaLnBrk="1" hangingPunct="1"/>
-            <a:endParaRPr lang="ru-RU" smtClean="0"/>
-          </a:p>
-        </p:txBody>
-      </p:sp>
-      <p:pic>
-        <p:nvPicPr>
-          <p:cNvPr id="15364" name="Picture 2" descr="D:\jpeg\pic\1 (32).jpg"/>
-          <p:cNvPicPr>
-            <a:picLocks noChangeAspect="1" noChangeArrowheads="1"/>
-          </p:cNvPicPr>
-          <p:nvPr/>
         </p:nvPicPr>
         <p:blipFill>
           <a:blip r:embed="rId2"/>
-          <a:srcRect/>
           <a:stretch>
             <a:fillRect/>
           </a:stretch>
         </p:blipFill>
-        <p:spPr bwMode="auto">
-          <a:xfrm>
-            <a:off x="500063" y="1643063"/>
-            <a:ext cx="2571750" cy="3429000"/>
+        <p:spPr>
+          <a:xfrm>
+            <a:off x="2155733" y="1842448"/>
+            <a:ext cx="4832534" cy="3624401"/>
+          </a:xfrm>
+        </p:spPr>
+      </p:pic>
+      <p:sp>
+        <p:nvSpPr>
+          <p:cNvPr id="5" name="Прямоугольник 4"/>
+          <p:cNvSpPr/>
+          <p:nvPr/>
+        </p:nvSpPr>
+        <p:spPr>
+          <a:xfrm>
+            <a:off x="2214546" y="5429264"/>
+            <a:ext cx="5500726" cy="646331"/>
           </a:xfrm>
           <a:prstGeom prst="rect">
             <a:avLst/>
           </a:prstGeom>
-          <a:noFill/>
-          <a:ln w="9525">
-            <a:noFill/>
-            <a:miter lim="800000"/>
-            <a:headEnd/>
-            <a:tailEnd/>
-          </a:ln>
-        </p:spPr>
-      </p:pic>
-      <p:sp>
-        <p:nvSpPr>
-          <p:cNvPr id="15365" name="Rectangle 4"/>
-          <p:cNvSpPr>
-            <a:spLocks noChangeArrowheads="1"/>
-          </p:cNvSpPr>
-          <p:nvPr/>
-        </p:nvSpPr>
-        <p:spPr bwMode="auto">
-          <a:xfrm>
-            <a:off x="0" y="0"/>
-            <a:ext cx="9144000" cy="457200"/>
-          </a:xfrm>
-          <a:prstGeom prst="rect">
-            <a:avLst/>
-          </a:prstGeom>
-          <a:noFill/>
-          <a:ln w="9525">
-            <a:noFill/>
-            <a:miter lim="800000"/>
-            <a:headEnd/>
-            <a:tailEnd/>
-          </a:ln>
-        </p:spPr>
-        <p:txBody>
-          <a:bodyPr wrap="none" anchor="ctr">
+        </p:spPr>
+        <p:txBody>
+          <a:bodyPr wrap="square">
             <a:spAutoFit/>
           </a:bodyPr>
           <a:lstStyle/>
           <a:p>
-            <a:endParaRPr lang="ru-RU">
-              <a:latin typeface="Century Schoolbook" pitchFamily="18" charset="0"/>
-            </a:endParaRPr>
-          </a:p>
-        </p:txBody>
-      </p:sp>
-      <p:pic>
-        <p:nvPicPr>
-          <p:cNvPr id="15366" name="Picture 3"/>
-          <p:cNvPicPr>
-            <a:picLocks noChangeAspect="1" noChangeArrowheads="1"/>
-          </p:cNvPicPr>
-          <p:nvPr/>
-        </p:nvPicPr>
-        <p:blipFill>
-          <a:blip r:embed="rId3">
-            <a:clrChange>
-              <a:clrFrom>
-                <a:srgbClr val="FFFFFF"/>
-              </a:clrFrom>
-              <a:clrTo>
-                <a:srgbClr val="FFFFFF">
-                  <a:alpha val="0"/>
-                </a:srgbClr>
-              </a:clrTo>
-            </a:clrChange>
-          </a:blip>
-          <a:srcRect/>
-          <a:stretch>
-            <a:fillRect/>
-          </a:stretch>
-        </p:blipFill>
-        <p:spPr bwMode="auto">
-          <a:xfrm>
-            <a:off x="2357438" y="5500688"/>
-            <a:ext cx="4143375" cy="719137"/>
-          </a:xfrm>
-          <a:prstGeom prst="rect">
-            <a:avLst/>
-          </a:prstGeom>
-          <a:noFill/>
-          <a:ln w="9525">
-            <a:noFill/>
-            <a:miter lim="800000"/>
-            <a:headEnd/>
-            <a:tailEnd/>
-          </a:ln>
-        </p:spPr>
-      </p:pic>
-      <p:sp>
-        <p:nvSpPr>
-          <p:cNvPr id="15367" name="Rectangle 5"/>
-          <p:cNvSpPr>
-            <a:spLocks noChangeArrowheads="1"/>
-          </p:cNvSpPr>
-          <p:nvPr/>
-        </p:nvSpPr>
-        <p:spPr bwMode="auto">
-          <a:xfrm>
-            <a:off x="0" y="809625"/>
-            <a:ext cx="9144000" cy="457200"/>
-          </a:xfrm>
-          <a:prstGeom prst="rect">
-            <a:avLst/>
-          </a:prstGeom>
-          <a:noFill/>
-          <a:ln w="9525">
-            <a:noFill/>
-            <a:miter lim="800000"/>
-            <a:headEnd/>
-            <a:tailEnd/>
-          </a:ln>
-        </p:spPr>
-        <p:txBody>
-          <a:bodyPr wrap="none" anchor="ctr">
-            <a:spAutoFit/>
-          </a:bodyPr>
-          <a:lstStyle/>
-          <a:p>
-            <a:endParaRPr lang="ru-RU"/>
-          </a:p>
-        </p:txBody>
-      </p:sp>
-      <p:pic>
-        <p:nvPicPr>
-          <p:cNvPr id="15368" name="Picture 8" descr="D:\Study\5 курс\КУРСАЧ ДИПЛОМ\Диплом\hist1.png"/>
-          <p:cNvPicPr>
-            <a:picLocks noChangeAspect="1" noChangeArrowheads="1"/>
-          </p:cNvPicPr>
-          <p:nvPr/>
-        </p:nvPicPr>
-        <p:blipFill>
-          <a:blip r:embed="rId4"/>
-          <a:srcRect/>
-          <a:stretch>
-            <a:fillRect/>
-          </a:stretch>
-        </p:blipFill>
-        <p:spPr bwMode="auto">
-          <a:xfrm>
-            <a:off x="3571875" y="1428750"/>
-            <a:ext cx="5170488" cy="3878263"/>
-          </a:xfrm>
-          <a:prstGeom prst="rect">
-            <a:avLst/>
-          </a:prstGeom>
-          <a:noFill/>
-          <a:ln w="9525">
-            <a:noFill/>
-            <a:miter lim="800000"/>
-            <a:headEnd/>
-            <a:tailEnd/>
-          </a:ln>
-        </p:spPr>
-      </p:pic>
+            <a:r>
+              <a:rPr lang="ru-RU" dirty="0" smtClean="0"/>
+              <a:t>Рисунок </a:t>
+            </a:r>
+            <a:r>
+              <a:rPr lang="ru-RU" dirty="0" smtClean="0"/>
+              <a:t>3 </a:t>
+            </a:r>
+            <a:r>
+              <a:rPr lang="ru-RU" dirty="0" smtClean="0"/>
+              <a:t>– График зависимости энтропии </a:t>
+            </a:r>
+            <a:r>
+              <a:rPr lang="ru-RU" dirty="0" smtClean="0"/>
+              <a:t>4-граммы от </a:t>
+            </a:r>
+            <a:r>
+              <a:rPr lang="ru-RU" dirty="0" smtClean="0"/>
+              <a:t>длины последовательности </a:t>
+            </a:r>
+            <a:endParaRPr lang="ru-RU" dirty="0"/>
+          </a:p>
+        </p:txBody>
+      </p:sp>
     </p:spTree>
   </p:cSld>
   <p:clrMapOvr>
     <a:masterClrMapping/>
   </p:clrMapOvr>
-  <p:timing>
-    <p:tnLst>
-      <p:par>
-        <p:cTn id="1" dur="indefinite" restart="never" nodeType="tmRoot"/>
-      </p:par>
-    </p:tnLst>
-  </p:timing>
 </p:sld>
 </file>
 
